--- a/ExamPresentationTemplate.pptx
+++ b/ExamPresentationTemplate.pptx
@@ -11,10 +11,11 @@
     <p:sldId id="259" r:id="rId5"/>
     <p:sldId id="262" r:id="rId6"/>
     <p:sldId id="265" r:id="rId7"/>
-    <p:sldId id="267" r:id="rId8"/>
-    <p:sldId id="266" r:id="rId9"/>
-    <p:sldId id="261" r:id="rId10"/>
-    <p:sldId id="264" r:id="rId11"/>
+    <p:sldId id="268" r:id="rId8"/>
+    <p:sldId id="267" r:id="rId9"/>
+    <p:sldId id="266" r:id="rId10"/>
+    <p:sldId id="261" r:id="rId11"/>
+    <p:sldId id="264" r:id="rId12"/>
   </p:sldIdLst>
   <p:sldSz cx="12192000" cy="6858000"/>
   <p:notesSz cx="6858000" cy="9144000"/>
@@ -163,10 +164,9 @@
           </a:lstStyle>
           <a:p>
             <a:r>
-              <a:rPr lang="en-US" smtClean="0"/>
+              <a:rPr lang="en-US"/>
               <a:t>Click to edit Master title style</a:t>
             </a:r>
-            <a:endParaRPr lang="en-US"/>
           </a:p>
         </p:txBody>
       </p:sp>
@@ -228,10 +228,9 @@
           </a:lstStyle>
           <a:p>
             <a:r>
-              <a:rPr lang="en-US" smtClean="0"/>
+              <a:rPr lang="en-US"/>
               <a:t>Click to edit Master subtitle style</a:t>
             </a:r>
-            <a:endParaRPr lang="en-US"/>
           </a:p>
         </p:txBody>
       </p:sp>
@@ -252,7 +251,7 @@
           <a:p>
             <a:fld id="{896DB8EA-4B77-48E2-8F2A-873A9F82D9F4}" type="datetimeFigureOut">
               <a:rPr lang="en-US" smtClean="0"/>
-              <a:t>5/3/2019</a:t>
+              <a:t>5/13/2019</a:t>
             </a:fld>
             <a:endParaRPr lang="en-US"/>
           </a:p>
@@ -346,10 +345,9 @@
           <a:lstStyle/>
           <a:p>
             <a:r>
-              <a:rPr lang="en-US" smtClean="0"/>
+              <a:rPr lang="en-US"/>
               <a:t>Click to edit Master title style</a:t>
             </a:r>
-            <a:endParaRPr lang="en-US"/>
           </a:p>
         </p:txBody>
       </p:sp>
@@ -370,38 +368,37 @@
           <a:p>
             <a:pPr lvl="0"/>
             <a:r>
-              <a:rPr lang="en-US" smtClean="0"/>
+              <a:rPr lang="en-US"/>
               <a:t>Edit Master text styles</a:t>
             </a:r>
           </a:p>
           <a:p>
             <a:pPr lvl="1"/>
             <a:r>
-              <a:rPr lang="en-US" smtClean="0"/>
+              <a:rPr lang="en-US"/>
               <a:t>Second level</a:t>
             </a:r>
           </a:p>
           <a:p>
             <a:pPr lvl="2"/>
             <a:r>
-              <a:rPr lang="en-US" smtClean="0"/>
+              <a:rPr lang="en-US"/>
               <a:t>Third level</a:t>
             </a:r>
           </a:p>
           <a:p>
             <a:pPr lvl="3"/>
             <a:r>
-              <a:rPr lang="en-US" smtClean="0"/>
+              <a:rPr lang="en-US"/>
               <a:t>Fourth level</a:t>
             </a:r>
           </a:p>
           <a:p>
             <a:pPr lvl="4"/>
             <a:r>
-              <a:rPr lang="en-US" smtClean="0"/>
+              <a:rPr lang="en-US"/>
               <a:t>Fifth level</a:t>
             </a:r>
-            <a:endParaRPr lang="en-US"/>
           </a:p>
         </p:txBody>
       </p:sp>
@@ -422,7 +419,7 @@
           <a:p>
             <a:fld id="{896DB8EA-4B77-48E2-8F2A-873A9F82D9F4}" type="datetimeFigureOut">
               <a:rPr lang="en-US" smtClean="0"/>
-              <a:t>5/3/2019</a:t>
+              <a:t>5/13/2019</a:t>
             </a:fld>
             <a:endParaRPr lang="en-US"/>
           </a:p>
@@ -521,10 +518,9 @@
           <a:lstStyle/>
           <a:p>
             <a:r>
-              <a:rPr lang="en-US" smtClean="0"/>
+              <a:rPr lang="en-US"/>
               <a:t>Click to edit Master title style</a:t>
             </a:r>
-            <a:endParaRPr lang="en-US"/>
           </a:p>
         </p:txBody>
       </p:sp>
@@ -550,38 +546,37 @@
           <a:p>
             <a:pPr lvl="0"/>
             <a:r>
-              <a:rPr lang="en-US" smtClean="0"/>
+              <a:rPr lang="en-US"/>
               <a:t>Edit Master text styles</a:t>
             </a:r>
           </a:p>
           <a:p>
             <a:pPr lvl="1"/>
             <a:r>
-              <a:rPr lang="en-US" smtClean="0"/>
+              <a:rPr lang="en-US"/>
               <a:t>Second level</a:t>
             </a:r>
           </a:p>
           <a:p>
             <a:pPr lvl="2"/>
             <a:r>
-              <a:rPr lang="en-US" smtClean="0"/>
+              <a:rPr lang="en-US"/>
               <a:t>Third level</a:t>
             </a:r>
           </a:p>
           <a:p>
             <a:pPr lvl="3"/>
             <a:r>
-              <a:rPr lang="en-US" smtClean="0"/>
+              <a:rPr lang="en-US"/>
               <a:t>Fourth level</a:t>
             </a:r>
           </a:p>
           <a:p>
             <a:pPr lvl="4"/>
             <a:r>
-              <a:rPr lang="en-US" smtClean="0"/>
+              <a:rPr lang="en-US"/>
               <a:t>Fifth level</a:t>
             </a:r>
-            <a:endParaRPr lang="en-US"/>
           </a:p>
         </p:txBody>
       </p:sp>
@@ -602,7 +597,7 @@
           <a:p>
             <a:fld id="{896DB8EA-4B77-48E2-8F2A-873A9F82D9F4}" type="datetimeFigureOut">
               <a:rPr lang="en-US" smtClean="0"/>
-              <a:t>5/3/2019</a:t>
+              <a:t>5/13/2019</a:t>
             </a:fld>
             <a:endParaRPr lang="en-US"/>
           </a:p>
@@ -696,10 +691,9 @@
           <a:lstStyle/>
           <a:p>
             <a:r>
-              <a:rPr lang="en-US" smtClean="0"/>
+              <a:rPr lang="en-US"/>
               <a:t>Click to edit Master title style</a:t>
             </a:r>
-            <a:endParaRPr lang="en-US"/>
           </a:p>
         </p:txBody>
       </p:sp>
@@ -720,38 +714,37 @@
           <a:p>
             <a:pPr lvl="0"/>
             <a:r>
-              <a:rPr lang="en-US" smtClean="0"/>
+              <a:rPr lang="en-US"/>
               <a:t>Edit Master text styles</a:t>
             </a:r>
           </a:p>
           <a:p>
             <a:pPr lvl="1"/>
             <a:r>
-              <a:rPr lang="en-US" smtClean="0"/>
+              <a:rPr lang="en-US"/>
               <a:t>Second level</a:t>
             </a:r>
           </a:p>
           <a:p>
             <a:pPr lvl="2"/>
             <a:r>
-              <a:rPr lang="en-US" smtClean="0"/>
+              <a:rPr lang="en-US"/>
               <a:t>Third level</a:t>
             </a:r>
           </a:p>
           <a:p>
             <a:pPr lvl="3"/>
             <a:r>
-              <a:rPr lang="en-US" smtClean="0"/>
+              <a:rPr lang="en-US"/>
               <a:t>Fourth level</a:t>
             </a:r>
           </a:p>
           <a:p>
             <a:pPr lvl="4"/>
             <a:r>
-              <a:rPr lang="en-US" smtClean="0"/>
+              <a:rPr lang="en-US"/>
               <a:t>Fifth level</a:t>
             </a:r>
-            <a:endParaRPr lang="en-US"/>
           </a:p>
         </p:txBody>
       </p:sp>
@@ -772,7 +765,7 @@
           <a:p>
             <a:fld id="{896DB8EA-4B77-48E2-8F2A-873A9F82D9F4}" type="datetimeFigureOut">
               <a:rPr lang="en-US" smtClean="0"/>
-              <a:t>5/3/2019</a:t>
+              <a:t>5/13/2019</a:t>
             </a:fld>
             <a:endParaRPr lang="en-US"/>
           </a:p>
@@ -875,10 +868,9 @@
           </a:lstStyle>
           <a:p>
             <a:r>
-              <a:rPr lang="en-US" smtClean="0"/>
+              <a:rPr lang="en-US"/>
               <a:t>Click to edit Master title style</a:t>
             </a:r>
-            <a:endParaRPr lang="en-US"/>
           </a:p>
         </p:txBody>
       </p:sp>
@@ -995,7 +987,7 @@
           <a:p>
             <a:pPr lvl="0"/>
             <a:r>
-              <a:rPr lang="en-US" smtClean="0"/>
+              <a:rPr lang="en-US"/>
               <a:t>Edit Master text styles</a:t>
             </a:r>
           </a:p>
@@ -1018,7 +1010,7 @@
           <a:p>
             <a:fld id="{896DB8EA-4B77-48E2-8F2A-873A9F82D9F4}" type="datetimeFigureOut">
               <a:rPr lang="en-US" smtClean="0"/>
-              <a:t>5/3/2019</a:t>
+              <a:t>5/13/2019</a:t>
             </a:fld>
             <a:endParaRPr lang="en-US"/>
           </a:p>
@@ -1112,10 +1104,9 @@
           <a:lstStyle/>
           <a:p>
             <a:r>
-              <a:rPr lang="en-US" smtClean="0"/>
+              <a:rPr lang="en-US"/>
               <a:t>Click to edit Master title style</a:t>
             </a:r>
-            <a:endParaRPr lang="en-US"/>
           </a:p>
         </p:txBody>
       </p:sp>
@@ -1141,38 +1132,37 @@
           <a:p>
             <a:pPr lvl="0"/>
             <a:r>
-              <a:rPr lang="en-US" smtClean="0"/>
+              <a:rPr lang="en-US"/>
               <a:t>Edit Master text styles</a:t>
             </a:r>
           </a:p>
           <a:p>
             <a:pPr lvl="1"/>
             <a:r>
-              <a:rPr lang="en-US" smtClean="0"/>
+              <a:rPr lang="en-US"/>
               <a:t>Second level</a:t>
             </a:r>
           </a:p>
           <a:p>
             <a:pPr lvl="2"/>
             <a:r>
-              <a:rPr lang="en-US" smtClean="0"/>
+              <a:rPr lang="en-US"/>
               <a:t>Third level</a:t>
             </a:r>
           </a:p>
           <a:p>
             <a:pPr lvl="3"/>
             <a:r>
-              <a:rPr lang="en-US" smtClean="0"/>
+              <a:rPr lang="en-US"/>
               <a:t>Fourth level</a:t>
             </a:r>
           </a:p>
           <a:p>
             <a:pPr lvl="4"/>
             <a:r>
-              <a:rPr lang="en-US" smtClean="0"/>
+              <a:rPr lang="en-US"/>
               <a:t>Fifth level</a:t>
             </a:r>
-            <a:endParaRPr lang="en-US"/>
           </a:p>
         </p:txBody>
       </p:sp>
@@ -1198,38 +1188,37 @@
           <a:p>
             <a:pPr lvl="0"/>
             <a:r>
-              <a:rPr lang="en-US" smtClean="0"/>
+              <a:rPr lang="en-US"/>
               <a:t>Edit Master text styles</a:t>
             </a:r>
           </a:p>
           <a:p>
             <a:pPr lvl="1"/>
             <a:r>
-              <a:rPr lang="en-US" smtClean="0"/>
+              <a:rPr lang="en-US"/>
               <a:t>Second level</a:t>
             </a:r>
           </a:p>
           <a:p>
             <a:pPr lvl="2"/>
             <a:r>
-              <a:rPr lang="en-US" smtClean="0"/>
+              <a:rPr lang="en-US"/>
               <a:t>Third level</a:t>
             </a:r>
           </a:p>
           <a:p>
             <a:pPr lvl="3"/>
             <a:r>
-              <a:rPr lang="en-US" smtClean="0"/>
+              <a:rPr lang="en-US"/>
               <a:t>Fourth level</a:t>
             </a:r>
           </a:p>
           <a:p>
             <a:pPr lvl="4"/>
             <a:r>
-              <a:rPr lang="en-US" smtClean="0"/>
+              <a:rPr lang="en-US"/>
               <a:t>Fifth level</a:t>
             </a:r>
-            <a:endParaRPr lang="en-US"/>
           </a:p>
         </p:txBody>
       </p:sp>
@@ -1250,7 +1239,7 @@
           <a:p>
             <a:fld id="{896DB8EA-4B77-48E2-8F2A-873A9F82D9F4}" type="datetimeFigureOut">
               <a:rPr lang="en-US" smtClean="0"/>
-              <a:t>5/3/2019</a:t>
+              <a:t>5/13/2019</a:t>
             </a:fld>
             <a:endParaRPr lang="en-US"/>
           </a:p>
@@ -1349,10 +1338,9 @@
           <a:lstStyle/>
           <a:p>
             <a:r>
-              <a:rPr lang="en-US" smtClean="0"/>
+              <a:rPr lang="en-US"/>
               <a:t>Click to edit Master title style</a:t>
             </a:r>
-            <a:endParaRPr lang="en-US"/>
           </a:p>
         </p:txBody>
       </p:sp>
@@ -1415,7 +1403,7 @@
           <a:p>
             <a:pPr lvl="0"/>
             <a:r>
-              <a:rPr lang="en-US" smtClean="0"/>
+              <a:rPr lang="en-US"/>
               <a:t>Edit Master text styles</a:t>
             </a:r>
           </a:p>
@@ -1443,38 +1431,37 @@
           <a:p>
             <a:pPr lvl="0"/>
             <a:r>
-              <a:rPr lang="en-US" smtClean="0"/>
+              <a:rPr lang="en-US"/>
               <a:t>Edit Master text styles</a:t>
             </a:r>
           </a:p>
           <a:p>
             <a:pPr lvl="1"/>
             <a:r>
-              <a:rPr lang="en-US" smtClean="0"/>
+              <a:rPr lang="en-US"/>
               <a:t>Second level</a:t>
             </a:r>
           </a:p>
           <a:p>
             <a:pPr lvl="2"/>
             <a:r>
-              <a:rPr lang="en-US" smtClean="0"/>
+              <a:rPr lang="en-US"/>
               <a:t>Third level</a:t>
             </a:r>
           </a:p>
           <a:p>
             <a:pPr lvl="3"/>
             <a:r>
-              <a:rPr lang="en-US" smtClean="0"/>
+              <a:rPr lang="en-US"/>
               <a:t>Fourth level</a:t>
             </a:r>
           </a:p>
           <a:p>
             <a:pPr lvl="4"/>
             <a:r>
-              <a:rPr lang="en-US" smtClean="0"/>
+              <a:rPr lang="en-US"/>
               <a:t>Fifth level</a:t>
             </a:r>
-            <a:endParaRPr lang="en-US"/>
           </a:p>
         </p:txBody>
       </p:sp>
@@ -1537,7 +1524,7 @@
           <a:p>
             <a:pPr lvl="0"/>
             <a:r>
-              <a:rPr lang="en-US" smtClean="0"/>
+              <a:rPr lang="en-US"/>
               <a:t>Edit Master text styles</a:t>
             </a:r>
           </a:p>
@@ -1565,38 +1552,37 @@
           <a:p>
             <a:pPr lvl="0"/>
             <a:r>
-              <a:rPr lang="en-US" smtClean="0"/>
+              <a:rPr lang="en-US"/>
               <a:t>Edit Master text styles</a:t>
             </a:r>
           </a:p>
           <a:p>
             <a:pPr lvl="1"/>
             <a:r>
-              <a:rPr lang="en-US" smtClean="0"/>
+              <a:rPr lang="en-US"/>
               <a:t>Second level</a:t>
             </a:r>
           </a:p>
           <a:p>
             <a:pPr lvl="2"/>
             <a:r>
-              <a:rPr lang="en-US" smtClean="0"/>
+              <a:rPr lang="en-US"/>
               <a:t>Third level</a:t>
             </a:r>
           </a:p>
           <a:p>
             <a:pPr lvl="3"/>
             <a:r>
-              <a:rPr lang="en-US" smtClean="0"/>
+              <a:rPr lang="en-US"/>
               <a:t>Fourth level</a:t>
             </a:r>
           </a:p>
           <a:p>
             <a:pPr lvl="4"/>
             <a:r>
-              <a:rPr lang="en-US" smtClean="0"/>
+              <a:rPr lang="en-US"/>
               <a:t>Fifth level</a:t>
             </a:r>
-            <a:endParaRPr lang="en-US"/>
           </a:p>
         </p:txBody>
       </p:sp>
@@ -1617,7 +1603,7 @@
           <a:p>
             <a:fld id="{896DB8EA-4B77-48E2-8F2A-873A9F82D9F4}" type="datetimeFigureOut">
               <a:rPr lang="en-US" smtClean="0"/>
-              <a:t>5/3/2019</a:t>
+              <a:t>5/13/2019</a:t>
             </a:fld>
             <a:endParaRPr lang="en-US"/>
           </a:p>
@@ -1711,10 +1697,9 @@
           <a:lstStyle/>
           <a:p>
             <a:r>
-              <a:rPr lang="en-US" smtClean="0"/>
+              <a:rPr lang="en-US"/>
               <a:t>Click to edit Master title style</a:t>
             </a:r>
-            <a:endParaRPr lang="en-US"/>
           </a:p>
         </p:txBody>
       </p:sp>
@@ -1735,7 +1720,7 @@
           <a:p>
             <a:fld id="{896DB8EA-4B77-48E2-8F2A-873A9F82D9F4}" type="datetimeFigureOut">
               <a:rPr lang="en-US" smtClean="0"/>
-              <a:t>5/3/2019</a:t>
+              <a:t>5/13/2019</a:t>
             </a:fld>
             <a:endParaRPr lang="en-US"/>
           </a:p>
@@ -1830,7 +1815,7 @@
           <a:p>
             <a:fld id="{896DB8EA-4B77-48E2-8F2A-873A9F82D9F4}" type="datetimeFigureOut">
               <a:rPr lang="en-US" smtClean="0"/>
-              <a:t>5/3/2019</a:t>
+              <a:t>5/13/2019</a:t>
             </a:fld>
             <a:endParaRPr lang="en-US"/>
           </a:p>
@@ -1933,10 +1918,9 @@
           </a:lstStyle>
           <a:p>
             <a:r>
-              <a:rPr lang="en-US" smtClean="0"/>
+              <a:rPr lang="en-US"/>
               <a:t>Click to edit Master title style</a:t>
             </a:r>
-            <a:endParaRPr lang="en-US"/>
           </a:p>
         </p:txBody>
       </p:sp>
@@ -1990,38 +1974,37 @@
           <a:p>
             <a:pPr lvl="0"/>
             <a:r>
-              <a:rPr lang="en-US" smtClean="0"/>
+              <a:rPr lang="en-US"/>
               <a:t>Edit Master text styles</a:t>
             </a:r>
           </a:p>
           <a:p>
             <a:pPr lvl="1"/>
             <a:r>
-              <a:rPr lang="en-US" smtClean="0"/>
+              <a:rPr lang="en-US"/>
               <a:t>Second level</a:t>
             </a:r>
           </a:p>
           <a:p>
             <a:pPr lvl="2"/>
             <a:r>
-              <a:rPr lang="en-US" smtClean="0"/>
+              <a:rPr lang="en-US"/>
               <a:t>Third level</a:t>
             </a:r>
           </a:p>
           <a:p>
             <a:pPr lvl="3"/>
             <a:r>
-              <a:rPr lang="en-US" smtClean="0"/>
+              <a:rPr lang="en-US"/>
               <a:t>Fourth level</a:t>
             </a:r>
           </a:p>
           <a:p>
             <a:pPr lvl="4"/>
             <a:r>
-              <a:rPr lang="en-US" smtClean="0"/>
+              <a:rPr lang="en-US"/>
               <a:t>Fifth level</a:t>
             </a:r>
-            <a:endParaRPr lang="en-US"/>
           </a:p>
         </p:txBody>
       </p:sp>
@@ -2084,7 +2067,7 @@
           <a:p>
             <a:pPr lvl="0"/>
             <a:r>
-              <a:rPr lang="en-US" smtClean="0"/>
+              <a:rPr lang="en-US"/>
               <a:t>Edit Master text styles</a:t>
             </a:r>
           </a:p>
@@ -2107,7 +2090,7 @@
           <a:p>
             <a:fld id="{896DB8EA-4B77-48E2-8F2A-873A9F82D9F4}" type="datetimeFigureOut">
               <a:rPr lang="en-US" smtClean="0"/>
-              <a:t>5/3/2019</a:t>
+              <a:t>5/13/2019</a:t>
             </a:fld>
             <a:endParaRPr lang="en-US"/>
           </a:p>
@@ -2210,10 +2193,9 @@
           </a:lstStyle>
           <a:p>
             <a:r>
-              <a:rPr lang="en-US" smtClean="0"/>
+              <a:rPr lang="en-US"/>
               <a:t>Click to edit Master title style</a:t>
             </a:r>
-            <a:endParaRPr lang="en-US"/>
           </a:p>
         </p:txBody>
       </p:sp>
@@ -2337,7 +2319,7 @@
           <a:p>
             <a:pPr lvl="0"/>
             <a:r>
-              <a:rPr lang="en-US" smtClean="0"/>
+              <a:rPr lang="en-US"/>
               <a:t>Edit Master text styles</a:t>
             </a:r>
           </a:p>
@@ -2360,7 +2342,7 @@
           <a:p>
             <a:fld id="{896DB8EA-4B77-48E2-8F2A-873A9F82D9F4}" type="datetimeFigureOut">
               <a:rPr lang="en-US" smtClean="0"/>
-              <a:t>5/3/2019</a:t>
+              <a:t>5/13/2019</a:t>
             </a:fld>
             <a:endParaRPr lang="en-US"/>
           </a:p>
@@ -2469,10 +2451,9 @@
           <a:lstStyle/>
           <a:p>
             <a:r>
-              <a:rPr lang="en-US" smtClean="0"/>
+              <a:rPr lang="en-US"/>
               <a:t>Click to edit Master title style</a:t>
             </a:r>
-            <a:endParaRPr lang="en-US"/>
           </a:p>
         </p:txBody>
       </p:sp>
@@ -2503,38 +2484,37 @@
           <a:p>
             <a:pPr lvl="0"/>
             <a:r>
-              <a:rPr lang="en-US" smtClean="0"/>
+              <a:rPr lang="en-US"/>
               <a:t>Edit Master text styles</a:t>
             </a:r>
           </a:p>
           <a:p>
             <a:pPr lvl="1"/>
             <a:r>
-              <a:rPr lang="en-US" smtClean="0"/>
+              <a:rPr lang="en-US"/>
               <a:t>Second level</a:t>
             </a:r>
           </a:p>
           <a:p>
             <a:pPr lvl="2"/>
             <a:r>
-              <a:rPr lang="en-US" smtClean="0"/>
+              <a:rPr lang="en-US"/>
               <a:t>Third level</a:t>
             </a:r>
           </a:p>
           <a:p>
             <a:pPr lvl="3"/>
             <a:r>
-              <a:rPr lang="en-US" smtClean="0"/>
+              <a:rPr lang="en-US"/>
               <a:t>Fourth level</a:t>
             </a:r>
           </a:p>
           <a:p>
             <a:pPr lvl="4"/>
             <a:r>
-              <a:rPr lang="en-US" smtClean="0"/>
+              <a:rPr lang="en-US"/>
               <a:t>Fifth level</a:t>
             </a:r>
-            <a:endParaRPr lang="en-US"/>
           </a:p>
         </p:txBody>
       </p:sp>
@@ -2573,7 +2553,7 @@
           <a:p>
             <a:fld id="{896DB8EA-4B77-48E2-8F2A-873A9F82D9F4}" type="datetimeFigureOut">
               <a:rPr lang="en-US" smtClean="0"/>
-              <a:t>5/3/2019</a:t>
+              <a:t>5/13/2019</a:t>
             </a:fld>
             <a:endParaRPr lang="en-US"/>
           </a:p>
@@ -2994,7 +2974,7 @@
           <a:lstStyle/>
           <a:p>
             <a:r>
-              <a:rPr lang="en-GB" dirty="0" smtClean="0"/>
+              <a:rPr lang="en-GB" dirty="0"/>
               <a:t>Game theory of Potato Eater</a:t>
             </a:r>
             <a:endParaRPr lang="en-US" dirty="0"/>
@@ -3017,7 +2997,7 @@
           <a:lstStyle/>
           <a:p>
             <a:r>
-              <a:rPr lang="en-GB" dirty="0" smtClean="0"/>
+              <a:rPr lang="en-GB" dirty="0"/>
               <a:t>Bradley McDonald</a:t>
             </a:r>
             <a:endParaRPr lang="en-US" dirty="0"/>
@@ -3034,13 +3014,6 @@
   <p:clrMapOvr>
     <a:masterClrMapping/>
   </p:clrMapOvr>
-  <p:timing>
-    <p:tnLst>
-      <p:par>
-        <p:cTn id="1" dur="indefinite" restart="never" nodeType="tmRoot"/>
-      </p:par>
-    </p:tnLst>
-  </p:timing>
 </p:sld>
 </file>
 
@@ -3077,7 +3050,82 @@
           <a:lstStyle/>
           <a:p>
             <a:r>
-              <a:rPr lang="en-GB" dirty="0" smtClean="0"/>
+              <a:rPr lang="en-GB" dirty="0"/>
+              <a:t>References</a:t>
+            </a:r>
+            <a:endParaRPr lang="en-US" dirty="0"/>
+          </a:p>
+        </p:txBody>
+      </p:sp>
+      <p:sp>
+        <p:nvSpPr>
+          <p:cNvPr id="3" name="Content Placeholder 2"/>
+          <p:cNvSpPr>
+            <a:spLocks noGrp="1"/>
+          </p:cNvSpPr>
+          <p:nvPr>
+            <p:ph idx="1"/>
+          </p:nvPr>
+        </p:nvSpPr>
+        <p:spPr/>
+        <p:txBody>
+          <a:bodyPr/>
+          <a:lstStyle/>
+          <a:p>
+            <a:r>
+              <a:rPr lang="en-GB" dirty="0"/>
+              <a:t>&lt;Your best bet is to make the References section in a Word document and then copy &amp; paste it here&gt;</a:t>
+            </a:r>
+          </a:p>
+        </p:txBody>
+      </p:sp>
+    </p:spTree>
+    <p:extLst>
+      <p:ext uri="{BB962C8B-B14F-4D97-AF65-F5344CB8AC3E}">
+        <p14:creationId xmlns:p14="http://schemas.microsoft.com/office/powerpoint/2010/main" val="3933433891"/>
+      </p:ext>
+    </p:extLst>
+  </p:cSld>
+  <p:clrMapOvr>
+    <a:masterClrMapping/>
+  </p:clrMapOvr>
+</p:sld>
+</file>
+
+<file path=ppt/slides/slide11.xml><?xml version="1.0" encoding="utf-8"?>
+<p:sld xmlns:a="http://schemas.openxmlformats.org/drawingml/2006/main" xmlns:r="http://schemas.openxmlformats.org/officeDocument/2006/relationships" xmlns:p="http://schemas.openxmlformats.org/presentationml/2006/main">
+  <p:cSld>
+    <p:spTree>
+      <p:nvGrpSpPr>
+        <p:cNvPr id="1" name=""/>
+        <p:cNvGrpSpPr/>
+        <p:nvPr/>
+      </p:nvGrpSpPr>
+      <p:grpSpPr>
+        <a:xfrm>
+          <a:off x="0" y="0"/>
+          <a:ext cx="0" cy="0"/>
+          <a:chOff x="0" y="0"/>
+          <a:chExt cx="0" cy="0"/>
+        </a:xfrm>
+      </p:grpSpPr>
+      <p:sp>
+        <p:nvSpPr>
+          <p:cNvPr id="2" name="Title 1"/>
+          <p:cNvSpPr>
+            <a:spLocks noGrp="1"/>
+          </p:cNvSpPr>
+          <p:nvPr>
+            <p:ph type="title"/>
+          </p:nvPr>
+        </p:nvSpPr>
+        <p:spPr/>
+        <p:txBody>
+          <a:bodyPr/>
+          <a:lstStyle/>
+          <a:p>
+            <a:r>
+              <a:rPr lang="en-GB" dirty="0"/>
               <a:t>Any questions?</a:t>
             </a:r>
             <a:endParaRPr lang="en-US" dirty="0"/>
@@ -3123,7 +3171,7 @@
               <a:buNone/>
             </a:pPr>
             <a:r>
-              <a:rPr lang="en-GB" sz="23900" b="1" dirty="0" smtClean="0">
+              <a:rPr lang="en-GB" sz="23900" b="1" dirty="0">
                 <a:latin typeface="Franklin Gothic Book" panose="020B0503020102020204" pitchFamily="34" charset="0"/>
               </a:rPr>
               <a:t>?</a:t>
@@ -3144,13 +3192,6 @@
   <p:clrMapOvr>
     <a:masterClrMapping/>
   </p:clrMapOvr>
-  <p:timing>
-    <p:tnLst>
-      <p:par>
-        <p:cTn id="1" dur="indefinite" restart="never" nodeType="tmRoot"/>
-      </p:par>
-    </p:tnLst>
-  </p:timing>
 </p:sld>
 </file>
 
@@ -3187,7 +3228,7 @@
           <a:lstStyle/>
           <a:p>
             <a:r>
-              <a:rPr lang="en-GB" dirty="0" smtClean="0"/>
+              <a:rPr lang="en-GB" dirty="0"/>
               <a:t>Introduction</a:t>
             </a:r>
             <a:endParaRPr lang="en-US" dirty="0"/>
@@ -3215,22 +3256,17 @@
               <a:buNone/>
             </a:pPr>
             <a:r>
-              <a:rPr lang="en-GB" dirty="0" smtClean="0"/>
+              <a:rPr lang="en-GB" dirty="0"/>
               <a:t>This presentation will go over </a:t>
             </a:r>
-            <a:endParaRPr lang="en-GB" dirty="0" smtClean="0"/>
           </a:p>
           <a:p>
             <a:pPr marL="0" indent="0">
               <a:buNone/>
             </a:pPr>
             <a:r>
-              <a:rPr lang="en-GB" dirty="0" smtClean="0"/>
-              <a:t>[</a:t>
-            </a:r>
-            <a:r>
-              <a:rPr lang="en-GB" dirty="0" smtClean="0"/>
-              <a:t>Explain that the presentation is a discussion of various theories of games design in the context of the game that you have created]</a:t>
+              <a:rPr lang="en-GB" dirty="0"/>
+              <a:t>[Explain that the presentation is a discussion of various theories of games design in the context of the game that you have created]</a:t>
             </a:r>
           </a:p>
           <a:p>
@@ -3238,7 +3274,7 @@
               <a:buNone/>
             </a:pPr>
             <a:r>
-              <a:rPr lang="en-GB" dirty="0" smtClean="0"/>
+              <a:rPr lang="en-GB" dirty="0"/>
               <a:t>[1. Brief discussion of the work of art to which you responded]</a:t>
             </a:r>
           </a:p>
@@ -3247,7 +3283,7 @@
               <a:buNone/>
             </a:pPr>
             <a:r>
-              <a:rPr lang="en-GB" dirty="0" smtClean="0"/>
+              <a:rPr lang="en-GB" dirty="0"/>
               <a:t>[2. Brief discussion of your game]</a:t>
             </a:r>
           </a:p>
@@ -3256,7 +3292,7 @@
               <a:buNone/>
             </a:pPr>
             <a:r>
-              <a:rPr lang="en-GB" dirty="0" smtClean="0"/>
+              <a:rPr lang="en-GB" dirty="0"/>
               <a:t>[3. Theorist 1 – VERY brief introduction to their work]</a:t>
             </a:r>
           </a:p>
@@ -3265,7 +3301,7 @@
               <a:buNone/>
             </a:pPr>
             <a:r>
-              <a:rPr lang="en-GB" dirty="0" smtClean="0"/>
+              <a:rPr lang="en-GB" dirty="0"/>
               <a:t>[4. Theorist 2 – VERY brief introduction to their work]</a:t>
             </a:r>
           </a:p>
@@ -3274,7 +3310,7 @@
               <a:buNone/>
             </a:pPr>
             <a:r>
-              <a:rPr lang="en-GB" dirty="0" smtClean="0"/>
+              <a:rPr lang="en-GB" dirty="0"/>
               <a:t>[5. Theorist … etc]</a:t>
             </a:r>
           </a:p>
@@ -3283,7 +3319,7 @@
               <a:buNone/>
             </a:pPr>
             <a:r>
-              <a:rPr lang="en-GB" dirty="0" smtClean="0"/>
+              <a:rPr lang="en-GB" dirty="0"/>
               <a:t>[6. Conclusion</a:t>
             </a:r>
           </a:p>
@@ -3292,7 +3328,7 @@
               <a:buNone/>
             </a:pPr>
             <a:r>
-              <a:rPr lang="en-GB" dirty="0" smtClean="0"/>
+              <a:rPr lang="en-GB" dirty="0"/>
               <a:t>[7. References]</a:t>
             </a:r>
           </a:p>
@@ -3301,7 +3337,7 @@
               <a:buNone/>
             </a:pPr>
             <a:r>
-              <a:rPr lang="en-GB" dirty="0" smtClean="0"/>
+              <a:rPr lang="en-GB" dirty="0"/>
               <a:t>[8. Opportunity for questions]</a:t>
             </a:r>
             <a:endParaRPr lang="en-US" dirty="0"/>
@@ -3345,7 +3381,7 @@
           <a:p>
             <a:pPr algn="ctr"/>
             <a:r>
-              <a:rPr lang="en-GB" dirty="0" smtClean="0">
+              <a:rPr lang="en-GB" dirty="0">
                 <a:latin typeface="Franklin Gothic Book" panose="020B0503020102020204" pitchFamily="34" charset="0"/>
               </a:rPr>
               <a:t>You don’t need to do it precisely like this, but this is one approach to introducing your presentation.</a:t>
@@ -3393,7 +3429,7 @@
           <a:p>
             <a:pPr algn="ctr"/>
             <a:r>
-              <a:rPr lang="en-GB" dirty="0" smtClean="0">
+              <a:rPr lang="en-GB" dirty="0">
                 <a:latin typeface="Franklin Gothic Book" panose="020B0503020102020204" pitchFamily="34" charset="0"/>
               </a:rPr>
               <a:t>Don’t get too bogged down here, as you have only 15 minutes overall..</a:t>
@@ -3414,13 +3450,6 @@
   <p:clrMapOvr>
     <a:masterClrMapping/>
   </p:clrMapOvr>
-  <p:timing>
-    <p:tnLst>
-      <p:par>
-        <p:cTn id="1" dur="indefinite" restart="never" nodeType="tmRoot"/>
-      </p:par>
-    </p:tnLst>
-  </p:timing>
 </p:sld>
 </file>
 
@@ -3457,7 +3486,7 @@
           <a:lstStyle/>
           <a:p>
             <a:r>
-              <a:rPr lang="en-GB" dirty="0" smtClean="0"/>
+              <a:rPr lang="en-GB" dirty="0"/>
               <a:t>The Potato Eaters</a:t>
             </a:r>
             <a:endParaRPr lang="en-US" dirty="0"/>
@@ -3480,19 +3509,19 @@
           <a:lstStyle/>
           <a:p>
             <a:r>
-              <a:rPr lang="en-GB" dirty="0" smtClean="0"/>
+              <a:rPr lang="en-GB" dirty="0"/>
               <a:t>Artist- Vincent van Gogh</a:t>
             </a:r>
           </a:p>
           <a:p>
             <a:r>
-              <a:rPr lang="en-GB" dirty="0" smtClean="0"/>
+              <a:rPr lang="en-GB" dirty="0"/>
               <a:t>Year of creation- 1885</a:t>
             </a:r>
           </a:p>
           <a:p>
             <a:r>
-              <a:rPr lang="en-GB" dirty="0" smtClean="0"/>
+              <a:rPr lang="en-GB" dirty="0"/>
               <a:t>The painting was made to show how peasants really are, using ugly models and eating by a single candle light. </a:t>
             </a:r>
           </a:p>
@@ -3538,7 +3567,7 @@
           <a:p>
             <a:pPr algn="ctr"/>
             <a:r>
-              <a:rPr lang="en-GB" dirty="0" smtClean="0">
+              <a:rPr lang="en-GB" dirty="0">
                 <a:latin typeface="Franklin Gothic Book" panose="020B0503020102020204" pitchFamily="34" charset="0"/>
               </a:rPr>
               <a:t>Remember, this presentation is not about the response, so cover this briefly</a:t>
@@ -3589,13 +3618,6 @@
   <p:clrMapOvr>
     <a:masterClrMapping/>
   </p:clrMapOvr>
-  <p:timing>
-    <p:tnLst>
-      <p:par>
-        <p:cTn id="1" dur="indefinite" restart="never" nodeType="tmRoot"/>
-      </p:par>
-    </p:tnLst>
-  </p:timing>
 </p:sld>
 </file>
 
@@ -3632,7 +3654,7 @@
           <a:lstStyle/>
           <a:p>
             <a:r>
-              <a:rPr lang="en-GB" dirty="0" smtClean="0"/>
+              <a:rPr lang="en-GB" dirty="0"/>
               <a:t>Potato Eater</a:t>
             </a:r>
             <a:endParaRPr lang="en-US" dirty="0"/>
@@ -3655,31 +3677,31 @@
           <a:lstStyle/>
           <a:p>
             <a:r>
-              <a:rPr lang="en-GB" dirty="0" smtClean="0"/>
+              <a:rPr lang="en-GB" dirty="0"/>
               <a:t>Endless Runner</a:t>
             </a:r>
           </a:p>
           <a:p>
             <a:r>
-              <a:rPr lang="en-GB" dirty="0" smtClean="0"/>
+              <a:rPr lang="en-GB" dirty="0"/>
               <a:t>Play as a potato that is attempting to escape from a monster trying to eat you. </a:t>
             </a:r>
           </a:p>
           <a:p>
             <a:r>
-              <a:rPr lang="en-GB" dirty="0" smtClean="0"/>
+              <a:rPr lang="en-GB" dirty="0"/>
               <a:t>I hoped that the player will enjoy the progressive challenge, whilst trying to figure out the hidden metaphors in the game.</a:t>
             </a:r>
           </a:p>
           <a:p>
             <a:r>
-              <a:rPr lang="en-GB" dirty="0" smtClean="0"/>
+              <a:rPr lang="en-GB" dirty="0"/>
               <a:t>The experience is how long as the player wants. After a level is completed a new one is made with more platforms and obstacles.</a:t>
             </a:r>
           </a:p>
           <a:p>
             <a:r>
-              <a:rPr lang="en-GB" dirty="0" smtClean="0"/>
+              <a:rPr lang="en-GB" dirty="0"/>
               <a:t>Due to the obstacles being random it’s possible the player may not experience certain things until later playthroughs.</a:t>
             </a:r>
           </a:p>
@@ -3722,7 +3744,7 @@
           <a:p>
             <a:pPr algn="ctr"/>
             <a:r>
-              <a:rPr lang="en-GB" dirty="0" smtClean="0">
+              <a:rPr lang="en-GB" dirty="0">
                 <a:latin typeface="Franklin Gothic Book" panose="020B0503020102020204" pitchFamily="34" charset="0"/>
               </a:rPr>
               <a:t>It’s worth pointing out here that you did not create the game with the theories in mind</a:t>
@@ -3743,13 +3765,6 @@
   <p:clrMapOvr>
     <a:masterClrMapping/>
   </p:clrMapOvr>
-  <p:timing>
-    <p:tnLst>
-      <p:par>
-        <p:cTn id="1" dur="indefinite" restart="never" nodeType="tmRoot"/>
-      </p:par>
-    </p:tnLst>
-  </p:timing>
 </p:sld>
 </file>
 
@@ -3786,7 +3801,7 @@
           <a:lstStyle/>
           <a:p>
             <a:r>
-              <a:rPr lang="en-GB" dirty="0" smtClean="0"/>
+              <a:rPr lang="en-GB" dirty="0"/>
               <a:t>Justin Ma</a:t>
             </a:r>
             <a:endParaRPr lang="en-US" dirty="0"/>
@@ -3814,47 +3829,51 @@
           <a:lstStyle/>
           <a:p>
             <a:r>
-              <a:rPr lang="en-GB" dirty="0" smtClean="0"/>
-              <a:t>Justin Ma goes into how his games can allow the players to have the experience they want with the game such as playtime length and difficulty is wide ranged, if they want to have a relaxing or challenging experience they are able to do so.</a:t>
-            </a:r>
-          </a:p>
-          <a:p>
-            <a:r>
-              <a:rPr lang="en-GB" dirty="0" smtClean="0"/>
+              <a:rPr lang="en-GB" dirty="0"/>
+              <a:t>Justin Ma (Game Designer) who made, ‘</a:t>
+            </a:r>
+            <a:r>
+              <a:rPr lang="en-GB" i="1" dirty="0"/>
+              <a:t>FTL: Faster Than Light’ </a:t>
+            </a:r>
+            <a:r>
+              <a:rPr lang="en-GB" dirty="0"/>
+              <a:t>and ‘</a:t>
+            </a:r>
+            <a:r>
+              <a:rPr lang="en-GB" i="1" dirty="0"/>
+              <a:t>Into the Breach’</a:t>
+            </a:r>
+            <a:r>
+              <a:rPr lang="en-GB" dirty="0"/>
+              <a:t> who</a:t>
+            </a:r>
+            <a:r>
+              <a:rPr lang="en-GB" i="1" dirty="0"/>
+              <a:t> </a:t>
+            </a:r>
+            <a:r>
+              <a:rPr lang="en-GB" dirty="0"/>
+              <a:t>goes into how his games can allow the players to have the experience they want with the game. Such as, playtime length and difficulty is wide ranged, if they want to have a relaxing or challenging experience, they are able to do so.</a:t>
+            </a:r>
+          </a:p>
+          <a:p>
+            <a:r>
+              <a:rPr lang="en-GB" dirty="0"/>
               <a:t>In my game players are able to experience the game for as long or short as they want. As they immediately put into it.</a:t>
             </a:r>
           </a:p>
           <a:p>
             <a:r>
               <a:rPr lang="en-GB" dirty="0"/>
-              <a:t>D</a:t>
-            </a:r>
-            <a:r>
-              <a:rPr lang="en-GB" dirty="0" smtClean="0"/>
-              <a:t>oes </a:t>
-            </a:r>
-            <a:r>
-              <a:rPr lang="en-GB" dirty="0"/>
-              <a:t>not </a:t>
-            </a:r>
-            <a:r>
-              <a:rPr lang="en-GB" dirty="0" smtClean="0"/>
-              <a:t>have set </a:t>
-            </a:r>
-            <a:r>
-              <a:rPr lang="en-GB" dirty="0"/>
-              <a:t>difficulty </a:t>
-            </a:r>
-            <a:r>
-              <a:rPr lang="en-GB" dirty="0" smtClean="0"/>
-              <a:t>levels, but is random so a player could have a easier experience by luck rather than from experience or by design.</a:t>
+              <a:t>Does not have set difficulty levels, but is random so a player could have a easier experience by luck rather than from experience or by design.</a:t>
             </a:r>
           </a:p>
           <a:p>
             <a:endParaRPr lang="en-GB" dirty="0"/>
           </a:p>
           <a:p>
-            <a:endParaRPr lang="en-GB" dirty="0" smtClean="0"/>
+            <a:endParaRPr lang="en-GB" dirty="0"/>
           </a:p>
           <a:p>
             <a:endParaRPr lang="en-US" dirty="0"/>
@@ -3887,19 +3906,12 @@
               <a:rPr lang="en-US" dirty="0">
                 <a:hlinkClick r:id="rId2"/>
               </a:rPr>
-              <a:t>https://</a:t>
-            </a:r>
-            <a:r>
-              <a:rPr lang="en-US" dirty="0" smtClean="0">
-                <a:hlinkClick r:id="rId2"/>
-              </a:rPr>
-              <a:t>www.interactive.org/Interviews/the_game_makers_notebook.asp-</a:t>
-            </a:r>
-            <a:r>
-              <a:rPr lang="en-US" dirty="0" smtClean="0"/>
+              <a:t>https://www.interactive.org/Interviews/the_game_makers_notebook.asp-</a:t>
+            </a:r>
+            <a:r>
+              <a:rPr lang="en-US" dirty="0"/>
               <a:t> Justin Ma- 58:30-59:21</a:t>
             </a:r>
-            <a:endParaRPr lang="en-US" dirty="0"/>
           </a:p>
         </p:txBody>
       </p:sp>
@@ -3913,13 +3925,6 @@
   <p:clrMapOvr>
     <a:masterClrMapping/>
   </p:clrMapOvr>
-  <p:timing>
-    <p:tnLst>
-      <p:par>
-        <p:cTn id="1" dur="indefinite" restart="never" nodeType="tmRoot"/>
-      </p:par>
-    </p:tnLst>
-  </p:timing>
 </p:sld>
 </file>
 
@@ -3956,15 +3961,218 @@
           <a:lstStyle/>
           <a:p>
             <a:r>
-              <a:rPr lang="en-GB" dirty="0" smtClean="0"/>
-              <a:t>Sean Murray</a:t>
-            </a:r>
+              <a:rPr lang="en-US" dirty="0"/>
+              <a:t>Shaun Baron</a:t>
+            </a:r>
+          </a:p>
+        </p:txBody>
+      </p:sp>
+      <p:sp>
+        <p:nvSpPr>
+          <p:cNvPr id="3" name="Content Placeholder 2"/>
+          <p:cNvSpPr>
+            <a:spLocks noGrp="1"/>
+          </p:cNvSpPr>
+          <p:nvPr>
+            <p:ph idx="1"/>
+          </p:nvPr>
+        </p:nvSpPr>
+        <p:spPr/>
+        <p:txBody>
+          <a:bodyPr/>
+          <a:lstStyle/>
+          <a:p>
+            <a:r>
+              <a:rPr lang="en-GB" dirty="0"/>
+              <a:t>Shaun Barons theory is about cognitive flow, the engagement of the player when playing the game. This is done by increasing difficulty as the players skill increases, however to a somewhat equal balance as shown below.  </a:t>
+            </a:r>
+          </a:p>
+          <a:p>
+            <a:r>
+              <a:rPr lang="en-GB" dirty="0"/>
+              <a:t>[Where your game fits in]</a:t>
+            </a:r>
+          </a:p>
+          <a:p>
+            <a:r>
+              <a:rPr lang="en-GB" dirty="0"/>
+              <a:t>[Where your game does not fit in]</a:t>
+            </a:r>
+          </a:p>
+          <a:p>
             <a:endParaRPr lang="en-US" dirty="0"/>
           </a:p>
         </p:txBody>
       </p:sp>
       <p:sp>
         <p:nvSpPr>
+          <p:cNvPr id="5" name="TextBox 4">
+            <a:extLst>
+              <a:ext uri="{FF2B5EF4-FFF2-40B4-BE49-F238E27FC236}">
+                <a16:creationId xmlns:a16="http://schemas.microsoft.com/office/drawing/2014/main" id="{210FB8FD-51CB-481C-9EFE-ECDF164A0705}"/>
+              </a:ext>
+            </a:extLst>
+          </p:cNvPr>
+          <p:cNvSpPr txBox="1"/>
+          <p:nvPr/>
+        </p:nvSpPr>
+        <p:spPr>
+          <a:xfrm>
+            <a:off x="337350" y="6107837"/>
+            <a:ext cx="6294269" cy="646331"/>
+          </a:xfrm>
+          <a:prstGeom prst="rect">
+            <a:avLst/>
+          </a:prstGeom>
+          <a:noFill/>
+        </p:spPr>
+        <p:txBody>
+          <a:bodyPr wrap="square" rtlCol="0">
+            <a:spAutoFit/>
+          </a:bodyPr>
+          <a:lstStyle/>
+          <a:p>
+            <a:r>
+              <a:rPr lang="en-GB" dirty="0">
+                <a:hlinkClick r:id="rId2"/>
+              </a:rPr>
+              <a:t>https://www.gamasutra.com/view/feature/166972/cognitive_flow_the_psychology_of_.php</a:t>
+            </a:r>
+            <a:endParaRPr lang="en-GB" dirty="0"/>
+          </a:p>
+        </p:txBody>
+      </p:sp>
+      <p:pic>
+        <p:nvPicPr>
+          <p:cNvPr id="1028" name="Picture 4" descr="https://www.gamasutra.com/db_area/images/feature/166972/figure1.png">
+            <a:extLst>
+              <a:ext uri="{FF2B5EF4-FFF2-40B4-BE49-F238E27FC236}">
+                <a16:creationId xmlns:a16="http://schemas.microsoft.com/office/drawing/2014/main" id="{1AE40F28-719F-4E27-9205-F861E17A762D}"/>
+              </a:ext>
+            </a:extLst>
+          </p:cNvPr>
+          <p:cNvPicPr>
+            <a:picLocks noChangeAspect="1" noChangeArrowheads="1"/>
+          </p:cNvPicPr>
+          <p:nvPr/>
+        </p:nvPicPr>
+        <p:blipFill>
+          <a:blip r:embed="rId3">
+            <a:extLst>
+              <a:ext uri="{28A0092B-C50C-407E-A947-70E740481C1C}">
+                <a14:useLocalDpi xmlns:a14="http://schemas.microsoft.com/office/drawing/2010/main" val="0"/>
+              </a:ext>
+            </a:extLst>
+          </a:blip>
+          <a:srcRect/>
+          <a:stretch>
+            <a:fillRect/>
+          </a:stretch>
+        </p:blipFill>
+        <p:spPr bwMode="auto">
+          <a:xfrm>
+            <a:off x="7838983" y="3171261"/>
+            <a:ext cx="4353017" cy="3686739"/>
+          </a:xfrm>
+          <a:prstGeom prst="rect">
+            <a:avLst/>
+          </a:prstGeom>
+          <a:noFill/>
+          <a:extLst>
+            <a:ext uri="{909E8E84-426E-40DD-AFC4-6F175D3DCCD1}">
+              <a14:hiddenFill xmlns:a14="http://schemas.microsoft.com/office/drawing/2010/main">
+                <a:solidFill>
+                  <a:srgbClr val="FFFFFF"/>
+                </a:solidFill>
+              </a14:hiddenFill>
+            </a:ext>
+          </a:extLst>
+        </p:spPr>
+      </p:pic>
+      <p:pic>
+        <p:nvPicPr>
+          <p:cNvPr id="7" name="Picture 6">
+            <a:extLst>
+              <a:ext uri="{FF2B5EF4-FFF2-40B4-BE49-F238E27FC236}">
+                <a16:creationId xmlns:a16="http://schemas.microsoft.com/office/drawing/2014/main" id="{D34391A7-BDE8-4281-B4A2-580ED12DC97E}"/>
+              </a:ext>
+            </a:extLst>
+          </p:cNvPr>
+          <p:cNvPicPr>
+            <a:picLocks noChangeAspect="1"/>
+          </p:cNvPicPr>
+          <p:nvPr/>
+        </p:nvPicPr>
+        <p:blipFill>
+          <a:blip r:embed="rId4"/>
+          <a:stretch>
+            <a:fillRect/>
+          </a:stretch>
+        </p:blipFill>
+        <p:spPr>
+          <a:xfrm>
+            <a:off x="4792427" y="4568906"/>
+            <a:ext cx="3548180" cy="1597290"/>
+          </a:xfrm>
+          <a:prstGeom prst="rect">
+            <a:avLst/>
+          </a:prstGeom>
+        </p:spPr>
+      </p:pic>
+    </p:spTree>
+    <p:extLst>
+      <p:ext uri="{BB962C8B-B14F-4D97-AF65-F5344CB8AC3E}">
+        <p14:creationId xmlns:p14="http://schemas.microsoft.com/office/powerpoint/2010/main" val="2620025653"/>
+      </p:ext>
+    </p:extLst>
+  </p:cSld>
+  <p:clrMapOvr>
+    <a:masterClrMapping/>
+  </p:clrMapOvr>
+</p:sld>
+</file>
+
+<file path=ppt/slides/slide7.xml><?xml version="1.0" encoding="utf-8"?>
+<p:sld xmlns:a="http://schemas.openxmlformats.org/drawingml/2006/main" xmlns:r="http://schemas.openxmlformats.org/officeDocument/2006/relationships" xmlns:p="http://schemas.openxmlformats.org/presentationml/2006/main">
+  <p:cSld>
+    <p:spTree>
+      <p:nvGrpSpPr>
+        <p:cNvPr id="1" name=""/>
+        <p:cNvGrpSpPr/>
+        <p:nvPr/>
+      </p:nvGrpSpPr>
+      <p:grpSpPr>
+        <a:xfrm>
+          <a:off x="0" y="0"/>
+          <a:ext cx="0" cy="0"/>
+          <a:chOff x="0" y="0"/>
+          <a:chExt cx="0" cy="0"/>
+        </a:xfrm>
+      </p:grpSpPr>
+      <p:sp>
+        <p:nvSpPr>
+          <p:cNvPr id="2" name="Title 1"/>
+          <p:cNvSpPr>
+            <a:spLocks noGrp="1"/>
+          </p:cNvSpPr>
+          <p:nvPr>
+            <p:ph type="title"/>
+          </p:nvPr>
+        </p:nvSpPr>
+        <p:spPr/>
+        <p:txBody>
+          <a:bodyPr/>
+          <a:lstStyle/>
+          <a:p>
+            <a:r>
+              <a:rPr lang="en-US" dirty="0"/>
+              <a:t>Shaun Baron</a:t>
+            </a:r>
+          </a:p>
+        </p:txBody>
+      </p:sp>
+      <p:sp>
+        <p:nvSpPr>
           <p:cNvPr id="3" name="Content Placeholder 2"/>
           <p:cNvSpPr>
             <a:spLocks noGrp="1"/>
@@ -3973,25 +4181,232 @@
             <p:ph idx="1"/>
           </p:nvPr>
         </p:nvSpPr>
-        <p:spPr/>
-        <p:txBody>
-          <a:bodyPr/>
-          <a:lstStyle/>
-          <a:p>
-            <a:r>
-              <a:rPr lang="en-GB" dirty="0" smtClean="0"/>
+        <p:spPr>
+          <a:xfrm>
+            <a:off x="270029" y="1253331"/>
+            <a:ext cx="7364767" cy="4351338"/>
+          </a:xfrm>
+        </p:spPr>
+        <p:txBody>
+          <a:bodyPr/>
+          <a:lstStyle/>
+          <a:p>
+            <a:r>
+              <a:rPr lang="en-GB" dirty="0"/>
+              <a:t>This fits in with my game as when the player completes a level, by clearing all the obstacles, the player must do the same however with more obstacles. More obstacles increases the difficulty as it increases the likelihood that the player will fail.</a:t>
+            </a:r>
+          </a:p>
+          <a:p>
+            <a:r>
+              <a:rPr lang="en-US" dirty="0"/>
+              <a:t>The levels difficulty is randomly generated meaning a later level could be incredibly easy because there is a chance it may spawn no obstacles, though this is improbable.</a:t>
+            </a:r>
+          </a:p>
+        </p:txBody>
+      </p:sp>
+      <p:sp>
+        <p:nvSpPr>
+          <p:cNvPr id="5" name="TextBox 4">
+            <a:extLst>
+              <a:ext uri="{FF2B5EF4-FFF2-40B4-BE49-F238E27FC236}">
+                <a16:creationId xmlns:a16="http://schemas.microsoft.com/office/drawing/2014/main" id="{210FB8FD-51CB-481C-9EFE-ECDF164A0705}"/>
+              </a:ext>
+            </a:extLst>
+          </p:cNvPr>
+          <p:cNvSpPr txBox="1"/>
+          <p:nvPr/>
+        </p:nvSpPr>
+        <p:spPr>
+          <a:xfrm>
+            <a:off x="337350" y="6107837"/>
+            <a:ext cx="6294269" cy="646331"/>
+          </a:xfrm>
+          <a:prstGeom prst="rect">
+            <a:avLst/>
+          </a:prstGeom>
+          <a:noFill/>
+        </p:spPr>
+        <p:txBody>
+          <a:bodyPr wrap="square" rtlCol="0">
+            <a:spAutoFit/>
+          </a:bodyPr>
+          <a:lstStyle/>
+          <a:p>
+            <a:r>
+              <a:rPr lang="en-GB" dirty="0">
+                <a:hlinkClick r:id="rId2"/>
+              </a:rPr>
+              <a:t>https://www.gamasutra.com/view/feature/166972/cognitive_flow_the_psychology_of_.php</a:t>
+            </a:r>
+            <a:endParaRPr lang="en-GB" dirty="0"/>
+          </a:p>
+        </p:txBody>
+      </p:sp>
+      <p:pic>
+        <p:nvPicPr>
+          <p:cNvPr id="1028" name="Picture 4" descr="https://www.gamasutra.com/db_area/images/feature/166972/figure1.png">
+            <a:extLst>
+              <a:ext uri="{FF2B5EF4-FFF2-40B4-BE49-F238E27FC236}">
+                <a16:creationId xmlns:a16="http://schemas.microsoft.com/office/drawing/2014/main" id="{1AE40F28-719F-4E27-9205-F861E17A762D}"/>
+              </a:ext>
+            </a:extLst>
+          </p:cNvPr>
+          <p:cNvPicPr>
+            <a:picLocks noChangeAspect="1" noChangeArrowheads="1"/>
+          </p:cNvPicPr>
+          <p:nvPr/>
+        </p:nvPicPr>
+        <p:blipFill>
+          <a:blip r:embed="rId3">
+            <a:extLst>
+              <a:ext uri="{28A0092B-C50C-407E-A947-70E740481C1C}">
+                <a14:useLocalDpi xmlns:a14="http://schemas.microsoft.com/office/drawing/2010/main" val="0"/>
+              </a:ext>
+            </a:extLst>
+          </a:blip>
+          <a:srcRect/>
+          <a:stretch>
+            <a:fillRect/>
+          </a:stretch>
+        </p:blipFill>
+        <p:spPr bwMode="auto">
+          <a:xfrm>
+            <a:off x="7568954" y="1585630"/>
+            <a:ext cx="4353017" cy="3686739"/>
+          </a:xfrm>
+          <a:prstGeom prst="rect">
+            <a:avLst/>
+          </a:prstGeom>
+          <a:noFill/>
+          <a:extLst>
+            <a:ext uri="{909E8E84-426E-40DD-AFC4-6F175D3DCCD1}">
+              <a14:hiddenFill xmlns:a14="http://schemas.microsoft.com/office/drawing/2010/main">
+                <a:solidFill>
+                  <a:srgbClr val="FFFFFF"/>
+                </a:solidFill>
+              </a14:hiddenFill>
+            </a:ext>
+          </a:extLst>
+        </p:spPr>
+      </p:pic>
+      <p:sp>
+        <p:nvSpPr>
+          <p:cNvPr id="4" name="TextBox 3">
+            <a:extLst>
+              <a:ext uri="{FF2B5EF4-FFF2-40B4-BE49-F238E27FC236}">
+                <a16:creationId xmlns:a16="http://schemas.microsoft.com/office/drawing/2014/main" id="{8177F114-43BE-4609-B17A-CF082B0D4EFC}"/>
+              </a:ext>
+            </a:extLst>
+          </p:cNvPr>
+          <p:cNvSpPr txBox="1"/>
+          <p:nvPr/>
+        </p:nvSpPr>
+        <p:spPr>
+          <a:xfrm>
+            <a:off x="8105313" y="5193437"/>
+            <a:ext cx="3497802" cy="1477328"/>
+          </a:xfrm>
+          <a:prstGeom prst="rect">
+            <a:avLst/>
+          </a:prstGeom>
+          <a:noFill/>
+        </p:spPr>
+        <p:txBody>
+          <a:bodyPr wrap="square" rtlCol="0">
+            <a:spAutoFit/>
+          </a:bodyPr>
+          <a:lstStyle/>
+          <a:p>
+            <a:r>
+              <a:rPr lang="en-US"/>
+              <a:t>Figure 1: Flow, boredom, and anxiety as they relate to task difficulty and user skill level. Adapted from Csikszentmihalyi, 1990.</a:t>
+            </a:r>
+            <a:endParaRPr lang="en-GB" dirty="0"/>
+          </a:p>
+        </p:txBody>
+      </p:sp>
+    </p:spTree>
+    <p:extLst>
+      <p:ext uri="{BB962C8B-B14F-4D97-AF65-F5344CB8AC3E}">
+        <p14:creationId xmlns:p14="http://schemas.microsoft.com/office/powerpoint/2010/main" val="4095865595"/>
+      </p:ext>
+    </p:extLst>
+  </p:cSld>
+  <p:clrMapOvr>
+    <a:masterClrMapping/>
+  </p:clrMapOvr>
+</p:sld>
+</file>
+
+<file path=ppt/slides/slide8.xml><?xml version="1.0" encoding="utf-8"?>
+<p:sld xmlns:a="http://schemas.openxmlformats.org/drawingml/2006/main" xmlns:r="http://schemas.openxmlformats.org/officeDocument/2006/relationships" xmlns:p="http://schemas.openxmlformats.org/presentationml/2006/main">
+  <p:cSld>
+    <p:spTree>
+      <p:nvGrpSpPr>
+        <p:cNvPr id="1" name=""/>
+        <p:cNvGrpSpPr/>
+        <p:nvPr/>
+      </p:nvGrpSpPr>
+      <p:grpSpPr>
+        <a:xfrm>
+          <a:off x="0" y="0"/>
+          <a:ext cx="0" cy="0"/>
+          <a:chOff x="0" y="0"/>
+          <a:chExt cx="0" cy="0"/>
+        </a:xfrm>
+      </p:grpSpPr>
+      <p:sp>
+        <p:nvSpPr>
+          <p:cNvPr id="2" name="Title 1"/>
+          <p:cNvSpPr>
+            <a:spLocks noGrp="1"/>
+          </p:cNvSpPr>
+          <p:nvPr>
+            <p:ph type="title"/>
+          </p:nvPr>
+        </p:nvSpPr>
+        <p:spPr/>
+        <p:txBody>
+          <a:bodyPr/>
+          <a:lstStyle/>
+          <a:p>
+            <a:r>
+              <a:rPr lang="en-GB" dirty="0"/>
+              <a:t>&lt;Theorist #3&gt;</a:t>
+            </a:r>
+            <a:endParaRPr lang="en-US" dirty="0"/>
+          </a:p>
+        </p:txBody>
+      </p:sp>
+      <p:sp>
+        <p:nvSpPr>
+          <p:cNvPr id="3" name="Content Placeholder 2"/>
+          <p:cNvSpPr>
+            <a:spLocks noGrp="1"/>
+          </p:cNvSpPr>
+          <p:nvPr>
+            <p:ph idx="1"/>
+          </p:nvPr>
+        </p:nvSpPr>
+        <p:spPr/>
+        <p:txBody>
+          <a:bodyPr/>
+          <a:lstStyle/>
+          <a:p>
+            <a:r>
+              <a:rPr lang="en-GB" dirty="0"/>
               <a:t>[Brief summary of the theory]</a:t>
             </a:r>
           </a:p>
           <a:p>
             <a:r>
-              <a:rPr lang="en-GB" dirty="0" smtClean="0"/>
+              <a:rPr lang="en-GB" dirty="0"/>
               <a:t>[Where your game fits in]</a:t>
             </a:r>
           </a:p>
           <a:p>
             <a:r>
-              <a:rPr lang="en-GB" dirty="0" smtClean="0"/>
+              <a:rPr lang="en-GB" dirty="0"/>
               <a:t>[Where your game does not fit in]</a:t>
             </a:r>
           </a:p>
@@ -4037,188 +4452,25 @@
           <a:p>
             <a:pPr algn="ctr"/>
             <a:r>
-              <a:rPr lang="en-GB" dirty="0" smtClean="0">
+              <a:rPr lang="en-GB" dirty="0">
                 <a:latin typeface="Franklin Gothic Book" panose="020B0503020102020204" pitchFamily="34" charset="0"/>
               </a:rPr>
               <a:t>This does not all have to be on one slide. Eg for </a:t>
             </a:r>
             <a:r>
-              <a:rPr lang="en-GB" dirty="0" err="1" smtClean="0">
+              <a:rPr lang="en-GB" dirty="0" err="1">
                 <a:latin typeface="Franklin Gothic Book" panose="020B0503020102020204" pitchFamily="34" charset="0"/>
               </a:rPr>
               <a:t>Callois</a:t>
             </a:r>
             <a:r>
-              <a:rPr lang="en-GB" dirty="0" smtClean="0">
+              <a:rPr lang="en-GB" dirty="0">
                 <a:latin typeface="Franklin Gothic Book" panose="020B0503020102020204" pitchFamily="34" charset="0"/>
               </a:rPr>
               <a:t>, you might show his table here and then show it again on the next slide but with your </a:t>
             </a:r>
             <a:r>
-              <a:rPr lang="en-GB" smtClean="0">
-                <a:latin typeface="Franklin Gothic Book" panose="020B0503020102020204" pitchFamily="34" charset="0"/>
-              </a:rPr>
-              <a:t>game included.</a:t>
-            </a:r>
-            <a:endParaRPr lang="en-US" dirty="0">
-              <a:latin typeface="Franklin Gothic Book" panose="020B0503020102020204" pitchFamily="34" charset="0"/>
-            </a:endParaRPr>
-          </a:p>
-        </p:txBody>
-      </p:sp>
-    </p:spTree>
-    <p:extLst>
-      <p:ext uri="{BB962C8B-B14F-4D97-AF65-F5344CB8AC3E}">
-        <p14:creationId xmlns:p14="http://schemas.microsoft.com/office/powerpoint/2010/main" val="2620025653"/>
-      </p:ext>
-    </p:extLst>
-  </p:cSld>
-  <p:clrMapOvr>
-    <a:masterClrMapping/>
-  </p:clrMapOvr>
-  <p:timing>
-    <p:tnLst>
-      <p:par>
-        <p:cTn id="1" dur="indefinite" restart="never" nodeType="tmRoot"/>
-      </p:par>
-    </p:tnLst>
-  </p:timing>
-</p:sld>
-</file>
-
-<file path=ppt/slides/slide7.xml><?xml version="1.0" encoding="utf-8"?>
-<p:sld xmlns:a="http://schemas.openxmlformats.org/drawingml/2006/main" xmlns:r="http://schemas.openxmlformats.org/officeDocument/2006/relationships" xmlns:p="http://schemas.openxmlformats.org/presentationml/2006/main">
-  <p:cSld>
-    <p:spTree>
-      <p:nvGrpSpPr>
-        <p:cNvPr id="1" name=""/>
-        <p:cNvGrpSpPr/>
-        <p:nvPr/>
-      </p:nvGrpSpPr>
-      <p:grpSpPr>
-        <a:xfrm>
-          <a:off x="0" y="0"/>
-          <a:ext cx="0" cy="0"/>
-          <a:chOff x="0" y="0"/>
-          <a:chExt cx="0" cy="0"/>
-        </a:xfrm>
-      </p:grpSpPr>
-      <p:sp>
-        <p:nvSpPr>
-          <p:cNvPr id="2" name="Title 1"/>
-          <p:cNvSpPr>
-            <a:spLocks noGrp="1"/>
-          </p:cNvSpPr>
-          <p:nvPr>
-            <p:ph type="title"/>
-          </p:nvPr>
-        </p:nvSpPr>
-        <p:spPr/>
-        <p:txBody>
-          <a:bodyPr/>
-          <a:lstStyle/>
-          <a:p>
-            <a:r>
-              <a:rPr lang="en-GB" dirty="0" smtClean="0"/>
-              <a:t>&lt;Theorist #3&gt;</a:t>
-            </a:r>
-            <a:endParaRPr lang="en-US" dirty="0"/>
-          </a:p>
-        </p:txBody>
-      </p:sp>
-      <p:sp>
-        <p:nvSpPr>
-          <p:cNvPr id="3" name="Content Placeholder 2"/>
-          <p:cNvSpPr>
-            <a:spLocks noGrp="1"/>
-          </p:cNvSpPr>
-          <p:nvPr>
-            <p:ph idx="1"/>
-          </p:nvPr>
-        </p:nvSpPr>
-        <p:spPr/>
-        <p:txBody>
-          <a:bodyPr/>
-          <a:lstStyle/>
-          <a:p>
-            <a:r>
-              <a:rPr lang="en-GB" dirty="0" smtClean="0"/>
-              <a:t>[Brief summary of the theory]</a:t>
-            </a:r>
-          </a:p>
-          <a:p>
-            <a:r>
-              <a:rPr lang="en-GB" dirty="0" smtClean="0"/>
-              <a:t>[Where your game fits in]</a:t>
-            </a:r>
-          </a:p>
-          <a:p>
-            <a:r>
-              <a:rPr lang="en-GB" dirty="0" smtClean="0"/>
-              <a:t>[Where your game does not fit in]</a:t>
-            </a:r>
-          </a:p>
-          <a:p>
-            <a:endParaRPr lang="en-US" dirty="0"/>
-          </a:p>
-        </p:txBody>
-      </p:sp>
-      <p:sp>
-        <p:nvSpPr>
-          <p:cNvPr id="4" name="Rectangle 3"/>
-          <p:cNvSpPr/>
-          <p:nvPr/>
-        </p:nvSpPr>
-        <p:spPr>
-          <a:xfrm>
-            <a:off x="7992208" y="4211516"/>
-            <a:ext cx="3880339" cy="2241734"/>
-          </a:xfrm>
-          <a:prstGeom prst="rect">
-            <a:avLst/>
-          </a:prstGeom>
-        </p:spPr>
-        <p:style>
-          <a:lnRef idx="2">
-            <a:schemeClr val="accent1">
-              <a:shade val="50000"/>
-            </a:schemeClr>
-          </a:lnRef>
-          <a:fillRef idx="1">
-            <a:schemeClr val="accent1"/>
-          </a:fillRef>
-          <a:effectRef idx="0">
-            <a:schemeClr val="accent1"/>
-          </a:effectRef>
-          <a:fontRef idx="minor">
-            <a:schemeClr val="lt1"/>
-          </a:fontRef>
-        </p:style>
-        <p:txBody>
-          <a:bodyPr rtlCol="0" anchor="ctr"/>
-          <a:lstStyle/>
-          <a:p>
-            <a:pPr algn="ctr"/>
-            <a:r>
-              <a:rPr lang="en-GB" dirty="0" smtClean="0">
-                <a:latin typeface="Franklin Gothic Book" panose="020B0503020102020204" pitchFamily="34" charset="0"/>
-              </a:rPr>
-              <a:t>This does not all have to be on one slide. Eg for </a:t>
-            </a:r>
-            <a:r>
-              <a:rPr lang="en-GB" dirty="0" err="1" smtClean="0">
-                <a:latin typeface="Franklin Gothic Book" panose="020B0503020102020204" pitchFamily="34" charset="0"/>
-              </a:rPr>
-              <a:t>Callois</a:t>
-            </a:r>
-            <a:r>
-              <a:rPr lang="en-GB" dirty="0" smtClean="0">
-                <a:latin typeface="Franklin Gothic Book" panose="020B0503020102020204" pitchFamily="34" charset="0"/>
-              </a:rPr>
-              <a:t>, you might show his table here and then show it again on the next slide but with your </a:t>
-            </a:r>
-            <a:r>
-              <a:rPr lang="en-GB" smtClean="0">
+              <a:rPr lang="en-GB">
                 <a:latin typeface="Franklin Gothic Book" panose="020B0503020102020204" pitchFamily="34" charset="0"/>
               </a:rPr>
               <a:t>game included.</a:t>
@@ -4233,145 +4485,6 @@
     <p:extLst>
       <p:ext uri="{BB962C8B-B14F-4D97-AF65-F5344CB8AC3E}">
         <p14:creationId xmlns:p14="http://schemas.microsoft.com/office/powerpoint/2010/main" val="1456443036"/>
-      </p:ext>
-    </p:extLst>
-  </p:cSld>
-  <p:clrMapOvr>
-    <a:masterClrMapping/>
-  </p:clrMapOvr>
-  <p:timing>
-    <p:tnLst>
-      <p:par>
-        <p:cTn id="1" dur="indefinite" restart="never" nodeType="tmRoot"/>
-      </p:par>
-    </p:tnLst>
-  </p:timing>
-</p:sld>
-</file>
-
-<file path=ppt/slides/slide8.xml><?xml version="1.0" encoding="utf-8"?>
-<p:sld xmlns:a="http://schemas.openxmlformats.org/drawingml/2006/main" xmlns:r="http://schemas.openxmlformats.org/officeDocument/2006/relationships" xmlns:p="http://schemas.openxmlformats.org/presentationml/2006/main">
-  <p:cSld>
-    <p:spTree>
-      <p:nvGrpSpPr>
-        <p:cNvPr id="1" name=""/>
-        <p:cNvGrpSpPr/>
-        <p:nvPr/>
-      </p:nvGrpSpPr>
-      <p:grpSpPr>
-        <a:xfrm>
-          <a:off x="0" y="0"/>
-          <a:ext cx="0" cy="0"/>
-          <a:chOff x="0" y="0"/>
-          <a:chExt cx="0" cy="0"/>
-        </a:xfrm>
-      </p:grpSpPr>
-      <p:sp>
-        <p:nvSpPr>
-          <p:cNvPr id="2" name="Title 1"/>
-          <p:cNvSpPr>
-            <a:spLocks noGrp="1"/>
-          </p:cNvSpPr>
-          <p:nvPr>
-            <p:ph type="title"/>
-          </p:nvPr>
-        </p:nvSpPr>
-        <p:spPr/>
-        <p:txBody>
-          <a:bodyPr/>
-          <a:lstStyle/>
-          <a:p>
-            <a:r>
-              <a:rPr lang="en-GB" dirty="0" smtClean="0"/>
-              <a:t>Conclusion</a:t>
-            </a:r>
-            <a:endParaRPr lang="en-US" dirty="0"/>
-          </a:p>
-        </p:txBody>
-      </p:sp>
-      <p:sp>
-        <p:nvSpPr>
-          <p:cNvPr id="3" name="Content Placeholder 2"/>
-          <p:cNvSpPr>
-            <a:spLocks noGrp="1"/>
-          </p:cNvSpPr>
-          <p:nvPr>
-            <p:ph idx="1"/>
-          </p:nvPr>
-        </p:nvSpPr>
-        <p:spPr/>
-        <p:txBody>
-          <a:bodyPr/>
-          <a:lstStyle/>
-          <a:p>
-            <a:r>
-              <a:rPr lang="en-GB" dirty="0" smtClean="0"/>
-              <a:t>&lt;blah </a:t>
-            </a:r>
-            <a:r>
-              <a:rPr lang="en-GB" dirty="0" err="1" smtClean="0"/>
-              <a:t>blah</a:t>
-            </a:r>
-            <a:r>
-              <a:rPr lang="en-GB" dirty="0" smtClean="0"/>
-              <a:t> blah&gt;</a:t>
-            </a:r>
-            <a:endParaRPr lang="en-US" dirty="0"/>
-          </a:p>
-        </p:txBody>
-      </p:sp>
-      <p:sp>
-        <p:nvSpPr>
-          <p:cNvPr id="4" name="Rectangle 3"/>
-          <p:cNvSpPr/>
-          <p:nvPr/>
-        </p:nvSpPr>
-        <p:spPr>
-          <a:xfrm>
-            <a:off x="7992208" y="4211516"/>
-            <a:ext cx="3880339" cy="2241734"/>
-          </a:xfrm>
-          <a:prstGeom prst="rect">
-            <a:avLst/>
-          </a:prstGeom>
-        </p:spPr>
-        <p:style>
-          <a:lnRef idx="2">
-            <a:schemeClr val="accent1">
-              <a:shade val="50000"/>
-            </a:schemeClr>
-          </a:lnRef>
-          <a:fillRef idx="1">
-            <a:schemeClr val="accent1"/>
-          </a:fillRef>
-          <a:effectRef idx="0">
-            <a:schemeClr val="accent1"/>
-          </a:effectRef>
-          <a:fontRef idx="minor">
-            <a:schemeClr val="lt1"/>
-          </a:fontRef>
-        </p:style>
-        <p:txBody>
-          <a:bodyPr rtlCol="0" anchor="ctr"/>
-          <a:lstStyle/>
-          <a:p>
-            <a:pPr algn="ctr"/>
-            <a:r>
-              <a:rPr lang="en-GB" dirty="0" smtClean="0">
-                <a:latin typeface="Franklin Gothic Book" panose="020B0503020102020204" pitchFamily="34" charset="0"/>
-              </a:rPr>
-              <a:t>Is there anything that you can say about the theories and their relevance for your game? If so, say it here!</a:t>
-            </a:r>
-            <a:endParaRPr lang="en-US" dirty="0">
-              <a:latin typeface="Franklin Gothic Book" panose="020B0503020102020204" pitchFamily="34" charset="0"/>
-            </a:endParaRPr>
-          </a:p>
-        </p:txBody>
-      </p:sp>
-    </p:spTree>
-    <p:extLst>
-      <p:ext uri="{BB962C8B-B14F-4D97-AF65-F5344CB8AC3E}">
-        <p14:creationId xmlns:p14="http://schemas.microsoft.com/office/powerpoint/2010/main" val="675517695"/>
       </p:ext>
     </p:extLst>
   </p:cSld>
@@ -4414,8 +4527,8 @@
           <a:lstStyle/>
           <a:p>
             <a:r>
-              <a:rPr lang="en-GB" dirty="0" smtClean="0"/>
-              <a:t>References</a:t>
+              <a:rPr lang="en-GB" dirty="0"/>
+              <a:t>Conclusion</a:t>
             </a:r>
             <a:endParaRPr lang="en-US" dirty="0"/>
           </a:p>
@@ -4437,29 +4550,79 @@
           <a:lstStyle/>
           <a:p>
             <a:r>
-              <a:rPr lang="en-GB" dirty="0" smtClean="0"/>
-              <a:t>&lt;Your best bet is to make the References section in a Word document and then copy &amp; paste it here&gt;</a:t>
-            </a:r>
+              <a:rPr lang="en-GB" dirty="0"/>
+              <a:t>&lt;blah </a:t>
+            </a:r>
+            <a:r>
+              <a:rPr lang="en-GB" dirty="0" err="1"/>
+              <a:t>blah</a:t>
+            </a:r>
+            <a:r>
+              <a:rPr lang="en-GB" dirty="0"/>
+              <a:t> blah&gt;</a:t>
+            </a:r>
+            <a:endParaRPr lang="en-US" dirty="0"/>
+          </a:p>
+        </p:txBody>
+      </p:sp>
+      <p:sp>
+        <p:nvSpPr>
+          <p:cNvPr id="4" name="Rectangle 3"/>
+          <p:cNvSpPr/>
+          <p:nvPr/>
+        </p:nvSpPr>
+        <p:spPr>
+          <a:xfrm>
+            <a:off x="7992208" y="4211516"/>
+            <a:ext cx="3880339" cy="2241734"/>
+          </a:xfrm>
+          <a:prstGeom prst="rect">
+            <a:avLst/>
+          </a:prstGeom>
+        </p:spPr>
+        <p:style>
+          <a:lnRef idx="2">
+            <a:schemeClr val="accent1">
+              <a:shade val="50000"/>
+            </a:schemeClr>
+          </a:lnRef>
+          <a:fillRef idx="1">
+            <a:schemeClr val="accent1"/>
+          </a:fillRef>
+          <a:effectRef idx="0">
+            <a:schemeClr val="accent1"/>
+          </a:effectRef>
+          <a:fontRef idx="minor">
+            <a:schemeClr val="lt1"/>
+          </a:fontRef>
+        </p:style>
+        <p:txBody>
+          <a:bodyPr rtlCol="0" anchor="ctr"/>
+          <a:lstStyle/>
+          <a:p>
+            <a:pPr algn="ctr"/>
+            <a:r>
+              <a:rPr lang="en-GB" dirty="0">
+                <a:latin typeface="Franklin Gothic Book" panose="020B0503020102020204" pitchFamily="34" charset="0"/>
+              </a:rPr>
+              <a:t>Is there anything that you can say about the theories and their relevance for your game? If so, say it here!</a:t>
+            </a:r>
+            <a:endParaRPr lang="en-US" dirty="0">
+              <a:latin typeface="Franklin Gothic Book" panose="020B0503020102020204" pitchFamily="34" charset="0"/>
+            </a:endParaRPr>
           </a:p>
         </p:txBody>
       </p:sp>
     </p:spTree>
     <p:extLst>
       <p:ext uri="{BB962C8B-B14F-4D97-AF65-F5344CB8AC3E}">
-        <p14:creationId xmlns:p14="http://schemas.microsoft.com/office/powerpoint/2010/main" val="3933433891"/>
+        <p14:creationId xmlns:p14="http://schemas.microsoft.com/office/powerpoint/2010/main" val="675517695"/>
       </p:ext>
     </p:extLst>
   </p:cSld>
   <p:clrMapOvr>
     <a:masterClrMapping/>
   </p:clrMapOvr>
-  <p:timing>
-    <p:tnLst>
-      <p:par>
-        <p:cTn id="1" dur="indefinite" restart="never" nodeType="tmRoot"/>
-      </p:par>
-    </p:tnLst>
-  </p:timing>
 </p:sld>
 </file>
 

--- a/ExamPresentationTemplate.pptx
+++ b/ExamPresentationTemplate.pptx
@@ -251,7 +251,7 @@
           <a:p>
             <a:fld id="{896DB8EA-4B77-48E2-8F2A-873A9F82D9F4}" type="datetimeFigureOut">
               <a:rPr lang="en-US" smtClean="0"/>
-              <a:t>5/13/2019</a:t>
+              <a:t>5/15/2019</a:t>
             </a:fld>
             <a:endParaRPr lang="en-US"/>
           </a:p>
@@ -419,7 +419,7 @@
           <a:p>
             <a:fld id="{896DB8EA-4B77-48E2-8F2A-873A9F82D9F4}" type="datetimeFigureOut">
               <a:rPr lang="en-US" smtClean="0"/>
-              <a:t>5/13/2019</a:t>
+              <a:t>5/15/2019</a:t>
             </a:fld>
             <a:endParaRPr lang="en-US"/>
           </a:p>
@@ -597,7 +597,7 @@
           <a:p>
             <a:fld id="{896DB8EA-4B77-48E2-8F2A-873A9F82D9F4}" type="datetimeFigureOut">
               <a:rPr lang="en-US" smtClean="0"/>
-              <a:t>5/13/2019</a:t>
+              <a:t>5/15/2019</a:t>
             </a:fld>
             <a:endParaRPr lang="en-US"/>
           </a:p>
@@ -765,7 +765,7 @@
           <a:p>
             <a:fld id="{896DB8EA-4B77-48E2-8F2A-873A9F82D9F4}" type="datetimeFigureOut">
               <a:rPr lang="en-US" smtClean="0"/>
-              <a:t>5/13/2019</a:t>
+              <a:t>5/15/2019</a:t>
             </a:fld>
             <a:endParaRPr lang="en-US"/>
           </a:p>
@@ -1010,7 +1010,7 @@
           <a:p>
             <a:fld id="{896DB8EA-4B77-48E2-8F2A-873A9F82D9F4}" type="datetimeFigureOut">
               <a:rPr lang="en-US" smtClean="0"/>
-              <a:t>5/13/2019</a:t>
+              <a:t>5/15/2019</a:t>
             </a:fld>
             <a:endParaRPr lang="en-US"/>
           </a:p>
@@ -1239,7 +1239,7 @@
           <a:p>
             <a:fld id="{896DB8EA-4B77-48E2-8F2A-873A9F82D9F4}" type="datetimeFigureOut">
               <a:rPr lang="en-US" smtClean="0"/>
-              <a:t>5/13/2019</a:t>
+              <a:t>5/15/2019</a:t>
             </a:fld>
             <a:endParaRPr lang="en-US"/>
           </a:p>
@@ -1603,7 +1603,7 @@
           <a:p>
             <a:fld id="{896DB8EA-4B77-48E2-8F2A-873A9F82D9F4}" type="datetimeFigureOut">
               <a:rPr lang="en-US" smtClean="0"/>
-              <a:t>5/13/2019</a:t>
+              <a:t>5/15/2019</a:t>
             </a:fld>
             <a:endParaRPr lang="en-US"/>
           </a:p>
@@ -1720,7 +1720,7 @@
           <a:p>
             <a:fld id="{896DB8EA-4B77-48E2-8F2A-873A9F82D9F4}" type="datetimeFigureOut">
               <a:rPr lang="en-US" smtClean="0"/>
-              <a:t>5/13/2019</a:t>
+              <a:t>5/15/2019</a:t>
             </a:fld>
             <a:endParaRPr lang="en-US"/>
           </a:p>
@@ -1815,7 +1815,7 @@
           <a:p>
             <a:fld id="{896DB8EA-4B77-48E2-8F2A-873A9F82D9F4}" type="datetimeFigureOut">
               <a:rPr lang="en-US" smtClean="0"/>
-              <a:t>5/13/2019</a:t>
+              <a:t>5/15/2019</a:t>
             </a:fld>
             <a:endParaRPr lang="en-US"/>
           </a:p>
@@ -2090,7 +2090,7 @@
           <a:p>
             <a:fld id="{896DB8EA-4B77-48E2-8F2A-873A9F82D9F4}" type="datetimeFigureOut">
               <a:rPr lang="en-US" smtClean="0"/>
-              <a:t>5/13/2019</a:t>
+              <a:t>5/15/2019</a:t>
             </a:fld>
             <a:endParaRPr lang="en-US"/>
           </a:p>
@@ -2342,7 +2342,7 @@
           <a:p>
             <a:fld id="{896DB8EA-4B77-48E2-8F2A-873A9F82D9F4}" type="datetimeFigureOut">
               <a:rPr lang="en-US" smtClean="0"/>
-              <a:t>5/13/2019</a:t>
+              <a:t>5/15/2019</a:t>
             </a:fld>
             <a:endParaRPr lang="en-US"/>
           </a:p>
@@ -2553,7 +2553,7 @@
           <a:p>
             <a:fld id="{896DB8EA-4B77-48E2-8F2A-873A9F82D9F4}" type="datetimeFigureOut">
               <a:rPr lang="en-US" smtClean="0"/>
-              <a:t>5/13/2019</a:t>
+              <a:t>5/15/2019</a:t>
             </a:fld>
             <a:endParaRPr lang="en-US"/>
           </a:p>
@@ -4188,7 +4188,9 @@
           </a:xfrm>
         </p:spPr>
         <p:txBody>
-          <a:bodyPr/>
+          <a:bodyPr>
+            <a:normAutofit lnSpcReduction="10000"/>
+          </a:bodyPr>
           <a:lstStyle/>
           <a:p>
             <a:r>
@@ -4199,7 +4201,7 @@
           <a:p>
             <a:r>
               <a:rPr lang="en-US" dirty="0"/>
-              <a:t>The levels difficulty is randomly generated meaning a later level could be incredibly easy because there is a chance it may spawn no obstacles, though this is improbable.</a:t>
+              <a:t>My games level difficulty is randomly generated meaning a later level could be incredibly easy because there is a chance it may spawn no obstacles, though this is improbable. Also a beginning level could be incredibly hard</a:t>
             </a:r>
           </a:p>
         </p:txBody>
@@ -4371,46 +4373,48 @@
           <a:lstStyle/>
           <a:p>
             <a:r>
+              <a:rPr lang="en-US" dirty="0"/>
+              <a:t>Katherine </a:t>
+            </a:r>
+            <a:r>
+              <a:rPr lang="en-US" dirty="0" err="1"/>
+              <a:t>Isbister</a:t>
+            </a:r>
+            <a:endParaRPr lang="en-US" dirty="0"/>
+          </a:p>
+        </p:txBody>
+      </p:sp>
+      <p:sp>
+        <p:nvSpPr>
+          <p:cNvPr id="3" name="Content Placeholder 2"/>
+          <p:cNvSpPr>
+            <a:spLocks noGrp="1"/>
+          </p:cNvSpPr>
+          <p:nvPr>
+            <p:ph idx="1"/>
+          </p:nvPr>
+        </p:nvSpPr>
+        <p:spPr/>
+        <p:txBody>
+          <a:bodyPr/>
+          <a:lstStyle/>
+          <a:p>
+            <a:r>
               <a:rPr lang="en-GB" dirty="0"/>
-              <a:t>&lt;Theorist #3&gt;</a:t>
-            </a:r>
-            <a:endParaRPr lang="en-US" dirty="0"/>
-          </a:p>
-        </p:txBody>
-      </p:sp>
-      <p:sp>
-        <p:nvSpPr>
-          <p:cNvPr id="3" name="Content Placeholder 2"/>
-          <p:cNvSpPr>
-            <a:spLocks noGrp="1"/>
-          </p:cNvSpPr>
-          <p:nvPr>
-            <p:ph idx="1"/>
-          </p:nvPr>
-        </p:nvSpPr>
-        <p:spPr/>
-        <p:txBody>
-          <a:bodyPr/>
-          <a:lstStyle/>
+              <a:t>The theory is how video games affect the way you relate to others. This is shown by how the player places themselves as an avatar and gets emotionally invested.</a:t>
+            </a:r>
+          </a:p>
           <a:p>
             <a:r>
               <a:rPr lang="en-GB" dirty="0"/>
-              <a:t>[Brief summary of the theory]</a:t>
+              <a:t>The player can get emotionally invested in the games playable character which is a potato as the player may want it to be free and have a fear losing it in a variety of ways such as being eaten and being stabbed by forks.</a:t>
             </a:r>
           </a:p>
           <a:p>
             <a:r>
               <a:rPr lang="en-GB" dirty="0"/>
-              <a:t>[Where your game fits in]</a:t>
-            </a:r>
-          </a:p>
-          <a:p>
-            <a:r>
-              <a:rPr lang="en-GB" dirty="0"/>
-              <a:t>[Where your game does not fit in]</a:t>
-            </a:r>
-          </a:p>
-          <a:p>
+              <a:t>The Potato has no visual familiarity to a human or share any visual or auditory feedback, so it is harder to have empathy for that object.</a:t>
+            </a:r>
             <a:endParaRPr lang="en-US" dirty="0"/>
           </a:p>
         </p:txBody>
@@ -4423,7 +4427,7 @@
         </p:nvSpPr>
         <p:spPr>
           <a:xfrm>
-            <a:off x="7992208" y="4211516"/>
+            <a:off x="8462725" y="-551046"/>
             <a:ext cx="3880339" cy="2241734"/>
           </a:xfrm>
           <a:prstGeom prst="rect">
@@ -4550,18 +4554,9 @@
           <a:lstStyle/>
           <a:p>
             <a:r>
-              <a:rPr lang="en-GB" dirty="0"/>
-              <a:t>&lt;blah </a:t>
-            </a:r>
-            <a:r>
-              <a:rPr lang="en-GB" dirty="0" err="1"/>
-              <a:t>blah</a:t>
-            </a:r>
-            <a:r>
-              <a:rPr lang="en-GB" dirty="0"/>
-              <a:t> blah&gt;</a:t>
-            </a:r>
-            <a:endParaRPr lang="en-US" dirty="0"/>
+              <a:rPr lang="en-US" dirty="0"/>
+              <a:t>The theories talked about show different aspects of the game and how it reflects to the player from, player experience through difficulty, game flow for the player and emotional investment for the player. </a:t>
+            </a:r>
           </a:p>
         </p:txBody>
       </p:sp>

--- a/ExamPresentationTemplate.pptx
+++ b/ExamPresentationTemplate.pptx
@@ -251,7 +251,7 @@
           <a:p>
             <a:fld id="{896DB8EA-4B77-48E2-8F2A-873A9F82D9F4}" type="datetimeFigureOut">
               <a:rPr lang="en-US" smtClean="0"/>
-              <a:t>5/15/2019</a:t>
+              <a:t>5/17/2019</a:t>
             </a:fld>
             <a:endParaRPr lang="en-US"/>
           </a:p>
@@ -419,7 +419,7 @@
           <a:p>
             <a:fld id="{896DB8EA-4B77-48E2-8F2A-873A9F82D9F4}" type="datetimeFigureOut">
               <a:rPr lang="en-US" smtClean="0"/>
-              <a:t>5/15/2019</a:t>
+              <a:t>5/17/2019</a:t>
             </a:fld>
             <a:endParaRPr lang="en-US"/>
           </a:p>
@@ -597,7 +597,7 @@
           <a:p>
             <a:fld id="{896DB8EA-4B77-48E2-8F2A-873A9F82D9F4}" type="datetimeFigureOut">
               <a:rPr lang="en-US" smtClean="0"/>
-              <a:t>5/15/2019</a:t>
+              <a:t>5/17/2019</a:t>
             </a:fld>
             <a:endParaRPr lang="en-US"/>
           </a:p>
@@ -765,7 +765,7 @@
           <a:p>
             <a:fld id="{896DB8EA-4B77-48E2-8F2A-873A9F82D9F4}" type="datetimeFigureOut">
               <a:rPr lang="en-US" smtClean="0"/>
-              <a:t>5/15/2019</a:t>
+              <a:t>5/17/2019</a:t>
             </a:fld>
             <a:endParaRPr lang="en-US"/>
           </a:p>
@@ -1010,7 +1010,7 @@
           <a:p>
             <a:fld id="{896DB8EA-4B77-48E2-8F2A-873A9F82D9F4}" type="datetimeFigureOut">
               <a:rPr lang="en-US" smtClean="0"/>
-              <a:t>5/15/2019</a:t>
+              <a:t>5/17/2019</a:t>
             </a:fld>
             <a:endParaRPr lang="en-US"/>
           </a:p>
@@ -1239,7 +1239,7 @@
           <a:p>
             <a:fld id="{896DB8EA-4B77-48E2-8F2A-873A9F82D9F4}" type="datetimeFigureOut">
               <a:rPr lang="en-US" smtClean="0"/>
-              <a:t>5/15/2019</a:t>
+              <a:t>5/17/2019</a:t>
             </a:fld>
             <a:endParaRPr lang="en-US"/>
           </a:p>
@@ -1603,7 +1603,7 @@
           <a:p>
             <a:fld id="{896DB8EA-4B77-48E2-8F2A-873A9F82D9F4}" type="datetimeFigureOut">
               <a:rPr lang="en-US" smtClean="0"/>
-              <a:t>5/15/2019</a:t>
+              <a:t>5/17/2019</a:t>
             </a:fld>
             <a:endParaRPr lang="en-US"/>
           </a:p>
@@ -1720,7 +1720,7 @@
           <a:p>
             <a:fld id="{896DB8EA-4B77-48E2-8F2A-873A9F82D9F4}" type="datetimeFigureOut">
               <a:rPr lang="en-US" smtClean="0"/>
-              <a:t>5/15/2019</a:t>
+              <a:t>5/17/2019</a:t>
             </a:fld>
             <a:endParaRPr lang="en-US"/>
           </a:p>
@@ -1815,7 +1815,7 @@
           <a:p>
             <a:fld id="{896DB8EA-4B77-48E2-8F2A-873A9F82D9F4}" type="datetimeFigureOut">
               <a:rPr lang="en-US" smtClean="0"/>
-              <a:t>5/15/2019</a:t>
+              <a:t>5/17/2019</a:t>
             </a:fld>
             <a:endParaRPr lang="en-US"/>
           </a:p>
@@ -2090,7 +2090,7 @@
           <a:p>
             <a:fld id="{896DB8EA-4B77-48E2-8F2A-873A9F82D9F4}" type="datetimeFigureOut">
               <a:rPr lang="en-US" smtClean="0"/>
-              <a:t>5/15/2019</a:t>
+              <a:t>5/17/2019</a:t>
             </a:fld>
             <a:endParaRPr lang="en-US"/>
           </a:p>
@@ -2342,7 +2342,7 @@
           <a:p>
             <a:fld id="{896DB8EA-4B77-48E2-8F2A-873A9F82D9F4}" type="datetimeFigureOut">
               <a:rPr lang="en-US" smtClean="0"/>
-              <a:t>5/15/2019</a:t>
+              <a:t>5/17/2019</a:t>
             </a:fld>
             <a:endParaRPr lang="en-US"/>
           </a:p>
@@ -2553,7 +2553,7 @@
           <a:p>
             <a:fld id="{896DB8EA-4B77-48E2-8F2A-873A9F82D9F4}" type="datetimeFigureOut">
               <a:rPr lang="en-US" smtClean="0"/>
-              <a:t>5/15/2019</a:t>
+              <a:t>5/17/2019</a:t>
             </a:fld>
             <a:endParaRPr lang="en-US"/>
           </a:p>
@@ -3248,7 +3248,7 @@
         <p:spPr/>
         <p:txBody>
           <a:bodyPr>
-            <a:normAutofit fontScale="92500" lnSpcReduction="20000"/>
+            <a:normAutofit fontScale="77500" lnSpcReduction="20000"/>
           </a:bodyPr>
           <a:lstStyle/>
           <a:p>
@@ -3257,16 +3257,22 @@
             </a:pPr>
             <a:r>
               <a:rPr lang="en-GB" dirty="0"/>
-              <a:t>This presentation will go over </a:t>
+              <a:t>This presentation will go over multiple game theories that relate back to the game that I have created. These theories go over how the player can use the game to their required experience, how the game changes overtime and how it makes the player feel through play. </a:t>
             </a:r>
           </a:p>
           <a:p>
             <a:pPr marL="0" indent="0">
               <a:buNone/>
             </a:pPr>
+            <a:endParaRPr lang="en-GB" dirty="0"/>
+          </a:p>
+          <a:p>
+            <a:pPr marL="0" indent="0">
+              <a:buNone/>
+            </a:pPr>
             <a:r>
               <a:rPr lang="en-GB" dirty="0"/>
-              <a:t>[Explain that the presentation is a discussion of various theories of games design in the context of the game that you have created]</a:t>
+              <a:t>1. Art Work </a:t>
             </a:r>
           </a:p>
           <a:p>
@@ -3275,7 +3281,7 @@
             </a:pPr>
             <a:r>
               <a:rPr lang="en-GB" dirty="0"/>
-              <a:t>[1. Brief discussion of the work of art to which you responded]</a:t>
+              <a:t>2. Game Description</a:t>
             </a:r>
           </a:p>
           <a:p>
@@ -3284,7 +3290,7 @@
             </a:pPr>
             <a:r>
               <a:rPr lang="en-GB" dirty="0"/>
-              <a:t>[2. Brief discussion of your game]</a:t>
+              <a:t>3. Theorist 1 – Justin Ma</a:t>
             </a:r>
           </a:p>
           <a:p>
@@ -3293,7 +3299,7 @@
             </a:pPr>
             <a:r>
               <a:rPr lang="en-GB" dirty="0"/>
-              <a:t>[3. Theorist 1 – VERY brief introduction to their work]</a:t>
+              <a:t>4. Theorist 2 – Shaun Baron</a:t>
             </a:r>
           </a:p>
           <a:p>
@@ -3302,7 +3308,7 @@
             </a:pPr>
             <a:r>
               <a:rPr lang="en-GB" dirty="0"/>
-              <a:t>[4. Theorist 2 – VERY brief introduction to their work]</a:t>
+              <a:t>5. Theorist 3 – Katherine Isbister</a:t>
             </a:r>
           </a:p>
           <a:p>
@@ -3311,7 +3317,7 @@
             </a:pPr>
             <a:r>
               <a:rPr lang="en-GB" dirty="0"/>
-              <a:t>[5. Theorist … etc]</a:t>
+              <a:t>6. Conclusion</a:t>
             </a:r>
           </a:p>
           <a:p>
@@ -3320,7 +3326,7 @@
             </a:pPr>
             <a:r>
               <a:rPr lang="en-GB" dirty="0"/>
-              <a:t>[6. Conclusion</a:t>
+              <a:t>7. References</a:t>
             </a:r>
           </a:p>
           <a:p>
@@ -3329,114 +3335,9 @@
             </a:pPr>
             <a:r>
               <a:rPr lang="en-GB" dirty="0"/>
-              <a:t>[7. References]</a:t>
-            </a:r>
-          </a:p>
-          <a:p>
-            <a:pPr marL="0" indent="0">
-              <a:buNone/>
-            </a:pPr>
-            <a:r>
-              <a:rPr lang="en-GB" dirty="0"/>
-              <a:t>[8. Opportunity for questions]</a:t>
+              <a:t>8. Questions</a:t>
             </a:r>
             <a:endParaRPr lang="en-US" dirty="0"/>
-          </a:p>
-        </p:txBody>
-      </p:sp>
-      <p:sp>
-        <p:nvSpPr>
-          <p:cNvPr id="4" name="Rectangle 3"/>
-          <p:cNvSpPr/>
-          <p:nvPr/>
-        </p:nvSpPr>
-        <p:spPr>
-          <a:xfrm>
-            <a:off x="9275885" y="46527"/>
-            <a:ext cx="2842846" cy="1644161"/>
-          </a:xfrm>
-          <a:prstGeom prst="rect">
-            <a:avLst/>
-          </a:prstGeom>
-        </p:spPr>
-        <p:style>
-          <a:lnRef idx="2">
-            <a:schemeClr val="accent1">
-              <a:shade val="50000"/>
-            </a:schemeClr>
-          </a:lnRef>
-          <a:fillRef idx="1">
-            <a:schemeClr val="accent1"/>
-          </a:fillRef>
-          <a:effectRef idx="0">
-            <a:schemeClr val="accent1"/>
-          </a:effectRef>
-          <a:fontRef idx="minor">
-            <a:schemeClr val="lt1"/>
-          </a:fontRef>
-        </p:style>
-        <p:txBody>
-          <a:bodyPr rtlCol="0" anchor="ctr"/>
-          <a:lstStyle/>
-          <a:p>
-            <a:pPr algn="ctr"/>
-            <a:r>
-              <a:rPr lang="en-GB" dirty="0">
-                <a:latin typeface="Franklin Gothic Book" panose="020B0503020102020204" pitchFamily="34" charset="0"/>
-              </a:rPr>
-              <a:t>You don’t need to do it precisely like this, but this is one approach to introducing your presentation.</a:t>
-            </a:r>
-            <a:endParaRPr lang="en-US" dirty="0">
-              <a:latin typeface="Franklin Gothic Book" panose="020B0503020102020204" pitchFamily="34" charset="0"/>
-            </a:endParaRPr>
-          </a:p>
-        </p:txBody>
-      </p:sp>
-      <p:sp>
-        <p:nvSpPr>
-          <p:cNvPr id="5" name="Rectangle 4"/>
-          <p:cNvSpPr/>
-          <p:nvPr/>
-        </p:nvSpPr>
-        <p:spPr>
-          <a:xfrm>
-            <a:off x="8255978" y="4976141"/>
-            <a:ext cx="2842846" cy="1644161"/>
-          </a:xfrm>
-          <a:prstGeom prst="rect">
-            <a:avLst/>
-          </a:prstGeom>
-        </p:spPr>
-        <p:style>
-          <a:lnRef idx="2">
-            <a:schemeClr val="accent1">
-              <a:shade val="50000"/>
-            </a:schemeClr>
-          </a:lnRef>
-          <a:fillRef idx="1">
-            <a:schemeClr val="accent1"/>
-          </a:fillRef>
-          <a:effectRef idx="0">
-            <a:schemeClr val="accent1"/>
-          </a:effectRef>
-          <a:fontRef idx="minor">
-            <a:schemeClr val="lt1"/>
-          </a:fontRef>
-        </p:style>
-        <p:txBody>
-          <a:bodyPr rtlCol="0" anchor="ctr"/>
-          <a:lstStyle/>
-          <a:p>
-            <a:pPr algn="ctr"/>
-            <a:r>
-              <a:rPr lang="en-GB" dirty="0">
-                <a:latin typeface="Franklin Gothic Book" panose="020B0503020102020204" pitchFamily="34" charset="0"/>
-              </a:rPr>
-              <a:t>Don’t get too bogged down here, as you have only 15 minutes overall..</a:t>
-            </a:r>
-            <a:endParaRPr lang="en-US" dirty="0">
-              <a:latin typeface="Franklin Gothic Book" panose="020B0503020102020204" pitchFamily="34" charset="0"/>
-            </a:endParaRPr>
           </a:p>
         </p:txBody>
       </p:sp>

--- a/ExamPresentationTemplate.pptx
+++ b/ExamPresentationTemplate.pptx
@@ -172,7 +172,7 @@
           <a:noFill/>
           <a:extLst>
             <a:ext uri="{909E8E84-426E-40dd-AFC4-6F175D3DCCD1}">
-              <a14:hiddenFill xmlns:a14="http://schemas.microsoft.com/office/drawing/2010/main" xmlns="">
+              <a14:hiddenFill xmlns="" xmlns:a14="http://schemas.microsoft.com/office/drawing/2010/main">
                 <a:solidFill>
                   <a:srgbClr val="FFFFFF"/>
                 </a:solidFill>
@@ -232,7 +232,7 @@
             </a:ln>
             <a:extLst>
               <a:ext uri="{91240B29-F687-4f45-9708-019B960494DF}">
-                <a14:hiddenLine xmlns:a14="http://schemas.microsoft.com/office/drawing/2010/main" xmlns="" w="9525">
+                <a14:hiddenLine xmlns="" xmlns:a14="http://schemas.microsoft.com/office/drawing/2010/main" w="9525">
                   <a:solidFill>
                     <a:srgbClr val="000000"/>
                   </a:solidFill>
@@ -322,7 +322,7 @@
             </a:ln>
             <a:extLst>
               <a:ext uri="{91240B29-F687-4f45-9708-019B960494DF}">
-                <a14:hiddenLine xmlns:a14="http://schemas.microsoft.com/office/drawing/2010/main" xmlns="" w="9525">
+                <a14:hiddenLine xmlns="" xmlns:a14="http://schemas.microsoft.com/office/drawing/2010/main" w="9525">
                   <a:solidFill>
                     <a:srgbClr val="000000"/>
                   </a:solidFill>
@@ -412,7 +412,7 @@
             </a:ln>
             <a:extLst>
               <a:ext uri="{91240B29-F687-4f45-9708-019B960494DF}">
-                <a14:hiddenLine xmlns:a14="http://schemas.microsoft.com/office/drawing/2010/main" xmlns="" w="9525">
+                <a14:hiddenLine xmlns="" xmlns:a14="http://schemas.microsoft.com/office/drawing/2010/main" w="9525">
                   <a:solidFill>
                     <a:srgbClr val="000000"/>
                   </a:solidFill>
@@ -446,7 +446,7 @@
             </a:ln>
             <a:extLst>
               <a:ext uri="{91240B29-F687-4f45-9708-019B960494DF}">
-                <a14:hiddenLine xmlns:a14="http://schemas.microsoft.com/office/drawing/2010/main" xmlns="" w="9525">
+                <a14:hiddenLine xmlns="" xmlns:a14="http://schemas.microsoft.com/office/drawing/2010/main" w="9525">
                   <a:solidFill>
                     <a:srgbClr val="000000"/>
                   </a:solidFill>
@@ -536,7 +536,7 @@
             </a:ln>
             <a:extLst>
               <a:ext uri="{91240B29-F687-4f45-9708-019B960494DF}">
-                <a14:hiddenLine xmlns:a14="http://schemas.microsoft.com/office/drawing/2010/main" xmlns="" w="9525">
+                <a14:hiddenLine xmlns="" xmlns:a14="http://schemas.microsoft.com/office/drawing/2010/main" w="9525">
                   <a:solidFill>
                     <a:srgbClr val="000000"/>
                   </a:solidFill>
@@ -598,7 +598,7 @@
             </a:ln>
             <a:extLst>
               <a:ext uri="{91240B29-F687-4f45-9708-019B960494DF}">
-                <a14:hiddenLine xmlns:a14="http://schemas.microsoft.com/office/drawing/2010/main" xmlns="" w="9525">
+                <a14:hiddenLine xmlns="" xmlns:a14="http://schemas.microsoft.com/office/drawing/2010/main" w="9525">
                   <a:solidFill>
                     <a:srgbClr val="000000"/>
                   </a:solidFill>
@@ -660,7 +660,7 @@
             </a:ln>
             <a:extLst>
               <a:ext uri="{91240B29-F687-4f45-9708-019B960494DF}">
-                <a14:hiddenLine xmlns:a14="http://schemas.microsoft.com/office/drawing/2010/main" xmlns="" w="9525">
+                <a14:hiddenLine xmlns="" xmlns:a14="http://schemas.microsoft.com/office/drawing/2010/main" w="9525">
                   <a:solidFill>
                     <a:srgbClr val="000000"/>
                   </a:solidFill>
@@ -750,7 +750,7 @@
             </a:ln>
             <a:extLst>
               <a:ext uri="{91240B29-F687-4f45-9708-019B960494DF}">
-                <a14:hiddenLine xmlns:a14="http://schemas.microsoft.com/office/drawing/2010/main" xmlns="" w="9525">
+                <a14:hiddenLine xmlns="" xmlns:a14="http://schemas.microsoft.com/office/drawing/2010/main" w="9525">
                   <a:solidFill>
                     <a:srgbClr val="000000"/>
                   </a:solidFill>
@@ -812,7 +812,7 @@
             </a:ln>
             <a:extLst>
               <a:ext uri="{91240B29-F687-4f45-9708-019B960494DF}">
-                <a14:hiddenLine xmlns:a14="http://schemas.microsoft.com/office/drawing/2010/main" xmlns="" w="9525">
+                <a14:hiddenLine xmlns="" xmlns:a14="http://schemas.microsoft.com/office/drawing/2010/main" w="9525">
                   <a:solidFill>
                     <a:srgbClr val="000000"/>
                   </a:solidFill>
@@ -874,7 +874,7 @@
             </a:ln>
             <a:extLst>
               <a:ext uri="{91240B29-F687-4f45-9708-019B960494DF}">
-                <a14:hiddenLine xmlns:a14="http://schemas.microsoft.com/office/drawing/2010/main" xmlns="" w="9525">
+                <a14:hiddenLine xmlns="" xmlns:a14="http://schemas.microsoft.com/office/drawing/2010/main" w="9525">
                   <a:solidFill>
                     <a:srgbClr val="000000"/>
                   </a:solidFill>
@@ -964,7 +964,7 @@
             </a:ln>
             <a:extLst>
               <a:ext uri="{91240B29-F687-4f45-9708-019B960494DF}">
-                <a14:hiddenLine xmlns:a14="http://schemas.microsoft.com/office/drawing/2010/main" xmlns="" w="9525">
+                <a14:hiddenLine xmlns="" xmlns:a14="http://schemas.microsoft.com/office/drawing/2010/main" w="9525">
                   <a:solidFill>
                     <a:srgbClr val="000000"/>
                   </a:solidFill>
@@ -1054,7 +1054,7 @@
             </a:ln>
             <a:extLst>
               <a:ext uri="{91240B29-F687-4f45-9708-019B960494DF}">
-                <a14:hiddenLine xmlns:a14="http://schemas.microsoft.com/office/drawing/2010/main" xmlns="" w="9525">
+                <a14:hiddenLine xmlns="" xmlns:a14="http://schemas.microsoft.com/office/drawing/2010/main" w="9525">
                   <a:solidFill>
                     <a:srgbClr val="000000"/>
                   </a:solidFill>
@@ -1116,7 +1116,7 @@
             </a:ln>
             <a:extLst>
               <a:ext uri="{91240B29-F687-4f45-9708-019B960494DF}">
-                <a14:hiddenLine xmlns:a14="http://schemas.microsoft.com/office/drawing/2010/main" xmlns="" w="9525">
+                <a14:hiddenLine xmlns="" xmlns:a14="http://schemas.microsoft.com/office/drawing/2010/main" w="9525">
                   <a:solidFill>
                     <a:srgbClr val="000000"/>
                   </a:solidFill>
@@ -1226,7 +1226,7 @@
             </a:ln>
             <a:extLst>
               <a:ext uri="{91240B29-F687-4f45-9708-019B960494DF}">
-                <a14:hiddenLine xmlns:a14="http://schemas.microsoft.com/office/drawing/2010/main" xmlns="" w="9525">
+                <a14:hiddenLine xmlns="" xmlns:a14="http://schemas.microsoft.com/office/drawing/2010/main" w="9525">
                   <a:solidFill>
                     <a:srgbClr val="000000"/>
                   </a:solidFill>
@@ -1288,7 +1288,7 @@
             </a:ln>
             <a:extLst>
               <a:ext uri="{91240B29-F687-4f45-9708-019B960494DF}">
-                <a14:hiddenLine xmlns:a14="http://schemas.microsoft.com/office/drawing/2010/main" xmlns="" w="9525">
+                <a14:hiddenLine xmlns="" xmlns:a14="http://schemas.microsoft.com/office/drawing/2010/main" w="9525">
                   <a:solidFill>
                     <a:srgbClr val="000000"/>
                   </a:solidFill>
@@ -1378,7 +1378,7 @@
             </a:ln>
             <a:extLst>
               <a:ext uri="{91240B29-F687-4f45-9708-019B960494DF}">
-                <a14:hiddenLine xmlns:a14="http://schemas.microsoft.com/office/drawing/2010/main" xmlns="" w="9525">
+                <a14:hiddenLine xmlns="" xmlns:a14="http://schemas.microsoft.com/office/drawing/2010/main" w="9525">
                   <a:solidFill>
                     <a:srgbClr val="000000"/>
                   </a:solidFill>
@@ -1468,7 +1468,7 @@
             </a:ln>
             <a:extLst>
               <a:ext uri="{91240B29-F687-4f45-9708-019B960494DF}">
-                <a14:hiddenLine xmlns:a14="http://schemas.microsoft.com/office/drawing/2010/main" xmlns="" w="9525">
+                <a14:hiddenLine xmlns="" xmlns:a14="http://schemas.microsoft.com/office/drawing/2010/main" w="9525">
                   <a:solidFill>
                     <a:srgbClr val="000000"/>
                   </a:solidFill>
@@ -1530,7 +1530,7 @@
             </a:ln>
             <a:extLst>
               <a:ext uri="{91240B29-F687-4f45-9708-019B960494DF}">
-                <a14:hiddenLine xmlns:a14="http://schemas.microsoft.com/office/drawing/2010/main" xmlns="" w="9525">
+                <a14:hiddenLine xmlns="" xmlns:a14="http://schemas.microsoft.com/office/drawing/2010/main" w="9525">
                   <a:solidFill>
                     <a:srgbClr val="000000"/>
                   </a:solidFill>
@@ -1620,7 +1620,7 @@
             </a:ln>
             <a:extLst>
               <a:ext uri="{91240B29-F687-4f45-9708-019B960494DF}">
-                <a14:hiddenLine xmlns:a14="http://schemas.microsoft.com/office/drawing/2010/main" xmlns="" w="9525">
+                <a14:hiddenLine xmlns="" xmlns:a14="http://schemas.microsoft.com/office/drawing/2010/main" w="9525">
                   <a:solidFill>
                     <a:srgbClr val="000000"/>
                   </a:solidFill>
@@ -1710,7 +1710,7 @@
             </a:ln>
             <a:extLst>
               <a:ext uri="{91240B29-F687-4f45-9708-019B960494DF}">
-                <a14:hiddenLine xmlns:a14="http://schemas.microsoft.com/office/drawing/2010/main" xmlns="" w="9525">
+                <a14:hiddenLine xmlns="" xmlns:a14="http://schemas.microsoft.com/office/drawing/2010/main" w="9525">
                   <a:solidFill>
                     <a:srgbClr val="000000"/>
                   </a:solidFill>
@@ -1766,7 +1766,7 @@
             </a:ln>
             <a:extLst>
               <a:ext uri="{91240B29-F687-4f45-9708-019B960494DF}">
-                <a14:hiddenLine xmlns:a14="http://schemas.microsoft.com/office/drawing/2010/main" xmlns="" w="9525">
+                <a14:hiddenLine xmlns="" xmlns:a14="http://schemas.microsoft.com/office/drawing/2010/main" w="9525">
                   <a:solidFill>
                     <a:srgbClr val="000000"/>
                   </a:solidFill>
@@ -1856,7 +1856,7 @@
             </a:ln>
             <a:extLst>
               <a:ext uri="{91240B29-F687-4f45-9708-019B960494DF}">
-                <a14:hiddenLine xmlns:a14="http://schemas.microsoft.com/office/drawing/2010/main" xmlns="" w="9525">
+                <a14:hiddenLine xmlns="" xmlns:a14="http://schemas.microsoft.com/office/drawing/2010/main" w="9525">
                   <a:solidFill>
                     <a:srgbClr val="000000"/>
                   </a:solidFill>
@@ -1912,7 +1912,7 @@
             </a:ln>
             <a:extLst>
               <a:ext uri="{91240B29-F687-4f45-9708-019B960494DF}">
-                <a14:hiddenLine xmlns:a14="http://schemas.microsoft.com/office/drawing/2010/main" xmlns="" w="9525">
+                <a14:hiddenLine xmlns="" xmlns:a14="http://schemas.microsoft.com/office/drawing/2010/main" w="9525">
                   <a:solidFill>
                     <a:srgbClr val="000000"/>
                   </a:solidFill>
@@ -2002,7 +2002,7 @@
             </a:ln>
             <a:extLst>
               <a:ext uri="{91240B29-F687-4f45-9708-019B960494DF}">
-                <a14:hiddenLine xmlns:a14="http://schemas.microsoft.com/office/drawing/2010/main" xmlns="" w="9525">
+                <a14:hiddenLine xmlns="" xmlns:a14="http://schemas.microsoft.com/office/drawing/2010/main" w="9525">
                   <a:solidFill>
                     <a:srgbClr val="000000"/>
                   </a:solidFill>
@@ -2070,7 +2070,7 @@
             </a:ln>
             <a:extLst>
               <a:ext uri="{91240B29-F687-4f45-9708-019B960494DF}">
-                <a14:hiddenLine xmlns:a14="http://schemas.microsoft.com/office/drawing/2010/main" xmlns="" w="9525">
+                <a14:hiddenLine xmlns="" xmlns:a14="http://schemas.microsoft.com/office/drawing/2010/main" w="9525">
                   <a:solidFill>
                     <a:srgbClr val="000000"/>
                   </a:solidFill>
@@ -2160,7 +2160,7 @@
             </a:ln>
             <a:extLst>
               <a:ext uri="{91240B29-F687-4f45-9708-019B960494DF}">
-                <a14:hiddenLine xmlns:a14="http://schemas.microsoft.com/office/drawing/2010/main" xmlns="" w="9525">
+                <a14:hiddenLine xmlns="" xmlns:a14="http://schemas.microsoft.com/office/drawing/2010/main" w="9525">
                   <a:solidFill>
                     <a:srgbClr val="000000"/>
                   </a:solidFill>
@@ -2228,7 +2228,7 @@
             </a:ln>
             <a:extLst>
               <a:ext uri="{91240B29-F687-4f45-9708-019B960494DF}">
-                <a14:hiddenLine xmlns:a14="http://schemas.microsoft.com/office/drawing/2010/main" xmlns="" w="9525">
+                <a14:hiddenLine xmlns="" xmlns:a14="http://schemas.microsoft.com/office/drawing/2010/main" w="9525">
                   <a:solidFill>
                     <a:srgbClr val="000000"/>
                   </a:solidFill>
@@ -2318,7 +2318,7 @@
             </a:ln>
             <a:extLst>
               <a:ext uri="{91240B29-F687-4f45-9708-019B960494DF}">
-                <a14:hiddenLine xmlns:a14="http://schemas.microsoft.com/office/drawing/2010/main" xmlns="" w="9525">
+                <a14:hiddenLine xmlns="" xmlns:a14="http://schemas.microsoft.com/office/drawing/2010/main" w="9525">
                   <a:solidFill>
                     <a:srgbClr val="000000"/>
                   </a:solidFill>
@@ -2352,7 +2352,7 @@
             </a:ln>
             <a:extLst>
               <a:ext uri="{91240B29-F687-4f45-9708-019B960494DF}">
-                <a14:hiddenLine xmlns:a14="http://schemas.microsoft.com/office/drawing/2010/main" xmlns="" w="9525">
+                <a14:hiddenLine xmlns="" xmlns:a14="http://schemas.microsoft.com/office/drawing/2010/main" w="9525">
                   <a:solidFill>
                     <a:srgbClr val="000000"/>
                   </a:solidFill>
@@ -2442,7 +2442,7 @@
             </a:ln>
             <a:extLst>
               <a:ext uri="{91240B29-F687-4f45-9708-019B960494DF}">
-                <a14:hiddenLine xmlns:a14="http://schemas.microsoft.com/office/drawing/2010/main" xmlns="" w="9525">
+                <a14:hiddenLine xmlns="" xmlns:a14="http://schemas.microsoft.com/office/drawing/2010/main" w="9525">
                   <a:solidFill>
                     <a:srgbClr val="000000"/>
                   </a:solidFill>
@@ -2504,7 +2504,7 @@
             </a:ln>
             <a:extLst>
               <a:ext uri="{91240B29-F687-4f45-9708-019B960494DF}">
-                <a14:hiddenLine xmlns:a14="http://schemas.microsoft.com/office/drawing/2010/main" xmlns="" w="9525">
+                <a14:hiddenLine xmlns="" xmlns:a14="http://schemas.microsoft.com/office/drawing/2010/main" w="9525">
                   <a:solidFill>
                     <a:srgbClr val="000000"/>
                   </a:solidFill>
@@ -2566,7 +2566,7 @@
             </a:ln>
             <a:extLst>
               <a:ext uri="{91240B29-F687-4f45-9708-019B960494DF}">
-                <a14:hiddenLine xmlns:a14="http://schemas.microsoft.com/office/drawing/2010/main" xmlns="" w="9525">
+                <a14:hiddenLine xmlns="" xmlns:a14="http://schemas.microsoft.com/office/drawing/2010/main" w="9525">
                   <a:solidFill>
                     <a:srgbClr val="000000"/>
                   </a:solidFill>
@@ -2656,7 +2656,7 @@
             </a:ln>
             <a:extLst>
               <a:ext uri="{91240B29-F687-4f45-9708-019B960494DF}">
-                <a14:hiddenLine xmlns:a14="http://schemas.microsoft.com/office/drawing/2010/main" xmlns="" w="9525">
+                <a14:hiddenLine xmlns="" xmlns:a14="http://schemas.microsoft.com/office/drawing/2010/main" w="9525">
                   <a:solidFill>
                     <a:srgbClr val="000000"/>
                   </a:solidFill>
@@ -2724,7 +2724,7 @@
             </a:ln>
             <a:extLst>
               <a:ext uri="{91240B29-F687-4f45-9708-019B960494DF}">
-                <a14:hiddenLine xmlns:a14="http://schemas.microsoft.com/office/drawing/2010/main" xmlns="" w="9525">
+                <a14:hiddenLine xmlns="" xmlns:a14="http://schemas.microsoft.com/office/drawing/2010/main" w="9525">
                   <a:solidFill>
                     <a:srgbClr val="000000"/>
                   </a:solidFill>
@@ -2786,7 +2786,7 @@
             </a:ln>
             <a:extLst>
               <a:ext uri="{91240B29-F687-4f45-9708-019B960494DF}">
-                <a14:hiddenLine xmlns:a14="http://schemas.microsoft.com/office/drawing/2010/main" xmlns="" w="9525">
+                <a14:hiddenLine xmlns="" xmlns:a14="http://schemas.microsoft.com/office/drawing/2010/main" w="9525">
                   <a:solidFill>
                     <a:srgbClr val="000000"/>
                   </a:solidFill>
@@ -2876,7 +2876,7 @@
             </a:ln>
             <a:extLst>
               <a:ext uri="{91240B29-F687-4f45-9708-019B960494DF}">
-                <a14:hiddenLine xmlns:a14="http://schemas.microsoft.com/office/drawing/2010/main" xmlns="" w="9525">
+                <a14:hiddenLine xmlns="" xmlns:a14="http://schemas.microsoft.com/office/drawing/2010/main" w="9525">
                   <a:solidFill>
                     <a:srgbClr val="000000"/>
                   </a:solidFill>
@@ -2938,7 +2938,7 @@
             </a:ln>
             <a:extLst>
               <a:ext uri="{91240B29-F687-4f45-9708-019B960494DF}">
-                <a14:hiddenLine xmlns:a14="http://schemas.microsoft.com/office/drawing/2010/main" xmlns="" w="9525">
+                <a14:hiddenLine xmlns="" xmlns:a14="http://schemas.microsoft.com/office/drawing/2010/main" w="9525">
                   <a:solidFill>
                     <a:srgbClr val="000000"/>
                   </a:solidFill>
@@ -3028,7 +3028,7 @@
             </a:ln>
             <a:extLst>
               <a:ext uri="{91240B29-F687-4f45-9708-019B960494DF}">
-                <a14:hiddenLine xmlns:a14="http://schemas.microsoft.com/office/drawing/2010/main" xmlns="" w="9525">
+                <a14:hiddenLine xmlns="" xmlns:a14="http://schemas.microsoft.com/office/drawing/2010/main" w="9525">
                   <a:solidFill>
                     <a:srgbClr val="000000"/>
                   </a:solidFill>
@@ -3090,7 +3090,7 @@
             </a:ln>
             <a:extLst>
               <a:ext uri="{91240B29-F687-4f45-9708-019B960494DF}">
-                <a14:hiddenLine xmlns:a14="http://schemas.microsoft.com/office/drawing/2010/main" xmlns="" w="9525">
+                <a14:hiddenLine xmlns="" xmlns:a14="http://schemas.microsoft.com/office/drawing/2010/main" w="9525">
                   <a:solidFill>
                     <a:srgbClr val="000000"/>
                   </a:solidFill>
@@ -3180,7 +3180,7 @@
             </a:ln>
             <a:extLst>
               <a:ext uri="{91240B29-F687-4f45-9708-019B960494DF}">
-                <a14:hiddenLine xmlns:a14="http://schemas.microsoft.com/office/drawing/2010/main" xmlns="" w="9525">
+                <a14:hiddenLine xmlns="" xmlns:a14="http://schemas.microsoft.com/office/drawing/2010/main" w="9525">
                   <a:solidFill>
                     <a:srgbClr val="000000"/>
                   </a:solidFill>
@@ -3214,7 +3214,7 @@
             </a:ln>
             <a:extLst>
               <a:ext uri="{91240B29-F687-4f45-9708-019B960494DF}">
-                <a14:hiddenLine xmlns:a14="http://schemas.microsoft.com/office/drawing/2010/main" xmlns="" w="9525">
+                <a14:hiddenLine xmlns="" xmlns:a14="http://schemas.microsoft.com/office/drawing/2010/main" w="9525">
                   <a:solidFill>
                     <a:srgbClr val="000000"/>
                   </a:solidFill>
@@ -3279,7 +3279,7 @@
             </a:ln>
             <a:extLst>
               <a:ext uri="{91240B29-F687-4f45-9708-019B960494DF}">
-                <a14:hiddenLine xmlns:a14="http://schemas.microsoft.com/office/drawing/2010/main" xmlns="" w="9525">
+                <a14:hiddenLine xmlns="" xmlns:a14="http://schemas.microsoft.com/office/drawing/2010/main" w="9525">
                   <a:solidFill>
                     <a:srgbClr val="000000"/>
                   </a:solidFill>
@@ -3369,7 +3369,7 @@
             </a:ln>
             <a:extLst>
               <a:ext uri="{91240B29-F687-4f45-9708-019B960494DF}">
-                <a14:hiddenLine xmlns:a14="http://schemas.microsoft.com/office/drawing/2010/main" xmlns="" w="9525">
+                <a14:hiddenLine xmlns="" xmlns:a14="http://schemas.microsoft.com/office/drawing/2010/main" w="9525">
                   <a:solidFill>
                     <a:srgbClr val="000000"/>
                   </a:solidFill>
@@ -3431,7 +3431,7 @@
             </a:ln>
             <a:extLst>
               <a:ext uri="{91240B29-F687-4f45-9708-019B960494DF}">
-                <a14:hiddenLine xmlns:a14="http://schemas.microsoft.com/office/drawing/2010/main" xmlns="" w="9525">
+                <a14:hiddenLine xmlns="" xmlns:a14="http://schemas.microsoft.com/office/drawing/2010/main" w="9525">
                   <a:solidFill>
                     <a:srgbClr val="000000"/>
                   </a:solidFill>
@@ -3521,7 +3521,7 @@
             </a:ln>
             <a:extLst>
               <a:ext uri="{91240B29-F687-4f45-9708-019B960494DF}">
-                <a14:hiddenLine xmlns:a14="http://schemas.microsoft.com/office/drawing/2010/main" xmlns="" w="9525">
+                <a14:hiddenLine xmlns="" xmlns:a14="http://schemas.microsoft.com/office/drawing/2010/main" w="9525">
                   <a:solidFill>
                     <a:srgbClr val="000000"/>
                   </a:solidFill>
@@ -3611,7 +3611,7 @@
             </a:ln>
             <a:extLst>
               <a:ext uri="{91240B29-F687-4f45-9708-019B960494DF}">
-                <a14:hiddenLine xmlns:a14="http://schemas.microsoft.com/office/drawing/2010/main" xmlns="" w="9525">
+                <a14:hiddenLine xmlns="" xmlns:a14="http://schemas.microsoft.com/office/drawing/2010/main" w="9525">
                   <a:solidFill>
                     <a:srgbClr val="000000"/>
                   </a:solidFill>
@@ -3676,7 +3676,7 @@
             </a:ln>
             <a:extLst>
               <a:ext uri="{91240B29-F687-4f45-9708-019B960494DF}">
-                <a14:hiddenLine xmlns:a14="http://schemas.microsoft.com/office/drawing/2010/main" xmlns="" w="9525">
+                <a14:hiddenLine xmlns="" xmlns:a14="http://schemas.microsoft.com/office/drawing/2010/main" w="9525">
                   <a:solidFill>
                     <a:srgbClr val="000000"/>
                   </a:solidFill>
@@ -3738,7 +3738,7 @@
             </a:ln>
             <a:extLst>
               <a:ext uri="{91240B29-F687-4f45-9708-019B960494DF}">
-                <a14:hiddenLine xmlns:a14="http://schemas.microsoft.com/office/drawing/2010/main" xmlns="" w="9525">
+                <a14:hiddenLine xmlns="" xmlns:a14="http://schemas.microsoft.com/office/drawing/2010/main" w="9525">
                   <a:solidFill>
                     <a:srgbClr val="000000"/>
                   </a:solidFill>
@@ -3828,7 +3828,7 @@
             </a:ln>
             <a:extLst>
               <a:ext uri="{91240B29-F687-4f45-9708-019B960494DF}">
-                <a14:hiddenLine xmlns:a14="http://schemas.microsoft.com/office/drawing/2010/main" xmlns="" w="9525">
+                <a14:hiddenLine xmlns="" xmlns:a14="http://schemas.microsoft.com/office/drawing/2010/main" w="9525">
                   <a:solidFill>
                     <a:srgbClr val="000000"/>
                   </a:solidFill>
@@ -3918,7 +3918,7 @@
             </a:ln>
             <a:extLst>
               <a:ext uri="{91240B29-F687-4f45-9708-019B960494DF}">
-                <a14:hiddenLine xmlns:a14="http://schemas.microsoft.com/office/drawing/2010/main" xmlns="" w="9525">
+                <a14:hiddenLine xmlns="" xmlns:a14="http://schemas.microsoft.com/office/drawing/2010/main" w="9525">
                   <a:solidFill>
                     <a:srgbClr val="000000"/>
                   </a:solidFill>
@@ -3980,7 +3980,7 @@
             </a:ln>
             <a:extLst>
               <a:ext uri="{91240B29-F687-4f45-9708-019B960494DF}">
-                <a14:hiddenLine xmlns:a14="http://schemas.microsoft.com/office/drawing/2010/main" xmlns="" w="9525">
+                <a14:hiddenLine xmlns="" xmlns:a14="http://schemas.microsoft.com/office/drawing/2010/main" w="9525">
                   <a:solidFill>
                     <a:srgbClr val="000000"/>
                   </a:solidFill>
@@ -4100,7 +4100,7 @@
             </a:ln>
             <a:extLst>
               <a:ext uri="{91240B29-F687-4f45-9708-019B960494DF}">
-                <a14:hiddenLine xmlns:a14="http://schemas.microsoft.com/office/drawing/2010/main" xmlns="" w="9525">
+                <a14:hiddenLine xmlns="" xmlns:a14="http://schemas.microsoft.com/office/drawing/2010/main" w="9525">
                   <a:solidFill>
                     <a:srgbClr val="000000"/>
                   </a:solidFill>
@@ -4168,7 +4168,7 @@
             </a:ln>
             <a:extLst>
               <a:ext uri="{91240B29-F687-4f45-9708-019B960494DF}">
-                <a14:hiddenLine xmlns:a14="http://schemas.microsoft.com/office/drawing/2010/main" xmlns="" w="9525">
+                <a14:hiddenLine xmlns="" xmlns:a14="http://schemas.microsoft.com/office/drawing/2010/main" w="9525">
                   <a:solidFill>
                     <a:srgbClr val="000000"/>
                   </a:solidFill>
@@ -4258,7 +4258,7 @@
             </a:ln>
             <a:extLst>
               <a:ext uri="{91240B29-F687-4f45-9708-019B960494DF}">
-                <a14:hiddenLine xmlns:a14="http://schemas.microsoft.com/office/drawing/2010/main" xmlns="" w="9525">
+                <a14:hiddenLine xmlns="" xmlns:a14="http://schemas.microsoft.com/office/drawing/2010/main" w="9525">
                   <a:solidFill>
                     <a:srgbClr val="000000"/>
                   </a:solidFill>
@@ -4398,7 +4398,7 @@
           <a:p>
             <a:fld id="{896DB8EA-4B77-48E2-8F2A-873A9F82D9F4}" type="datetimeFigureOut">
               <a:rPr lang="en-US" smtClean="0"/>
-              <a:t>5/18/2019</a:t>
+              <a:t>5/19/2019</a:t>
             </a:fld>
             <a:endParaRPr lang="en-US"/>
           </a:p>
@@ -4665,7 +4665,7 @@
           <a:p>
             <a:fld id="{896DB8EA-4B77-48E2-8F2A-873A9F82D9F4}" type="datetimeFigureOut">
               <a:rPr lang="en-US" smtClean="0"/>
-              <a:t>5/18/2019</a:t>
+              <a:t>5/19/2019</a:t>
             </a:fld>
             <a:endParaRPr lang="en-US"/>
           </a:p>
@@ -4861,7 +4861,7 @@
           <a:p>
             <a:fld id="{896DB8EA-4B77-48E2-8F2A-873A9F82D9F4}" type="datetimeFigureOut">
               <a:rPr lang="en-US" smtClean="0"/>
-              <a:t>5/18/2019</a:t>
+              <a:t>5/19/2019</a:t>
             </a:fld>
             <a:endParaRPr lang="en-US"/>
           </a:p>
@@ -5124,7 +5124,7 @@
           <a:p>
             <a:fld id="{896DB8EA-4B77-48E2-8F2A-873A9F82D9F4}" type="datetimeFigureOut">
               <a:rPr lang="en-US" smtClean="0"/>
-              <a:t>5/18/2019</a:t>
+              <a:t>5/19/2019</a:t>
             </a:fld>
             <a:endParaRPr lang="en-US"/>
           </a:p>
@@ -5558,7 +5558,7 @@
           <a:p>
             <a:fld id="{896DB8EA-4B77-48E2-8F2A-873A9F82D9F4}" type="datetimeFigureOut">
               <a:rPr lang="en-US" smtClean="0"/>
-              <a:t>5/18/2019</a:t>
+              <a:t>5/19/2019</a:t>
             </a:fld>
             <a:endParaRPr lang="en-US"/>
           </a:p>
@@ -6104,7 +6104,7 @@
           <a:p>
             <a:fld id="{896DB8EA-4B77-48E2-8F2A-873A9F82D9F4}" type="datetimeFigureOut">
               <a:rPr lang="en-US" smtClean="0"/>
-              <a:t>5/18/2019</a:t>
+              <a:t>5/19/2019</a:t>
             </a:fld>
             <a:endParaRPr lang="en-US"/>
           </a:p>
@@ -6824,7 +6824,7 @@
           <a:p>
             <a:fld id="{896DB8EA-4B77-48E2-8F2A-873A9F82D9F4}" type="datetimeFigureOut">
               <a:rPr lang="en-US" smtClean="0"/>
-              <a:t>5/18/2019</a:t>
+              <a:t>5/19/2019</a:t>
             </a:fld>
             <a:endParaRPr lang="en-US"/>
           </a:p>
@@ -6994,7 +6994,7 @@
           <a:p>
             <a:fld id="{896DB8EA-4B77-48E2-8F2A-873A9F82D9F4}" type="datetimeFigureOut">
               <a:rPr lang="en-US" smtClean="0"/>
-              <a:t>5/18/2019</a:t>
+              <a:t>5/19/2019</a:t>
             </a:fld>
             <a:endParaRPr lang="en-US"/>
           </a:p>
@@ -7174,7 +7174,7 @@
           <a:p>
             <a:fld id="{896DB8EA-4B77-48E2-8F2A-873A9F82D9F4}" type="datetimeFigureOut">
               <a:rPr lang="en-US" smtClean="0"/>
-              <a:t>5/18/2019</a:t>
+              <a:t>5/19/2019</a:t>
             </a:fld>
             <a:endParaRPr lang="en-US"/>
           </a:p>
@@ -7344,7 +7344,7 @@
           <a:p>
             <a:fld id="{896DB8EA-4B77-48E2-8F2A-873A9F82D9F4}" type="datetimeFigureOut">
               <a:rPr lang="en-US" smtClean="0"/>
-              <a:t>5/18/2019</a:t>
+              <a:t>5/19/2019</a:t>
             </a:fld>
             <a:endParaRPr lang="en-US"/>
           </a:p>
@@ -7594,7 +7594,7 @@
           <a:p>
             <a:fld id="{896DB8EA-4B77-48E2-8F2A-873A9F82D9F4}" type="datetimeFigureOut">
               <a:rPr lang="en-US" smtClean="0"/>
-              <a:t>5/18/2019</a:t>
+              <a:t>5/19/2019</a:t>
             </a:fld>
             <a:endParaRPr lang="en-US"/>
           </a:p>
@@ -7826,7 +7826,7 @@
           <a:p>
             <a:fld id="{896DB8EA-4B77-48E2-8F2A-873A9F82D9F4}" type="datetimeFigureOut">
               <a:rPr lang="en-US" smtClean="0"/>
-              <a:t>5/18/2019</a:t>
+              <a:t>5/19/2019</a:t>
             </a:fld>
             <a:endParaRPr lang="en-US"/>
           </a:p>
@@ -8207,7 +8207,7 @@
           <a:p>
             <a:fld id="{896DB8EA-4B77-48E2-8F2A-873A9F82D9F4}" type="datetimeFigureOut">
               <a:rPr lang="en-US" smtClean="0"/>
-              <a:t>5/18/2019</a:t>
+              <a:t>5/19/2019</a:t>
             </a:fld>
             <a:endParaRPr lang="en-US"/>
           </a:p>
@@ -8325,7 +8325,7 @@
           <a:p>
             <a:fld id="{896DB8EA-4B77-48E2-8F2A-873A9F82D9F4}" type="datetimeFigureOut">
               <a:rPr lang="en-US" smtClean="0"/>
-              <a:t>5/18/2019</a:t>
+              <a:t>5/19/2019</a:t>
             </a:fld>
             <a:endParaRPr lang="en-US"/>
           </a:p>
@@ -8420,7 +8420,7 @@
           <a:p>
             <a:fld id="{896DB8EA-4B77-48E2-8F2A-873A9F82D9F4}" type="datetimeFigureOut">
               <a:rPr lang="en-US" smtClean="0"/>
-              <a:t>5/18/2019</a:t>
+              <a:t>5/19/2019</a:t>
             </a:fld>
             <a:endParaRPr lang="en-US"/>
           </a:p>
@@ -8669,7 +8669,7 @@
           <a:p>
             <a:fld id="{896DB8EA-4B77-48E2-8F2A-873A9F82D9F4}" type="datetimeFigureOut">
               <a:rPr lang="en-US" smtClean="0"/>
-              <a:t>5/18/2019</a:t>
+              <a:t>5/19/2019</a:t>
             </a:fld>
             <a:endParaRPr lang="en-US"/>
           </a:p>
@@ -8949,7 +8949,7 @@
           <a:p>
             <a:fld id="{896DB8EA-4B77-48E2-8F2A-873A9F82D9F4}" type="datetimeFigureOut">
               <a:rPr lang="en-US" smtClean="0"/>
-              <a:t>5/18/2019</a:t>
+              <a:t>5/19/2019</a:t>
             </a:fld>
             <a:endParaRPr lang="en-US"/>
           </a:p>
@@ -9065,7 +9065,7 @@
           <a:noFill/>
           <a:extLst>
             <a:ext uri="{909E8E84-426E-40dd-AFC4-6F175D3DCCD1}">
-              <a14:hiddenFill xmlns:a14="http://schemas.microsoft.com/office/drawing/2010/main" xmlns="">
+              <a14:hiddenFill xmlns="" xmlns:a14="http://schemas.microsoft.com/office/drawing/2010/main">
                 <a:solidFill>
                   <a:srgbClr val="FFFFFF"/>
                 </a:solidFill>
@@ -9139,7 +9139,7 @@
               </a:ln>
               <a:extLst>
                 <a:ext uri="{91240B29-F687-4f45-9708-019B960494DF}">
-                  <a14:hiddenLine xmlns:a14="http://schemas.microsoft.com/office/drawing/2010/main" xmlns="" w="9525">
+                  <a14:hiddenLine xmlns="" xmlns:a14="http://schemas.microsoft.com/office/drawing/2010/main" w="9525">
                     <a:solidFill>
                       <a:srgbClr val="000000"/>
                     </a:solidFill>
@@ -9229,7 +9229,7 @@
               </a:ln>
               <a:extLst>
                 <a:ext uri="{91240B29-F687-4f45-9708-019B960494DF}">
-                  <a14:hiddenLine xmlns:a14="http://schemas.microsoft.com/office/drawing/2010/main" xmlns="" w="9525">
+                  <a14:hiddenLine xmlns="" xmlns:a14="http://schemas.microsoft.com/office/drawing/2010/main" w="9525">
                     <a:solidFill>
                       <a:srgbClr val="000000"/>
                     </a:solidFill>
@@ -9319,7 +9319,7 @@
               </a:ln>
               <a:extLst>
                 <a:ext uri="{91240B29-F687-4f45-9708-019B960494DF}">
-                  <a14:hiddenLine xmlns:a14="http://schemas.microsoft.com/office/drawing/2010/main" xmlns="" w="9525">
+                  <a14:hiddenLine xmlns="" xmlns:a14="http://schemas.microsoft.com/office/drawing/2010/main" w="9525">
                     <a:solidFill>
                       <a:srgbClr val="000000"/>
                     </a:solidFill>
@@ -9381,7 +9381,7 @@
               </a:ln>
               <a:extLst>
                 <a:ext uri="{91240B29-F687-4f45-9708-019B960494DF}">
-                  <a14:hiddenLine xmlns:a14="http://schemas.microsoft.com/office/drawing/2010/main" xmlns="" w="9525">
+                  <a14:hiddenLine xmlns="" xmlns:a14="http://schemas.microsoft.com/office/drawing/2010/main" w="9525">
                     <a:solidFill>
                       <a:srgbClr val="000000"/>
                     </a:solidFill>
@@ -9471,7 +9471,7 @@
               </a:ln>
               <a:extLst>
                 <a:ext uri="{91240B29-F687-4f45-9708-019B960494DF}">
-                  <a14:hiddenLine xmlns:a14="http://schemas.microsoft.com/office/drawing/2010/main" xmlns="" w="9525">
+                  <a14:hiddenLine xmlns="" xmlns:a14="http://schemas.microsoft.com/office/drawing/2010/main" w="9525">
                     <a:solidFill>
                       <a:srgbClr val="000000"/>
                     </a:solidFill>
@@ -9533,7 +9533,7 @@
               </a:ln>
               <a:extLst>
                 <a:ext uri="{91240B29-F687-4f45-9708-019B960494DF}">
-                  <a14:hiddenLine xmlns:a14="http://schemas.microsoft.com/office/drawing/2010/main" xmlns="" w="9525">
+                  <a14:hiddenLine xmlns="" xmlns:a14="http://schemas.microsoft.com/office/drawing/2010/main" w="9525">
                     <a:solidFill>
                       <a:srgbClr val="000000"/>
                     </a:solidFill>
@@ -9595,7 +9595,7 @@
               </a:ln>
               <a:extLst>
                 <a:ext uri="{91240B29-F687-4f45-9708-019B960494DF}">
-                  <a14:hiddenLine xmlns:a14="http://schemas.microsoft.com/office/drawing/2010/main" xmlns="" w="9525">
+                  <a14:hiddenLine xmlns="" xmlns:a14="http://schemas.microsoft.com/office/drawing/2010/main" w="9525">
                     <a:solidFill>
                       <a:srgbClr val="000000"/>
                     </a:solidFill>
@@ -9685,7 +9685,7 @@
               </a:ln>
               <a:extLst>
                 <a:ext uri="{91240B29-F687-4f45-9708-019B960494DF}">
-                  <a14:hiddenLine xmlns:a14="http://schemas.microsoft.com/office/drawing/2010/main" xmlns="" w="9525">
+                  <a14:hiddenLine xmlns="" xmlns:a14="http://schemas.microsoft.com/office/drawing/2010/main" w="9525">
                     <a:solidFill>
                       <a:srgbClr val="000000"/>
                     </a:solidFill>
@@ -9775,7 +9775,7 @@
               </a:ln>
               <a:extLst>
                 <a:ext uri="{91240B29-F687-4f45-9708-019B960494DF}">
-                  <a14:hiddenLine xmlns:a14="http://schemas.microsoft.com/office/drawing/2010/main" xmlns="" w="9525">
+                  <a14:hiddenLine xmlns="" xmlns:a14="http://schemas.microsoft.com/office/drawing/2010/main" w="9525">
                     <a:solidFill>
                       <a:srgbClr val="000000"/>
                     </a:solidFill>
@@ -9837,7 +9837,7 @@
               </a:ln>
               <a:extLst>
                 <a:ext uri="{91240B29-F687-4f45-9708-019B960494DF}">
-                  <a14:hiddenLine xmlns:a14="http://schemas.microsoft.com/office/drawing/2010/main" xmlns="" w="9525">
+                  <a14:hiddenLine xmlns="" xmlns:a14="http://schemas.microsoft.com/office/drawing/2010/main" w="9525">
                     <a:solidFill>
                       <a:srgbClr val="000000"/>
                     </a:solidFill>
@@ -9947,7 +9947,7 @@
               </a:ln>
               <a:extLst>
                 <a:ext uri="{91240B29-F687-4f45-9708-019B960494DF}">
-                  <a14:hiddenLine xmlns:a14="http://schemas.microsoft.com/office/drawing/2010/main" xmlns="" w="9525">
+                  <a14:hiddenLine xmlns="" xmlns:a14="http://schemas.microsoft.com/office/drawing/2010/main" w="9525">
                     <a:solidFill>
                       <a:srgbClr val="000000"/>
                     </a:solidFill>
@@ -10031,7 +10031,7 @@
               </a:ln>
               <a:extLst>
                 <a:ext uri="{91240B29-F687-4f45-9708-019B960494DF}">
-                  <a14:hiddenLine xmlns:a14="http://schemas.microsoft.com/office/drawing/2010/main" xmlns="" w="9525">
+                  <a14:hiddenLine xmlns="" xmlns:a14="http://schemas.microsoft.com/office/drawing/2010/main" w="9525">
                     <a:solidFill>
                       <a:srgbClr val="000000"/>
                     </a:solidFill>
@@ -10093,7 +10093,7 @@
               </a:ln>
               <a:extLst>
                 <a:ext uri="{91240B29-F687-4f45-9708-019B960494DF}">
-                  <a14:hiddenLine xmlns:a14="http://schemas.microsoft.com/office/drawing/2010/main" xmlns="" w="9525">
+                  <a14:hiddenLine xmlns="" xmlns:a14="http://schemas.microsoft.com/office/drawing/2010/main" w="9525">
                     <a:solidFill>
                       <a:srgbClr val="000000"/>
                     </a:solidFill>
@@ -10155,7 +10155,7 @@
               </a:ln>
               <a:extLst>
                 <a:ext uri="{91240B29-F687-4f45-9708-019B960494DF}">
-                  <a14:hiddenLine xmlns:a14="http://schemas.microsoft.com/office/drawing/2010/main" xmlns="" w="9525">
+                  <a14:hiddenLine xmlns="" xmlns:a14="http://schemas.microsoft.com/office/drawing/2010/main" w="9525">
                     <a:solidFill>
                       <a:srgbClr val="000000"/>
                     </a:solidFill>
@@ -10245,7 +10245,7 @@
               </a:ln>
               <a:extLst>
                 <a:ext uri="{91240B29-F687-4f45-9708-019B960494DF}">
-                  <a14:hiddenLine xmlns:a14="http://schemas.microsoft.com/office/drawing/2010/main" xmlns="" w="9525">
+                  <a14:hiddenLine xmlns="" xmlns:a14="http://schemas.microsoft.com/office/drawing/2010/main" w="9525">
                     <a:solidFill>
                       <a:srgbClr val="000000"/>
                     </a:solidFill>
@@ -10279,7 +10279,7 @@
               </a:ln>
               <a:extLst>
                 <a:ext uri="{91240B29-F687-4f45-9708-019B960494DF}">
-                  <a14:hiddenLine xmlns:a14="http://schemas.microsoft.com/office/drawing/2010/main" xmlns="" w="9525">
+                  <a14:hiddenLine xmlns="" xmlns:a14="http://schemas.microsoft.com/office/drawing/2010/main" w="9525">
                     <a:solidFill>
                       <a:srgbClr val="000000"/>
                     </a:solidFill>
@@ -10344,7 +10344,7 @@
               </a:ln>
               <a:extLst>
                 <a:ext uri="{91240B29-F687-4f45-9708-019B960494DF}">
-                  <a14:hiddenLine xmlns:a14="http://schemas.microsoft.com/office/drawing/2010/main" xmlns="" w="9525">
+                  <a14:hiddenLine xmlns="" xmlns:a14="http://schemas.microsoft.com/office/drawing/2010/main" w="9525">
                     <a:solidFill>
                       <a:srgbClr val="000000"/>
                     </a:solidFill>
@@ -10434,7 +10434,7 @@
               </a:ln>
               <a:extLst>
                 <a:ext uri="{91240B29-F687-4f45-9708-019B960494DF}">
-                  <a14:hiddenLine xmlns:a14="http://schemas.microsoft.com/office/drawing/2010/main" xmlns="" w="9525">
+                  <a14:hiddenLine xmlns="" xmlns:a14="http://schemas.microsoft.com/office/drawing/2010/main" w="9525">
                     <a:solidFill>
                       <a:srgbClr val="000000"/>
                     </a:solidFill>
@@ -10496,7 +10496,7 @@
               </a:ln>
               <a:extLst>
                 <a:ext uri="{91240B29-F687-4f45-9708-019B960494DF}">
-                  <a14:hiddenLine xmlns:a14="http://schemas.microsoft.com/office/drawing/2010/main" xmlns="" w="9525">
+                  <a14:hiddenLine xmlns="" xmlns:a14="http://schemas.microsoft.com/office/drawing/2010/main" w="9525">
                     <a:solidFill>
                       <a:srgbClr val="000000"/>
                     </a:solidFill>
@@ -10586,7 +10586,7 @@
               </a:ln>
               <a:extLst>
                 <a:ext uri="{91240B29-F687-4f45-9708-019B960494DF}">
-                  <a14:hiddenLine xmlns:a14="http://schemas.microsoft.com/office/drawing/2010/main" xmlns="" w="9525">
+                  <a14:hiddenLine xmlns="" xmlns:a14="http://schemas.microsoft.com/office/drawing/2010/main" w="9525">
                     <a:solidFill>
                       <a:srgbClr val="000000"/>
                     </a:solidFill>
@@ -10651,7 +10651,7 @@
               </a:ln>
               <a:extLst>
                 <a:ext uri="{91240B29-F687-4f45-9708-019B960494DF}">
-                  <a14:hiddenLine xmlns:a14="http://schemas.microsoft.com/office/drawing/2010/main" xmlns="" w="9525">
+                  <a14:hiddenLine xmlns="" xmlns:a14="http://schemas.microsoft.com/office/drawing/2010/main" w="9525">
                     <a:solidFill>
                       <a:srgbClr val="000000"/>
                     </a:solidFill>
@@ -10713,7 +10713,7 @@
               </a:ln>
               <a:extLst>
                 <a:ext uri="{91240B29-F687-4f45-9708-019B960494DF}">
-                  <a14:hiddenLine xmlns:a14="http://schemas.microsoft.com/office/drawing/2010/main" xmlns="" w="9525">
+                  <a14:hiddenLine xmlns="" xmlns:a14="http://schemas.microsoft.com/office/drawing/2010/main" w="9525">
                     <a:solidFill>
                       <a:srgbClr val="000000"/>
                     </a:solidFill>
@@ -10803,7 +10803,7 @@
               </a:ln>
               <a:extLst>
                 <a:ext uri="{91240B29-F687-4f45-9708-019B960494DF}">
-                  <a14:hiddenLine xmlns:a14="http://schemas.microsoft.com/office/drawing/2010/main" xmlns="" w="9525">
+                  <a14:hiddenLine xmlns="" xmlns:a14="http://schemas.microsoft.com/office/drawing/2010/main" w="9525">
                     <a:solidFill>
                       <a:srgbClr val="000000"/>
                     </a:solidFill>
@@ -10893,7 +10893,7 @@
               </a:ln>
               <a:extLst>
                 <a:ext uri="{91240B29-F687-4f45-9708-019B960494DF}">
-                  <a14:hiddenLine xmlns:a14="http://schemas.microsoft.com/office/drawing/2010/main" xmlns="" w="9525">
+                  <a14:hiddenLine xmlns="" xmlns:a14="http://schemas.microsoft.com/office/drawing/2010/main" w="9525">
                     <a:solidFill>
                       <a:srgbClr val="000000"/>
                     </a:solidFill>
@@ -10958,7 +10958,7 @@
               </a:ln>
               <a:extLst>
                 <a:ext uri="{91240B29-F687-4f45-9708-019B960494DF}">
-                  <a14:hiddenLine xmlns:a14="http://schemas.microsoft.com/office/drawing/2010/main" xmlns="" w="9525">
+                  <a14:hiddenLine xmlns="" xmlns:a14="http://schemas.microsoft.com/office/drawing/2010/main" w="9525">
                     <a:solidFill>
                       <a:srgbClr val="000000"/>
                     </a:solidFill>
@@ -11078,7 +11078,7 @@
               </a:ln>
               <a:extLst>
                 <a:ext uri="{91240B29-F687-4f45-9708-019B960494DF}">
-                  <a14:hiddenLine xmlns:a14="http://schemas.microsoft.com/office/drawing/2010/main" xmlns="" w="9525">
+                  <a14:hiddenLine xmlns="" xmlns:a14="http://schemas.microsoft.com/office/drawing/2010/main" w="9525">
                     <a:solidFill>
                       <a:srgbClr val="000000"/>
                     </a:solidFill>
@@ -11176,7 +11176,7 @@
               </a:ln>
               <a:extLst>
                 <a:ext uri="{91240B29-F687-4f45-9708-019B960494DF}">
-                  <a14:hiddenLine xmlns:a14="http://schemas.microsoft.com/office/drawing/2010/main" xmlns="" w="9525">
+                  <a14:hiddenLine xmlns="" xmlns:a14="http://schemas.microsoft.com/office/drawing/2010/main" w="9525">
                     <a:solidFill>
                       <a:srgbClr val="000000"/>
                     </a:solidFill>
@@ -11291,7 +11291,7 @@
               </a:ln>
               <a:extLst>
                 <a:ext uri="{91240B29-F687-4f45-9708-019B960494DF}">
-                  <a14:hiddenLine xmlns:a14="http://schemas.microsoft.com/office/drawing/2010/main" xmlns="" w="9525">
+                  <a14:hiddenLine xmlns="" xmlns:a14="http://schemas.microsoft.com/office/drawing/2010/main" w="9525">
                     <a:solidFill>
                       <a:srgbClr val="000000"/>
                     </a:solidFill>
@@ -11381,7 +11381,7 @@
               </a:ln>
               <a:extLst>
                 <a:ext uri="{91240B29-F687-4f45-9708-019B960494DF}">
-                  <a14:hiddenLine xmlns:a14="http://schemas.microsoft.com/office/drawing/2010/main" xmlns="" w="9525">
+                  <a14:hiddenLine xmlns="" xmlns:a14="http://schemas.microsoft.com/office/drawing/2010/main" w="9525">
                     <a:solidFill>
                       <a:srgbClr val="000000"/>
                     </a:solidFill>
@@ -11446,7 +11446,7 @@
               </a:ln>
               <a:extLst>
                 <a:ext uri="{91240B29-F687-4f45-9708-019B960494DF}">
-                  <a14:hiddenLine xmlns:a14="http://schemas.microsoft.com/office/drawing/2010/main" xmlns="" w="9525">
+                  <a14:hiddenLine xmlns="" xmlns:a14="http://schemas.microsoft.com/office/drawing/2010/main" w="9525">
                     <a:solidFill>
                       <a:srgbClr val="000000"/>
                     </a:solidFill>
@@ -11536,7 +11536,7 @@
               </a:ln>
               <a:extLst>
                 <a:ext uri="{91240B29-F687-4f45-9708-019B960494DF}">
-                  <a14:hiddenLine xmlns:a14="http://schemas.microsoft.com/office/drawing/2010/main" xmlns="" w="9525">
+                  <a14:hiddenLine xmlns="" xmlns:a14="http://schemas.microsoft.com/office/drawing/2010/main" w="9525">
                     <a:solidFill>
                       <a:srgbClr val="000000"/>
                     </a:solidFill>
@@ -11604,7 +11604,7 @@
               </a:ln>
               <a:extLst>
                 <a:ext uri="{91240B29-F687-4f45-9708-019B960494DF}">
-                  <a14:hiddenLine xmlns:a14="http://schemas.microsoft.com/office/drawing/2010/main" xmlns="" w="9525">
+                  <a14:hiddenLine xmlns="" xmlns:a14="http://schemas.microsoft.com/office/drawing/2010/main" w="9525">
                     <a:solidFill>
                       <a:srgbClr val="000000"/>
                     </a:solidFill>
@@ -11694,7 +11694,7 @@
               </a:ln>
               <a:extLst>
                 <a:ext uri="{91240B29-F687-4f45-9708-019B960494DF}">
-                  <a14:hiddenLine xmlns:a14="http://schemas.microsoft.com/office/drawing/2010/main" xmlns="" w="9525">
+                  <a14:hiddenLine xmlns="" xmlns:a14="http://schemas.microsoft.com/office/drawing/2010/main" w="9525">
                     <a:solidFill>
                       <a:srgbClr val="000000"/>
                     </a:solidFill>
@@ -11762,7 +11762,7 @@
               </a:ln>
               <a:extLst>
                 <a:ext uri="{91240B29-F687-4f45-9708-019B960494DF}">
-                  <a14:hiddenLine xmlns:a14="http://schemas.microsoft.com/office/drawing/2010/main" xmlns="" w="9525">
+                  <a14:hiddenLine xmlns="" xmlns:a14="http://schemas.microsoft.com/office/drawing/2010/main" w="9525">
                     <a:solidFill>
                       <a:srgbClr val="000000"/>
                     </a:solidFill>
@@ -11852,7 +11852,7 @@
               </a:ln>
               <a:extLst>
                 <a:ext uri="{91240B29-F687-4f45-9708-019B960494DF}">
-                  <a14:hiddenLine xmlns:a14="http://schemas.microsoft.com/office/drawing/2010/main" xmlns="" w="9525">
+                  <a14:hiddenLine xmlns="" xmlns:a14="http://schemas.microsoft.com/office/drawing/2010/main" w="9525">
                     <a:solidFill>
                       <a:srgbClr val="000000"/>
                     </a:solidFill>
@@ -11886,7 +11886,7 @@
               </a:ln>
               <a:extLst>
                 <a:ext uri="{91240B29-F687-4f45-9708-019B960494DF}">
-                  <a14:hiddenLine xmlns:a14="http://schemas.microsoft.com/office/drawing/2010/main" xmlns="" w="9525">
+                  <a14:hiddenLine xmlns="" xmlns:a14="http://schemas.microsoft.com/office/drawing/2010/main" w="9525">
                     <a:solidFill>
                       <a:srgbClr val="000000"/>
                     </a:solidFill>
@@ -12026,7 +12026,7 @@
           <a:p>
             <a:fld id="{896DB8EA-4B77-48E2-8F2A-873A9F82D9F4}" type="datetimeFigureOut">
               <a:rPr lang="en-US" smtClean="0"/>
-              <a:t>5/18/2019</a:t>
+              <a:t>5/19/2019</a:t>
             </a:fld>
             <a:endParaRPr lang="en-US"/>
           </a:p>
@@ -12545,28 +12545,36 @@
           </a:p>
         </p:txBody>
       </p:sp>
-      <p:sp>
-        <p:nvSpPr>
-          <p:cNvPr id="3" name="Content Placeholder 2"/>
-          <p:cNvSpPr>
-            <a:spLocks noGrp="1"/>
-          </p:cNvSpPr>
-          <p:nvPr>
-            <p:ph idx="1"/>
-          </p:nvPr>
-        </p:nvSpPr>
-        <p:spPr/>
-        <p:txBody>
-          <a:bodyPr/>
-          <a:lstStyle/>
-          <a:p>
-            <a:r>
-              <a:rPr lang="en-GB" dirty="0"/>
-              <a:t>&lt;Your best bet is to make the References section in a Word document and then copy &amp; paste it here&gt;</a:t>
-            </a:r>
-          </a:p>
-        </p:txBody>
-      </p:sp>
+      <p:pic>
+        <p:nvPicPr>
+          <p:cNvPr id="7" name="Picture 6">
+            <a:extLst>
+              <a:ext uri="{FF2B5EF4-FFF2-40B4-BE49-F238E27FC236}">
+                <a16:creationId xmlns:a16="http://schemas.microsoft.com/office/drawing/2014/main" id="{276704FB-71F7-43B7-9F86-8537A7787B5D}"/>
+              </a:ext>
+            </a:extLst>
+          </p:cNvPr>
+          <p:cNvPicPr>
+            <a:picLocks noChangeAspect="1"/>
+          </p:cNvPicPr>
+          <p:nvPr/>
+        </p:nvPicPr>
+        <p:blipFill>
+          <a:blip r:embed="rId2"/>
+          <a:stretch>
+            <a:fillRect/>
+          </a:stretch>
+        </p:blipFill>
+        <p:spPr>
+          <a:xfrm>
+            <a:off x="1141412" y="1989170"/>
+            <a:ext cx="8617377" cy="1967010"/>
+          </a:xfrm>
+          <a:prstGeom prst="rect">
+            <a:avLst/>
+          </a:prstGeom>
+        </p:spPr>
+      </p:pic>
     </p:spTree>
     <p:extLst>
       <p:ext uri="{BB962C8B-B14F-4D97-AF65-F5344CB8AC3E}">
@@ -13197,7 +13205,7 @@
         </p:nvSpPr>
         <p:spPr>
           <a:xfrm>
-            <a:off x="838200" y="5530632"/>
+            <a:off x="838200" y="5593151"/>
             <a:ext cx="7373815" cy="646331"/>
           </a:xfrm>
           <a:prstGeom prst="rect">
@@ -13215,11 +13223,14 @@
               <a:rPr lang="en-US" dirty="0">
                 <a:hlinkClick r:id="rId2"/>
               </a:rPr>
-              <a:t>https://www.interactive.org/Interviews/the_game_makers_notebook.asp-</a:t>
-            </a:r>
+              <a:t>https://www.interactive.org/Interviews/the_game_makers_notebook.asp</a:t>
+            </a:r>
+            <a:endParaRPr lang="en-US" dirty="0"/>
+          </a:p>
+          <a:p>
             <a:r>
               <a:rPr lang="en-US" dirty="0"/>
-              <a:t> Justin Ma- 58:30-59:21</a:t>
+              <a:t>Justin Ma- 58:30-59:21</a:t>
             </a:r>
           </a:p>
         </p:txBody>

--- a/ExamPresentationTemplate.pptx
+++ b/ExamPresentationTemplate.pptx
@@ -172,7 +172,7 @@
           <a:noFill/>
           <a:extLst>
             <a:ext uri="{909E8E84-426E-40dd-AFC4-6F175D3DCCD1}">
-              <a14:hiddenFill xmlns="" xmlns:a14="http://schemas.microsoft.com/office/drawing/2010/main">
+              <a14:hiddenFill xmlns:a14="http://schemas.microsoft.com/office/drawing/2010/main" xmlns="">
                 <a:solidFill>
                   <a:srgbClr val="FFFFFF"/>
                 </a:solidFill>
@@ -232,7 +232,7 @@
             </a:ln>
             <a:extLst>
               <a:ext uri="{91240B29-F687-4f45-9708-019B960494DF}">
-                <a14:hiddenLine xmlns="" xmlns:a14="http://schemas.microsoft.com/office/drawing/2010/main" w="9525">
+                <a14:hiddenLine xmlns:a14="http://schemas.microsoft.com/office/drawing/2010/main" xmlns="" w="9525">
                   <a:solidFill>
                     <a:srgbClr val="000000"/>
                   </a:solidFill>
@@ -322,7 +322,7 @@
             </a:ln>
             <a:extLst>
               <a:ext uri="{91240B29-F687-4f45-9708-019B960494DF}">
-                <a14:hiddenLine xmlns="" xmlns:a14="http://schemas.microsoft.com/office/drawing/2010/main" w="9525">
+                <a14:hiddenLine xmlns:a14="http://schemas.microsoft.com/office/drawing/2010/main" xmlns="" w="9525">
                   <a:solidFill>
                     <a:srgbClr val="000000"/>
                   </a:solidFill>
@@ -412,7 +412,7 @@
             </a:ln>
             <a:extLst>
               <a:ext uri="{91240B29-F687-4f45-9708-019B960494DF}">
-                <a14:hiddenLine xmlns="" xmlns:a14="http://schemas.microsoft.com/office/drawing/2010/main" w="9525">
+                <a14:hiddenLine xmlns:a14="http://schemas.microsoft.com/office/drawing/2010/main" xmlns="" w="9525">
                   <a:solidFill>
                     <a:srgbClr val="000000"/>
                   </a:solidFill>
@@ -446,7 +446,7 @@
             </a:ln>
             <a:extLst>
               <a:ext uri="{91240B29-F687-4f45-9708-019B960494DF}">
-                <a14:hiddenLine xmlns="" xmlns:a14="http://schemas.microsoft.com/office/drawing/2010/main" w="9525">
+                <a14:hiddenLine xmlns:a14="http://schemas.microsoft.com/office/drawing/2010/main" xmlns="" w="9525">
                   <a:solidFill>
                     <a:srgbClr val="000000"/>
                   </a:solidFill>
@@ -536,7 +536,7 @@
             </a:ln>
             <a:extLst>
               <a:ext uri="{91240B29-F687-4f45-9708-019B960494DF}">
-                <a14:hiddenLine xmlns="" xmlns:a14="http://schemas.microsoft.com/office/drawing/2010/main" w="9525">
+                <a14:hiddenLine xmlns:a14="http://schemas.microsoft.com/office/drawing/2010/main" xmlns="" w="9525">
                   <a:solidFill>
                     <a:srgbClr val="000000"/>
                   </a:solidFill>
@@ -598,7 +598,7 @@
             </a:ln>
             <a:extLst>
               <a:ext uri="{91240B29-F687-4f45-9708-019B960494DF}">
-                <a14:hiddenLine xmlns="" xmlns:a14="http://schemas.microsoft.com/office/drawing/2010/main" w="9525">
+                <a14:hiddenLine xmlns:a14="http://schemas.microsoft.com/office/drawing/2010/main" xmlns="" w="9525">
                   <a:solidFill>
                     <a:srgbClr val="000000"/>
                   </a:solidFill>
@@ -660,7 +660,7 @@
             </a:ln>
             <a:extLst>
               <a:ext uri="{91240B29-F687-4f45-9708-019B960494DF}">
-                <a14:hiddenLine xmlns="" xmlns:a14="http://schemas.microsoft.com/office/drawing/2010/main" w="9525">
+                <a14:hiddenLine xmlns:a14="http://schemas.microsoft.com/office/drawing/2010/main" xmlns="" w="9525">
                   <a:solidFill>
                     <a:srgbClr val="000000"/>
                   </a:solidFill>
@@ -750,7 +750,7 @@
             </a:ln>
             <a:extLst>
               <a:ext uri="{91240B29-F687-4f45-9708-019B960494DF}">
-                <a14:hiddenLine xmlns="" xmlns:a14="http://schemas.microsoft.com/office/drawing/2010/main" w="9525">
+                <a14:hiddenLine xmlns:a14="http://schemas.microsoft.com/office/drawing/2010/main" xmlns="" w="9525">
                   <a:solidFill>
                     <a:srgbClr val="000000"/>
                   </a:solidFill>
@@ -812,7 +812,7 @@
             </a:ln>
             <a:extLst>
               <a:ext uri="{91240B29-F687-4f45-9708-019B960494DF}">
-                <a14:hiddenLine xmlns="" xmlns:a14="http://schemas.microsoft.com/office/drawing/2010/main" w="9525">
+                <a14:hiddenLine xmlns:a14="http://schemas.microsoft.com/office/drawing/2010/main" xmlns="" w="9525">
                   <a:solidFill>
                     <a:srgbClr val="000000"/>
                   </a:solidFill>
@@ -874,7 +874,7 @@
             </a:ln>
             <a:extLst>
               <a:ext uri="{91240B29-F687-4f45-9708-019B960494DF}">
-                <a14:hiddenLine xmlns="" xmlns:a14="http://schemas.microsoft.com/office/drawing/2010/main" w="9525">
+                <a14:hiddenLine xmlns:a14="http://schemas.microsoft.com/office/drawing/2010/main" xmlns="" w="9525">
                   <a:solidFill>
                     <a:srgbClr val="000000"/>
                   </a:solidFill>
@@ -964,7 +964,7 @@
             </a:ln>
             <a:extLst>
               <a:ext uri="{91240B29-F687-4f45-9708-019B960494DF}">
-                <a14:hiddenLine xmlns="" xmlns:a14="http://schemas.microsoft.com/office/drawing/2010/main" w="9525">
+                <a14:hiddenLine xmlns:a14="http://schemas.microsoft.com/office/drawing/2010/main" xmlns="" w="9525">
                   <a:solidFill>
                     <a:srgbClr val="000000"/>
                   </a:solidFill>
@@ -1054,7 +1054,7 @@
             </a:ln>
             <a:extLst>
               <a:ext uri="{91240B29-F687-4f45-9708-019B960494DF}">
-                <a14:hiddenLine xmlns="" xmlns:a14="http://schemas.microsoft.com/office/drawing/2010/main" w="9525">
+                <a14:hiddenLine xmlns:a14="http://schemas.microsoft.com/office/drawing/2010/main" xmlns="" w="9525">
                   <a:solidFill>
                     <a:srgbClr val="000000"/>
                   </a:solidFill>
@@ -1116,7 +1116,7 @@
             </a:ln>
             <a:extLst>
               <a:ext uri="{91240B29-F687-4f45-9708-019B960494DF}">
-                <a14:hiddenLine xmlns="" xmlns:a14="http://schemas.microsoft.com/office/drawing/2010/main" w="9525">
+                <a14:hiddenLine xmlns:a14="http://schemas.microsoft.com/office/drawing/2010/main" xmlns="" w="9525">
                   <a:solidFill>
                     <a:srgbClr val="000000"/>
                   </a:solidFill>
@@ -1226,7 +1226,7 @@
             </a:ln>
             <a:extLst>
               <a:ext uri="{91240B29-F687-4f45-9708-019B960494DF}">
-                <a14:hiddenLine xmlns="" xmlns:a14="http://schemas.microsoft.com/office/drawing/2010/main" w="9525">
+                <a14:hiddenLine xmlns:a14="http://schemas.microsoft.com/office/drawing/2010/main" xmlns="" w="9525">
                   <a:solidFill>
                     <a:srgbClr val="000000"/>
                   </a:solidFill>
@@ -1288,7 +1288,7 @@
             </a:ln>
             <a:extLst>
               <a:ext uri="{91240B29-F687-4f45-9708-019B960494DF}">
-                <a14:hiddenLine xmlns="" xmlns:a14="http://schemas.microsoft.com/office/drawing/2010/main" w="9525">
+                <a14:hiddenLine xmlns:a14="http://schemas.microsoft.com/office/drawing/2010/main" xmlns="" w="9525">
                   <a:solidFill>
                     <a:srgbClr val="000000"/>
                   </a:solidFill>
@@ -1378,7 +1378,7 @@
             </a:ln>
             <a:extLst>
               <a:ext uri="{91240B29-F687-4f45-9708-019B960494DF}">
-                <a14:hiddenLine xmlns="" xmlns:a14="http://schemas.microsoft.com/office/drawing/2010/main" w="9525">
+                <a14:hiddenLine xmlns:a14="http://schemas.microsoft.com/office/drawing/2010/main" xmlns="" w="9525">
                   <a:solidFill>
                     <a:srgbClr val="000000"/>
                   </a:solidFill>
@@ -1468,7 +1468,7 @@
             </a:ln>
             <a:extLst>
               <a:ext uri="{91240B29-F687-4f45-9708-019B960494DF}">
-                <a14:hiddenLine xmlns="" xmlns:a14="http://schemas.microsoft.com/office/drawing/2010/main" w="9525">
+                <a14:hiddenLine xmlns:a14="http://schemas.microsoft.com/office/drawing/2010/main" xmlns="" w="9525">
                   <a:solidFill>
                     <a:srgbClr val="000000"/>
                   </a:solidFill>
@@ -1530,7 +1530,7 @@
             </a:ln>
             <a:extLst>
               <a:ext uri="{91240B29-F687-4f45-9708-019B960494DF}">
-                <a14:hiddenLine xmlns="" xmlns:a14="http://schemas.microsoft.com/office/drawing/2010/main" w="9525">
+                <a14:hiddenLine xmlns:a14="http://schemas.microsoft.com/office/drawing/2010/main" xmlns="" w="9525">
                   <a:solidFill>
                     <a:srgbClr val="000000"/>
                   </a:solidFill>
@@ -1620,7 +1620,7 @@
             </a:ln>
             <a:extLst>
               <a:ext uri="{91240B29-F687-4f45-9708-019B960494DF}">
-                <a14:hiddenLine xmlns="" xmlns:a14="http://schemas.microsoft.com/office/drawing/2010/main" w="9525">
+                <a14:hiddenLine xmlns:a14="http://schemas.microsoft.com/office/drawing/2010/main" xmlns="" w="9525">
                   <a:solidFill>
                     <a:srgbClr val="000000"/>
                   </a:solidFill>
@@ -1710,7 +1710,7 @@
             </a:ln>
             <a:extLst>
               <a:ext uri="{91240B29-F687-4f45-9708-019B960494DF}">
-                <a14:hiddenLine xmlns="" xmlns:a14="http://schemas.microsoft.com/office/drawing/2010/main" w="9525">
+                <a14:hiddenLine xmlns:a14="http://schemas.microsoft.com/office/drawing/2010/main" xmlns="" w="9525">
                   <a:solidFill>
                     <a:srgbClr val="000000"/>
                   </a:solidFill>
@@ -1766,7 +1766,7 @@
             </a:ln>
             <a:extLst>
               <a:ext uri="{91240B29-F687-4f45-9708-019B960494DF}">
-                <a14:hiddenLine xmlns="" xmlns:a14="http://schemas.microsoft.com/office/drawing/2010/main" w="9525">
+                <a14:hiddenLine xmlns:a14="http://schemas.microsoft.com/office/drawing/2010/main" xmlns="" w="9525">
                   <a:solidFill>
                     <a:srgbClr val="000000"/>
                   </a:solidFill>
@@ -1856,7 +1856,7 @@
             </a:ln>
             <a:extLst>
               <a:ext uri="{91240B29-F687-4f45-9708-019B960494DF}">
-                <a14:hiddenLine xmlns="" xmlns:a14="http://schemas.microsoft.com/office/drawing/2010/main" w="9525">
+                <a14:hiddenLine xmlns:a14="http://schemas.microsoft.com/office/drawing/2010/main" xmlns="" w="9525">
                   <a:solidFill>
                     <a:srgbClr val="000000"/>
                   </a:solidFill>
@@ -1912,7 +1912,7 @@
             </a:ln>
             <a:extLst>
               <a:ext uri="{91240B29-F687-4f45-9708-019B960494DF}">
-                <a14:hiddenLine xmlns="" xmlns:a14="http://schemas.microsoft.com/office/drawing/2010/main" w="9525">
+                <a14:hiddenLine xmlns:a14="http://schemas.microsoft.com/office/drawing/2010/main" xmlns="" w="9525">
                   <a:solidFill>
                     <a:srgbClr val="000000"/>
                   </a:solidFill>
@@ -2002,7 +2002,7 @@
             </a:ln>
             <a:extLst>
               <a:ext uri="{91240B29-F687-4f45-9708-019B960494DF}">
-                <a14:hiddenLine xmlns="" xmlns:a14="http://schemas.microsoft.com/office/drawing/2010/main" w="9525">
+                <a14:hiddenLine xmlns:a14="http://schemas.microsoft.com/office/drawing/2010/main" xmlns="" w="9525">
                   <a:solidFill>
                     <a:srgbClr val="000000"/>
                   </a:solidFill>
@@ -2070,7 +2070,7 @@
             </a:ln>
             <a:extLst>
               <a:ext uri="{91240B29-F687-4f45-9708-019B960494DF}">
-                <a14:hiddenLine xmlns="" xmlns:a14="http://schemas.microsoft.com/office/drawing/2010/main" w="9525">
+                <a14:hiddenLine xmlns:a14="http://schemas.microsoft.com/office/drawing/2010/main" xmlns="" w="9525">
                   <a:solidFill>
                     <a:srgbClr val="000000"/>
                   </a:solidFill>
@@ -2160,7 +2160,7 @@
             </a:ln>
             <a:extLst>
               <a:ext uri="{91240B29-F687-4f45-9708-019B960494DF}">
-                <a14:hiddenLine xmlns="" xmlns:a14="http://schemas.microsoft.com/office/drawing/2010/main" w="9525">
+                <a14:hiddenLine xmlns:a14="http://schemas.microsoft.com/office/drawing/2010/main" xmlns="" w="9525">
                   <a:solidFill>
                     <a:srgbClr val="000000"/>
                   </a:solidFill>
@@ -2228,7 +2228,7 @@
             </a:ln>
             <a:extLst>
               <a:ext uri="{91240B29-F687-4f45-9708-019B960494DF}">
-                <a14:hiddenLine xmlns="" xmlns:a14="http://schemas.microsoft.com/office/drawing/2010/main" w="9525">
+                <a14:hiddenLine xmlns:a14="http://schemas.microsoft.com/office/drawing/2010/main" xmlns="" w="9525">
                   <a:solidFill>
                     <a:srgbClr val="000000"/>
                   </a:solidFill>
@@ -2318,7 +2318,7 @@
             </a:ln>
             <a:extLst>
               <a:ext uri="{91240B29-F687-4f45-9708-019B960494DF}">
-                <a14:hiddenLine xmlns="" xmlns:a14="http://schemas.microsoft.com/office/drawing/2010/main" w="9525">
+                <a14:hiddenLine xmlns:a14="http://schemas.microsoft.com/office/drawing/2010/main" xmlns="" w="9525">
                   <a:solidFill>
                     <a:srgbClr val="000000"/>
                   </a:solidFill>
@@ -2352,7 +2352,7 @@
             </a:ln>
             <a:extLst>
               <a:ext uri="{91240B29-F687-4f45-9708-019B960494DF}">
-                <a14:hiddenLine xmlns="" xmlns:a14="http://schemas.microsoft.com/office/drawing/2010/main" w="9525">
+                <a14:hiddenLine xmlns:a14="http://schemas.microsoft.com/office/drawing/2010/main" xmlns="" w="9525">
                   <a:solidFill>
                     <a:srgbClr val="000000"/>
                   </a:solidFill>
@@ -2442,7 +2442,7 @@
             </a:ln>
             <a:extLst>
               <a:ext uri="{91240B29-F687-4f45-9708-019B960494DF}">
-                <a14:hiddenLine xmlns="" xmlns:a14="http://schemas.microsoft.com/office/drawing/2010/main" w="9525">
+                <a14:hiddenLine xmlns:a14="http://schemas.microsoft.com/office/drawing/2010/main" xmlns="" w="9525">
                   <a:solidFill>
                     <a:srgbClr val="000000"/>
                   </a:solidFill>
@@ -2504,7 +2504,7 @@
             </a:ln>
             <a:extLst>
               <a:ext uri="{91240B29-F687-4f45-9708-019B960494DF}">
-                <a14:hiddenLine xmlns="" xmlns:a14="http://schemas.microsoft.com/office/drawing/2010/main" w="9525">
+                <a14:hiddenLine xmlns:a14="http://schemas.microsoft.com/office/drawing/2010/main" xmlns="" w="9525">
                   <a:solidFill>
                     <a:srgbClr val="000000"/>
                   </a:solidFill>
@@ -2566,7 +2566,7 @@
             </a:ln>
             <a:extLst>
               <a:ext uri="{91240B29-F687-4f45-9708-019B960494DF}">
-                <a14:hiddenLine xmlns="" xmlns:a14="http://schemas.microsoft.com/office/drawing/2010/main" w="9525">
+                <a14:hiddenLine xmlns:a14="http://schemas.microsoft.com/office/drawing/2010/main" xmlns="" w="9525">
                   <a:solidFill>
                     <a:srgbClr val="000000"/>
                   </a:solidFill>
@@ -2656,7 +2656,7 @@
             </a:ln>
             <a:extLst>
               <a:ext uri="{91240B29-F687-4f45-9708-019B960494DF}">
-                <a14:hiddenLine xmlns="" xmlns:a14="http://schemas.microsoft.com/office/drawing/2010/main" w="9525">
+                <a14:hiddenLine xmlns:a14="http://schemas.microsoft.com/office/drawing/2010/main" xmlns="" w="9525">
                   <a:solidFill>
                     <a:srgbClr val="000000"/>
                   </a:solidFill>
@@ -2724,7 +2724,7 @@
             </a:ln>
             <a:extLst>
               <a:ext uri="{91240B29-F687-4f45-9708-019B960494DF}">
-                <a14:hiddenLine xmlns="" xmlns:a14="http://schemas.microsoft.com/office/drawing/2010/main" w="9525">
+                <a14:hiddenLine xmlns:a14="http://schemas.microsoft.com/office/drawing/2010/main" xmlns="" w="9525">
                   <a:solidFill>
                     <a:srgbClr val="000000"/>
                   </a:solidFill>
@@ -2786,7 +2786,7 @@
             </a:ln>
             <a:extLst>
               <a:ext uri="{91240B29-F687-4f45-9708-019B960494DF}">
-                <a14:hiddenLine xmlns="" xmlns:a14="http://schemas.microsoft.com/office/drawing/2010/main" w="9525">
+                <a14:hiddenLine xmlns:a14="http://schemas.microsoft.com/office/drawing/2010/main" xmlns="" w="9525">
                   <a:solidFill>
                     <a:srgbClr val="000000"/>
                   </a:solidFill>
@@ -2876,7 +2876,7 @@
             </a:ln>
             <a:extLst>
               <a:ext uri="{91240B29-F687-4f45-9708-019B960494DF}">
-                <a14:hiddenLine xmlns="" xmlns:a14="http://schemas.microsoft.com/office/drawing/2010/main" w="9525">
+                <a14:hiddenLine xmlns:a14="http://schemas.microsoft.com/office/drawing/2010/main" xmlns="" w="9525">
                   <a:solidFill>
                     <a:srgbClr val="000000"/>
                   </a:solidFill>
@@ -2938,7 +2938,7 @@
             </a:ln>
             <a:extLst>
               <a:ext uri="{91240B29-F687-4f45-9708-019B960494DF}">
-                <a14:hiddenLine xmlns="" xmlns:a14="http://schemas.microsoft.com/office/drawing/2010/main" w="9525">
+                <a14:hiddenLine xmlns:a14="http://schemas.microsoft.com/office/drawing/2010/main" xmlns="" w="9525">
                   <a:solidFill>
                     <a:srgbClr val="000000"/>
                   </a:solidFill>
@@ -3028,7 +3028,7 @@
             </a:ln>
             <a:extLst>
               <a:ext uri="{91240B29-F687-4f45-9708-019B960494DF}">
-                <a14:hiddenLine xmlns="" xmlns:a14="http://schemas.microsoft.com/office/drawing/2010/main" w="9525">
+                <a14:hiddenLine xmlns:a14="http://schemas.microsoft.com/office/drawing/2010/main" xmlns="" w="9525">
                   <a:solidFill>
                     <a:srgbClr val="000000"/>
                   </a:solidFill>
@@ -3090,7 +3090,7 @@
             </a:ln>
             <a:extLst>
               <a:ext uri="{91240B29-F687-4f45-9708-019B960494DF}">
-                <a14:hiddenLine xmlns="" xmlns:a14="http://schemas.microsoft.com/office/drawing/2010/main" w="9525">
+                <a14:hiddenLine xmlns:a14="http://schemas.microsoft.com/office/drawing/2010/main" xmlns="" w="9525">
                   <a:solidFill>
                     <a:srgbClr val="000000"/>
                   </a:solidFill>
@@ -3180,7 +3180,7 @@
             </a:ln>
             <a:extLst>
               <a:ext uri="{91240B29-F687-4f45-9708-019B960494DF}">
-                <a14:hiddenLine xmlns="" xmlns:a14="http://schemas.microsoft.com/office/drawing/2010/main" w="9525">
+                <a14:hiddenLine xmlns:a14="http://schemas.microsoft.com/office/drawing/2010/main" xmlns="" w="9525">
                   <a:solidFill>
                     <a:srgbClr val="000000"/>
                   </a:solidFill>
@@ -3214,7 +3214,7 @@
             </a:ln>
             <a:extLst>
               <a:ext uri="{91240B29-F687-4f45-9708-019B960494DF}">
-                <a14:hiddenLine xmlns="" xmlns:a14="http://schemas.microsoft.com/office/drawing/2010/main" w="9525">
+                <a14:hiddenLine xmlns:a14="http://schemas.microsoft.com/office/drawing/2010/main" xmlns="" w="9525">
                   <a:solidFill>
                     <a:srgbClr val="000000"/>
                   </a:solidFill>
@@ -3279,7 +3279,7 @@
             </a:ln>
             <a:extLst>
               <a:ext uri="{91240B29-F687-4f45-9708-019B960494DF}">
-                <a14:hiddenLine xmlns="" xmlns:a14="http://schemas.microsoft.com/office/drawing/2010/main" w="9525">
+                <a14:hiddenLine xmlns:a14="http://schemas.microsoft.com/office/drawing/2010/main" xmlns="" w="9525">
                   <a:solidFill>
                     <a:srgbClr val="000000"/>
                   </a:solidFill>
@@ -3369,7 +3369,7 @@
             </a:ln>
             <a:extLst>
               <a:ext uri="{91240B29-F687-4f45-9708-019B960494DF}">
-                <a14:hiddenLine xmlns="" xmlns:a14="http://schemas.microsoft.com/office/drawing/2010/main" w="9525">
+                <a14:hiddenLine xmlns:a14="http://schemas.microsoft.com/office/drawing/2010/main" xmlns="" w="9525">
                   <a:solidFill>
                     <a:srgbClr val="000000"/>
                   </a:solidFill>
@@ -3431,7 +3431,7 @@
             </a:ln>
             <a:extLst>
               <a:ext uri="{91240B29-F687-4f45-9708-019B960494DF}">
-                <a14:hiddenLine xmlns="" xmlns:a14="http://schemas.microsoft.com/office/drawing/2010/main" w="9525">
+                <a14:hiddenLine xmlns:a14="http://schemas.microsoft.com/office/drawing/2010/main" xmlns="" w="9525">
                   <a:solidFill>
                     <a:srgbClr val="000000"/>
                   </a:solidFill>
@@ -3521,7 +3521,7 @@
             </a:ln>
             <a:extLst>
               <a:ext uri="{91240B29-F687-4f45-9708-019B960494DF}">
-                <a14:hiddenLine xmlns="" xmlns:a14="http://schemas.microsoft.com/office/drawing/2010/main" w="9525">
+                <a14:hiddenLine xmlns:a14="http://schemas.microsoft.com/office/drawing/2010/main" xmlns="" w="9525">
                   <a:solidFill>
                     <a:srgbClr val="000000"/>
                   </a:solidFill>
@@ -3611,7 +3611,7 @@
             </a:ln>
             <a:extLst>
               <a:ext uri="{91240B29-F687-4f45-9708-019B960494DF}">
-                <a14:hiddenLine xmlns="" xmlns:a14="http://schemas.microsoft.com/office/drawing/2010/main" w="9525">
+                <a14:hiddenLine xmlns:a14="http://schemas.microsoft.com/office/drawing/2010/main" xmlns="" w="9525">
                   <a:solidFill>
                     <a:srgbClr val="000000"/>
                   </a:solidFill>
@@ -3676,7 +3676,7 @@
             </a:ln>
             <a:extLst>
               <a:ext uri="{91240B29-F687-4f45-9708-019B960494DF}">
-                <a14:hiddenLine xmlns="" xmlns:a14="http://schemas.microsoft.com/office/drawing/2010/main" w="9525">
+                <a14:hiddenLine xmlns:a14="http://schemas.microsoft.com/office/drawing/2010/main" xmlns="" w="9525">
                   <a:solidFill>
                     <a:srgbClr val="000000"/>
                   </a:solidFill>
@@ -3738,7 +3738,7 @@
             </a:ln>
             <a:extLst>
               <a:ext uri="{91240B29-F687-4f45-9708-019B960494DF}">
-                <a14:hiddenLine xmlns="" xmlns:a14="http://schemas.microsoft.com/office/drawing/2010/main" w="9525">
+                <a14:hiddenLine xmlns:a14="http://schemas.microsoft.com/office/drawing/2010/main" xmlns="" w="9525">
                   <a:solidFill>
                     <a:srgbClr val="000000"/>
                   </a:solidFill>
@@ -3828,7 +3828,7 @@
             </a:ln>
             <a:extLst>
               <a:ext uri="{91240B29-F687-4f45-9708-019B960494DF}">
-                <a14:hiddenLine xmlns="" xmlns:a14="http://schemas.microsoft.com/office/drawing/2010/main" w="9525">
+                <a14:hiddenLine xmlns:a14="http://schemas.microsoft.com/office/drawing/2010/main" xmlns="" w="9525">
                   <a:solidFill>
                     <a:srgbClr val="000000"/>
                   </a:solidFill>
@@ -3918,7 +3918,7 @@
             </a:ln>
             <a:extLst>
               <a:ext uri="{91240B29-F687-4f45-9708-019B960494DF}">
-                <a14:hiddenLine xmlns="" xmlns:a14="http://schemas.microsoft.com/office/drawing/2010/main" w="9525">
+                <a14:hiddenLine xmlns:a14="http://schemas.microsoft.com/office/drawing/2010/main" xmlns="" w="9525">
                   <a:solidFill>
                     <a:srgbClr val="000000"/>
                   </a:solidFill>
@@ -3980,7 +3980,7 @@
             </a:ln>
             <a:extLst>
               <a:ext uri="{91240B29-F687-4f45-9708-019B960494DF}">
-                <a14:hiddenLine xmlns="" xmlns:a14="http://schemas.microsoft.com/office/drawing/2010/main" w="9525">
+                <a14:hiddenLine xmlns:a14="http://schemas.microsoft.com/office/drawing/2010/main" xmlns="" w="9525">
                   <a:solidFill>
                     <a:srgbClr val="000000"/>
                   </a:solidFill>
@@ -4100,7 +4100,7 @@
             </a:ln>
             <a:extLst>
               <a:ext uri="{91240B29-F687-4f45-9708-019B960494DF}">
-                <a14:hiddenLine xmlns="" xmlns:a14="http://schemas.microsoft.com/office/drawing/2010/main" w="9525">
+                <a14:hiddenLine xmlns:a14="http://schemas.microsoft.com/office/drawing/2010/main" xmlns="" w="9525">
                   <a:solidFill>
                     <a:srgbClr val="000000"/>
                   </a:solidFill>
@@ -4168,7 +4168,7 @@
             </a:ln>
             <a:extLst>
               <a:ext uri="{91240B29-F687-4f45-9708-019B960494DF}">
-                <a14:hiddenLine xmlns="" xmlns:a14="http://schemas.microsoft.com/office/drawing/2010/main" w="9525">
+                <a14:hiddenLine xmlns:a14="http://schemas.microsoft.com/office/drawing/2010/main" xmlns="" w="9525">
                   <a:solidFill>
                     <a:srgbClr val="000000"/>
                   </a:solidFill>
@@ -4258,7 +4258,7 @@
             </a:ln>
             <a:extLst>
               <a:ext uri="{91240B29-F687-4f45-9708-019B960494DF}">
-                <a14:hiddenLine xmlns="" xmlns:a14="http://schemas.microsoft.com/office/drawing/2010/main" w="9525">
+                <a14:hiddenLine xmlns:a14="http://schemas.microsoft.com/office/drawing/2010/main" xmlns="" w="9525">
                   <a:solidFill>
                     <a:srgbClr val="000000"/>
                   </a:solidFill>
@@ -9065,7 +9065,7 @@
           <a:noFill/>
           <a:extLst>
             <a:ext uri="{909E8E84-426E-40dd-AFC4-6F175D3DCCD1}">
-              <a14:hiddenFill xmlns="" xmlns:a14="http://schemas.microsoft.com/office/drawing/2010/main">
+              <a14:hiddenFill xmlns:a14="http://schemas.microsoft.com/office/drawing/2010/main" xmlns="">
                 <a:solidFill>
                   <a:srgbClr val="FFFFFF"/>
                 </a:solidFill>
@@ -9139,7 +9139,7 @@
               </a:ln>
               <a:extLst>
                 <a:ext uri="{91240B29-F687-4f45-9708-019B960494DF}">
-                  <a14:hiddenLine xmlns="" xmlns:a14="http://schemas.microsoft.com/office/drawing/2010/main" w="9525">
+                  <a14:hiddenLine xmlns:a14="http://schemas.microsoft.com/office/drawing/2010/main" xmlns="" w="9525">
                     <a:solidFill>
                       <a:srgbClr val="000000"/>
                     </a:solidFill>
@@ -9229,7 +9229,7 @@
               </a:ln>
               <a:extLst>
                 <a:ext uri="{91240B29-F687-4f45-9708-019B960494DF}">
-                  <a14:hiddenLine xmlns="" xmlns:a14="http://schemas.microsoft.com/office/drawing/2010/main" w="9525">
+                  <a14:hiddenLine xmlns:a14="http://schemas.microsoft.com/office/drawing/2010/main" xmlns="" w="9525">
                     <a:solidFill>
                       <a:srgbClr val="000000"/>
                     </a:solidFill>
@@ -9319,7 +9319,7 @@
               </a:ln>
               <a:extLst>
                 <a:ext uri="{91240B29-F687-4f45-9708-019B960494DF}">
-                  <a14:hiddenLine xmlns="" xmlns:a14="http://schemas.microsoft.com/office/drawing/2010/main" w="9525">
+                  <a14:hiddenLine xmlns:a14="http://schemas.microsoft.com/office/drawing/2010/main" xmlns="" w="9525">
                     <a:solidFill>
                       <a:srgbClr val="000000"/>
                     </a:solidFill>
@@ -9381,7 +9381,7 @@
               </a:ln>
               <a:extLst>
                 <a:ext uri="{91240B29-F687-4f45-9708-019B960494DF}">
-                  <a14:hiddenLine xmlns="" xmlns:a14="http://schemas.microsoft.com/office/drawing/2010/main" w="9525">
+                  <a14:hiddenLine xmlns:a14="http://schemas.microsoft.com/office/drawing/2010/main" xmlns="" w="9525">
                     <a:solidFill>
                       <a:srgbClr val="000000"/>
                     </a:solidFill>
@@ -9471,7 +9471,7 @@
               </a:ln>
               <a:extLst>
                 <a:ext uri="{91240B29-F687-4f45-9708-019B960494DF}">
-                  <a14:hiddenLine xmlns="" xmlns:a14="http://schemas.microsoft.com/office/drawing/2010/main" w="9525">
+                  <a14:hiddenLine xmlns:a14="http://schemas.microsoft.com/office/drawing/2010/main" xmlns="" w="9525">
                     <a:solidFill>
                       <a:srgbClr val="000000"/>
                     </a:solidFill>
@@ -9533,7 +9533,7 @@
               </a:ln>
               <a:extLst>
                 <a:ext uri="{91240B29-F687-4f45-9708-019B960494DF}">
-                  <a14:hiddenLine xmlns="" xmlns:a14="http://schemas.microsoft.com/office/drawing/2010/main" w="9525">
+                  <a14:hiddenLine xmlns:a14="http://schemas.microsoft.com/office/drawing/2010/main" xmlns="" w="9525">
                     <a:solidFill>
                       <a:srgbClr val="000000"/>
                     </a:solidFill>
@@ -9595,7 +9595,7 @@
               </a:ln>
               <a:extLst>
                 <a:ext uri="{91240B29-F687-4f45-9708-019B960494DF}">
-                  <a14:hiddenLine xmlns="" xmlns:a14="http://schemas.microsoft.com/office/drawing/2010/main" w="9525">
+                  <a14:hiddenLine xmlns:a14="http://schemas.microsoft.com/office/drawing/2010/main" xmlns="" w="9525">
                     <a:solidFill>
                       <a:srgbClr val="000000"/>
                     </a:solidFill>
@@ -9685,7 +9685,7 @@
               </a:ln>
               <a:extLst>
                 <a:ext uri="{91240B29-F687-4f45-9708-019B960494DF}">
-                  <a14:hiddenLine xmlns="" xmlns:a14="http://schemas.microsoft.com/office/drawing/2010/main" w="9525">
+                  <a14:hiddenLine xmlns:a14="http://schemas.microsoft.com/office/drawing/2010/main" xmlns="" w="9525">
                     <a:solidFill>
                       <a:srgbClr val="000000"/>
                     </a:solidFill>
@@ -9775,7 +9775,7 @@
               </a:ln>
               <a:extLst>
                 <a:ext uri="{91240B29-F687-4f45-9708-019B960494DF}">
-                  <a14:hiddenLine xmlns="" xmlns:a14="http://schemas.microsoft.com/office/drawing/2010/main" w="9525">
+                  <a14:hiddenLine xmlns:a14="http://schemas.microsoft.com/office/drawing/2010/main" xmlns="" w="9525">
                     <a:solidFill>
                       <a:srgbClr val="000000"/>
                     </a:solidFill>
@@ -9837,7 +9837,7 @@
               </a:ln>
               <a:extLst>
                 <a:ext uri="{91240B29-F687-4f45-9708-019B960494DF}">
-                  <a14:hiddenLine xmlns="" xmlns:a14="http://schemas.microsoft.com/office/drawing/2010/main" w="9525">
+                  <a14:hiddenLine xmlns:a14="http://schemas.microsoft.com/office/drawing/2010/main" xmlns="" w="9525">
                     <a:solidFill>
                       <a:srgbClr val="000000"/>
                     </a:solidFill>
@@ -9947,7 +9947,7 @@
               </a:ln>
               <a:extLst>
                 <a:ext uri="{91240B29-F687-4f45-9708-019B960494DF}">
-                  <a14:hiddenLine xmlns="" xmlns:a14="http://schemas.microsoft.com/office/drawing/2010/main" w="9525">
+                  <a14:hiddenLine xmlns:a14="http://schemas.microsoft.com/office/drawing/2010/main" xmlns="" w="9525">
                     <a:solidFill>
                       <a:srgbClr val="000000"/>
                     </a:solidFill>
@@ -10031,7 +10031,7 @@
               </a:ln>
               <a:extLst>
                 <a:ext uri="{91240B29-F687-4f45-9708-019B960494DF}">
-                  <a14:hiddenLine xmlns="" xmlns:a14="http://schemas.microsoft.com/office/drawing/2010/main" w="9525">
+                  <a14:hiddenLine xmlns:a14="http://schemas.microsoft.com/office/drawing/2010/main" xmlns="" w="9525">
                     <a:solidFill>
                       <a:srgbClr val="000000"/>
                     </a:solidFill>
@@ -10093,7 +10093,7 @@
               </a:ln>
               <a:extLst>
                 <a:ext uri="{91240B29-F687-4f45-9708-019B960494DF}">
-                  <a14:hiddenLine xmlns="" xmlns:a14="http://schemas.microsoft.com/office/drawing/2010/main" w="9525">
+                  <a14:hiddenLine xmlns:a14="http://schemas.microsoft.com/office/drawing/2010/main" xmlns="" w="9525">
                     <a:solidFill>
                       <a:srgbClr val="000000"/>
                     </a:solidFill>
@@ -10155,7 +10155,7 @@
               </a:ln>
               <a:extLst>
                 <a:ext uri="{91240B29-F687-4f45-9708-019B960494DF}">
-                  <a14:hiddenLine xmlns="" xmlns:a14="http://schemas.microsoft.com/office/drawing/2010/main" w="9525">
+                  <a14:hiddenLine xmlns:a14="http://schemas.microsoft.com/office/drawing/2010/main" xmlns="" w="9525">
                     <a:solidFill>
                       <a:srgbClr val="000000"/>
                     </a:solidFill>
@@ -10245,7 +10245,7 @@
               </a:ln>
               <a:extLst>
                 <a:ext uri="{91240B29-F687-4f45-9708-019B960494DF}">
-                  <a14:hiddenLine xmlns="" xmlns:a14="http://schemas.microsoft.com/office/drawing/2010/main" w="9525">
+                  <a14:hiddenLine xmlns:a14="http://schemas.microsoft.com/office/drawing/2010/main" xmlns="" w="9525">
                     <a:solidFill>
                       <a:srgbClr val="000000"/>
                     </a:solidFill>
@@ -10279,7 +10279,7 @@
               </a:ln>
               <a:extLst>
                 <a:ext uri="{91240B29-F687-4f45-9708-019B960494DF}">
-                  <a14:hiddenLine xmlns="" xmlns:a14="http://schemas.microsoft.com/office/drawing/2010/main" w="9525">
+                  <a14:hiddenLine xmlns:a14="http://schemas.microsoft.com/office/drawing/2010/main" xmlns="" w="9525">
                     <a:solidFill>
                       <a:srgbClr val="000000"/>
                     </a:solidFill>
@@ -10344,7 +10344,7 @@
               </a:ln>
               <a:extLst>
                 <a:ext uri="{91240B29-F687-4f45-9708-019B960494DF}">
-                  <a14:hiddenLine xmlns="" xmlns:a14="http://schemas.microsoft.com/office/drawing/2010/main" w="9525">
+                  <a14:hiddenLine xmlns:a14="http://schemas.microsoft.com/office/drawing/2010/main" xmlns="" w="9525">
                     <a:solidFill>
                       <a:srgbClr val="000000"/>
                     </a:solidFill>
@@ -10434,7 +10434,7 @@
               </a:ln>
               <a:extLst>
                 <a:ext uri="{91240B29-F687-4f45-9708-019B960494DF}">
-                  <a14:hiddenLine xmlns="" xmlns:a14="http://schemas.microsoft.com/office/drawing/2010/main" w="9525">
+                  <a14:hiddenLine xmlns:a14="http://schemas.microsoft.com/office/drawing/2010/main" xmlns="" w="9525">
                     <a:solidFill>
                       <a:srgbClr val="000000"/>
                     </a:solidFill>
@@ -10496,7 +10496,7 @@
               </a:ln>
               <a:extLst>
                 <a:ext uri="{91240B29-F687-4f45-9708-019B960494DF}">
-                  <a14:hiddenLine xmlns="" xmlns:a14="http://schemas.microsoft.com/office/drawing/2010/main" w="9525">
+                  <a14:hiddenLine xmlns:a14="http://schemas.microsoft.com/office/drawing/2010/main" xmlns="" w="9525">
                     <a:solidFill>
                       <a:srgbClr val="000000"/>
                     </a:solidFill>
@@ -10586,7 +10586,7 @@
               </a:ln>
               <a:extLst>
                 <a:ext uri="{91240B29-F687-4f45-9708-019B960494DF}">
-                  <a14:hiddenLine xmlns="" xmlns:a14="http://schemas.microsoft.com/office/drawing/2010/main" w="9525">
+                  <a14:hiddenLine xmlns:a14="http://schemas.microsoft.com/office/drawing/2010/main" xmlns="" w="9525">
                     <a:solidFill>
                       <a:srgbClr val="000000"/>
                     </a:solidFill>
@@ -10651,7 +10651,7 @@
               </a:ln>
               <a:extLst>
                 <a:ext uri="{91240B29-F687-4f45-9708-019B960494DF}">
-                  <a14:hiddenLine xmlns="" xmlns:a14="http://schemas.microsoft.com/office/drawing/2010/main" w="9525">
+                  <a14:hiddenLine xmlns:a14="http://schemas.microsoft.com/office/drawing/2010/main" xmlns="" w="9525">
                     <a:solidFill>
                       <a:srgbClr val="000000"/>
                     </a:solidFill>
@@ -10713,7 +10713,7 @@
               </a:ln>
               <a:extLst>
                 <a:ext uri="{91240B29-F687-4f45-9708-019B960494DF}">
-                  <a14:hiddenLine xmlns="" xmlns:a14="http://schemas.microsoft.com/office/drawing/2010/main" w="9525">
+                  <a14:hiddenLine xmlns:a14="http://schemas.microsoft.com/office/drawing/2010/main" xmlns="" w="9525">
                     <a:solidFill>
                       <a:srgbClr val="000000"/>
                     </a:solidFill>
@@ -10803,7 +10803,7 @@
               </a:ln>
               <a:extLst>
                 <a:ext uri="{91240B29-F687-4f45-9708-019B960494DF}">
-                  <a14:hiddenLine xmlns="" xmlns:a14="http://schemas.microsoft.com/office/drawing/2010/main" w="9525">
+                  <a14:hiddenLine xmlns:a14="http://schemas.microsoft.com/office/drawing/2010/main" xmlns="" w="9525">
                     <a:solidFill>
                       <a:srgbClr val="000000"/>
                     </a:solidFill>
@@ -10893,7 +10893,7 @@
               </a:ln>
               <a:extLst>
                 <a:ext uri="{91240B29-F687-4f45-9708-019B960494DF}">
-                  <a14:hiddenLine xmlns="" xmlns:a14="http://schemas.microsoft.com/office/drawing/2010/main" w="9525">
+                  <a14:hiddenLine xmlns:a14="http://schemas.microsoft.com/office/drawing/2010/main" xmlns="" w="9525">
                     <a:solidFill>
                       <a:srgbClr val="000000"/>
                     </a:solidFill>
@@ -10958,7 +10958,7 @@
               </a:ln>
               <a:extLst>
                 <a:ext uri="{91240B29-F687-4f45-9708-019B960494DF}">
-                  <a14:hiddenLine xmlns="" xmlns:a14="http://schemas.microsoft.com/office/drawing/2010/main" w="9525">
+                  <a14:hiddenLine xmlns:a14="http://schemas.microsoft.com/office/drawing/2010/main" xmlns="" w="9525">
                     <a:solidFill>
                       <a:srgbClr val="000000"/>
                     </a:solidFill>
@@ -11078,7 +11078,7 @@
               </a:ln>
               <a:extLst>
                 <a:ext uri="{91240B29-F687-4f45-9708-019B960494DF}">
-                  <a14:hiddenLine xmlns="" xmlns:a14="http://schemas.microsoft.com/office/drawing/2010/main" w="9525">
+                  <a14:hiddenLine xmlns:a14="http://schemas.microsoft.com/office/drawing/2010/main" xmlns="" w="9525">
                     <a:solidFill>
                       <a:srgbClr val="000000"/>
                     </a:solidFill>
@@ -11176,7 +11176,7 @@
               </a:ln>
               <a:extLst>
                 <a:ext uri="{91240B29-F687-4f45-9708-019B960494DF}">
-                  <a14:hiddenLine xmlns="" xmlns:a14="http://schemas.microsoft.com/office/drawing/2010/main" w="9525">
+                  <a14:hiddenLine xmlns:a14="http://schemas.microsoft.com/office/drawing/2010/main" xmlns="" w="9525">
                     <a:solidFill>
                       <a:srgbClr val="000000"/>
                     </a:solidFill>
@@ -11291,7 +11291,7 @@
               </a:ln>
               <a:extLst>
                 <a:ext uri="{91240B29-F687-4f45-9708-019B960494DF}">
-                  <a14:hiddenLine xmlns="" xmlns:a14="http://schemas.microsoft.com/office/drawing/2010/main" w="9525">
+                  <a14:hiddenLine xmlns:a14="http://schemas.microsoft.com/office/drawing/2010/main" xmlns="" w="9525">
                     <a:solidFill>
                       <a:srgbClr val="000000"/>
                     </a:solidFill>
@@ -11381,7 +11381,7 @@
               </a:ln>
               <a:extLst>
                 <a:ext uri="{91240B29-F687-4f45-9708-019B960494DF}">
-                  <a14:hiddenLine xmlns="" xmlns:a14="http://schemas.microsoft.com/office/drawing/2010/main" w="9525">
+                  <a14:hiddenLine xmlns:a14="http://schemas.microsoft.com/office/drawing/2010/main" xmlns="" w="9525">
                     <a:solidFill>
                       <a:srgbClr val="000000"/>
                     </a:solidFill>
@@ -11446,7 +11446,7 @@
               </a:ln>
               <a:extLst>
                 <a:ext uri="{91240B29-F687-4f45-9708-019B960494DF}">
-                  <a14:hiddenLine xmlns="" xmlns:a14="http://schemas.microsoft.com/office/drawing/2010/main" w="9525">
+                  <a14:hiddenLine xmlns:a14="http://schemas.microsoft.com/office/drawing/2010/main" xmlns="" w="9525">
                     <a:solidFill>
                       <a:srgbClr val="000000"/>
                     </a:solidFill>
@@ -11536,7 +11536,7 @@
               </a:ln>
               <a:extLst>
                 <a:ext uri="{91240B29-F687-4f45-9708-019B960494DF}">
-                  <a14:hiddenLine xmlns="" xmlns:a14="http://schemas.microsoft.com/office/drawing/2010/main" w="9525">
+                  <a14:hiddenLine xmlns:a14="http://schemas.microsoft.com/office/drawing/2010/main" xmlns="" w="9525">
                     <a:solidFill>
                       <a:srgbClr val="000000"/>
                     </a:solidFill>
@@ -11604,7 +11604,7 @@
               </a:ln>
               <a:extLst>
                 <a:ext uri="{91240B29-F687-4f45-9708-019B960494DF}">
-                  <a14:hiddenLine xmlns="" xmlns:a14="http://schemas.microsoft.com/office/drawing/2010/main" w="9525">
+                  <a14:hiddenLine xmlns:a14="http://schemas.microsoft.com/office/drawing/2010/main" xmlns="" w="9525">
                     <a:solidFill>
                       <a:srgbClr val="000000"/>
                     </a:solidFill>
@@ -11694,7 +11694,7 @@
               </a:ln>
               <a:extLst>
                 <a:ext uri="{91240B29-F687-4f45-9708-019B960494DF}">
-                  <a14:hiddenLine xmlns="" xmlns:a14="http://schemas.microsoft.com/office/drawing/2010/main" w="9525">
+                  <a14:hiddenLine xmlns:a14="http://schemas.microsoft.com/office/drawing/2010/main" xmlns="" w="9525">
                     <a:solidFill>
                       <a:srgbClr val="000000"/>
                     </a:solidFill>
@@ -11762,7 +11762,7 @@
               </a:ln>
               <a:extLst>
                 <a:ext uri="{91240B29-F687-4f45-9708-019B960494DF}">
-                  <a14:hiddenLine xmlns="" xmlns:a14="http://schemas.microsoft.com/office/drawing/2010/main" w="9525">
+                  <a14:hiddenLine xmlns:a14="http://schemas.microsoft.com/office/drawing/2010/main" xmlns="" w="9525">
                     <a:solidFill>
                       <a:srgbClr val="000000"/>
                     </a:solidFill>
@@ -11852,7 +11852,7 @@
               </a:ln>
               <a:extLst>
                 <a:ext uri="{91240B29-F687-4f45-9708-019B960494DF}">
-                  <a14:hiddenLine xmlns="" xmlns:a14="http://schemas.microsoft.com/office/drawing/2010/main" w="9525">
+                  <a14:hiddenLine xmlns:a14="http://schemas.microsoft.com/office/drawing/2010/main" xmlns="" w="9525">
                     <a:solidFill>
                       <a:srgbClr val="000000"/>
                     </a:solidFill>
@@ -11886,7 +11886,7 @@
               </a:ln>
               <a:extLst>
                 <a:ext uri="{91240B29-F687-4f45-9708-019B960494DF}">
-                  <a14:hiddenLine xmlns="" xmlns:a14="http://schemas.microsoft.com/office/drawing/2010/main" w="9525">
+                  <a14:hiddenLine xmlns:a14="http://schemas.microsoft.com/office/drawing/2010/main" xmlns="" w="9525">
                     <a:solidFill>
                       <a:srgbClr val="000000"/>
                     </a:solidFill>
@@ -13818,56 +13818,14 @@
           <a:p>
             <a:r>
               <a:rPr lang="en-US" dirty="0"/>
-              <a:t>The theories talked about show different aspects of the game and how it reflects to the player from, player experience through difficulty, game flow for the player and emotional investment for the player. </a:t>
-            </a:r>
-          </a:p>
-        </p:txBody>
-      </p:sp>
-      <p:sp>
-        <p:nvSpPr>
-          <p:cNvPr id="4" name="Rectangle 3"/>
-          <p:cNvSpPr/>
-          <p:nvPr/>
-        </p:nvSpPr>
-        <p:spPr>
-          <a:xfrm>
-            <a:off x="7992208" y="4211516"/>
-            <a:ext cx="3880339" cy="2241734"/>
-          </a:xfrm>
-          <a:prstGeom prst="rect">
-            <a:avLst/>
-          </a:prstGeom>
-        </p:spPr>
-        <p:style>
-          <a:lnRef idx="2">
-            <a:schemeClr val="accent1">
-              <a:shade val="50000"/>
-            </a:schemeClr>
-          </a:lnRef>
-          <a:fillRef idx="1">
-            <a:schemeClr val="accent1"/>
-          </a:fillRef>
-          <a:effectRef idx="0">
-            <a:schemeClr val="accent1"/>
-          </a:effectRef>
-          <a:fontRef idx="minor">
-            <a:schemeClr val="lt1"/>
-          </a:fontRef>
-        </p:style>
-        <p:txBody>
-          <a:bodyPr rtlCol="0" anchor="ctr"/>
-          <a:lstStyle/>
-          <a:p>
-            <a:pPr algn="ctr"/>
-            <a:r>
-              <a:rPr lang="en-GB" dirty="0">
-                <a:latin typeface="Franklin Gothic Book" panose="020B0503020102020204" pitchFamily="34" charset="0"/>
-              </a:rPr>
-              <a:t>Is there anything that you can say about the theories and their relevance for your game? If so, say it here!</a:t>
-            </a:r>
-            <a:endParaRPr lang="en-US" dirty="0">
-              <a:latin typeface="Franklin Gothic Book" panose="020B0503020102020204" pitchFamily="34" charset="0"/>
-            </a:endParaRPr>
+              <a:t>The theories talked about show different aspects of the game and how it reflects to the player from; experience through difficulty, game flow and emotional investment. </a:t>
+            </a:r>
+          </a:p>
+          <a:p>
+            <a:r>
+              <a:rPr lang="en-US" dirty="0"/>
+              <a:t>Though the game does follow these theories it does not dedicate itself to prove these theories, instead it is flexible and allows more theories to be implemented in later if needed.   </a:t>
+            </a:r>
           </a:p>
         </p:txBody>
       </p:sp>
